--- a/Présentation.pptx
+++ b/Présentation.pptx
@@ -4,6 +4,9 @@
   <p:sldMasterIdLst>
     <p:sldMasterId id="2147483648" r:id="rId1"/>
   </p:sldMasterIdLst>
+  <p:notesMasterIdLst>
+    <p:notesMasterId r:id="rId7"/>
+  </p:notesMasterIdLst>
   <p:sldIdLst>
     <p:sldId id="256" r:id="rId2"/>
     <p:sldId id="257" r:id="rId3"/>
@@ -128,15 +131,15 @@
 </file>
 
 <file path=ppt/diagrams/colors1.xml><?xml version="1.0" encoding="utf-8"?>
-<dgm:colorsDef xmlns:dgm="http://schemas.openxmlformats.org/drawingml/2006/diagram" xmlns:a="http://schemas.openxmlformats.org/drawingml/2006/main" uniqueId="urn:microsoft.com/office/officeart/2005/8/colors/accent1_2">
+<dgm:colorsDef xmlns:dgm="http://schemas.openxmlformats.org/drawingml/2006/diagram" xmlns:a="http://schemas.openxmlformats.org/drawingml/2006/main" uniqueId="urn:microsoft.com/office/officeart/2005/8/colors/colorful5">
   <dgm:title val=""/>
   <dgm:desc val=""/>
   <dgm:catLst>
-    <dgm:cat type="accent1" pri="11200"/>
+    <dgm:cat type="colorful" pri="10500"/>
   </dgm:catLst>
   <dgm:styleLbl name="node0">
     <dgm:fillClrLst meth="repeat">
-      <a:schemeClr val="accent1"/>
+      <a:schemeClr val="accent4"/>
     </dgm:fillClrLst>
     <dgm:linClrLst meth="repeat">
       <a:schemeClr val="lt1"/>
@@ -146,21 +149,10 @@
     <dgm:txFillClrLst/>
     <dgm:txEffectClrLst/>
   </dgm:styleLbl>
-  <dgm:styleLbl name="alignNode1">
-    <dgm:fillClrLst meth="repeat">
-      <a:schemeClr val="accent1"/>
-    </dgm:fillClrLst>
-    <dgm:linClrLst meth="repeat">
-      <a:schemeClr val="accent1"/>
-    </dgm:linClrLst>
-    <dgm:effectClrLst/>
-    <dgm:txLinClrLst/>
-    <dgm:txFillClrLst/>
-    <dgm:txEffectClrLst/>
-  </dgm:styleLbl>
   <dgm:styleLbl name="node1">
-    <dgm:fillClrLst meth="repeat">
-      <a:schemeClr val="accent1"/>
+    <dgm:fillClrLst>
+      <a:schemeClr val="accent5"/>
+      <a:schemeClr val="accent6"/>
     </dgm:fillClrLst>
     <dgm:linClrLst meth="repeat">
       <a:schemeClr val="lt1"/>
@@ -170,9 +162,24 @@
     <dgm:txFillClrLst/>
     <dgm:txEffectClrLst/>
   </dgm:styleLbl>
+  <dgm:styleLbl name="alignNode1">
+    <dgm:fillClrLst>
+      <a:schemeClr val="accent5"/>
+      <a:schemeClr val="accent6"/>
+    </dgm:fillClrLst>
+    <dgm:linClrLst>
+      <a:schemeClr val="accent5"/>
+      <a:schemeClr val="accent6"/>
+    </dgm:linClrLst>
+    <dgm:effectClrLst/>
+    <dgm:txLinClrLst/>
+    <dgm:txFillClrLst/>
+    <dgm:txEffectClrLst/>
+  </dgm:styleLbl>
   <dgm:styleLbl name="lnNode1">
-    <dgm:fillClrLst meth="repeat">
-      <a:schemeClr val="accent1"/>
+    <dgm:fillClrLst>
+      <a:schemeClr val="accent5"/>
+      <a:schemeClr val="accent6"/>
     </dgm:fillClrLst>
     <dgm:linClrLst meth="repeat">
       <a:schemeClr val="lt1"/>
@@ -183,8 +190,11 @@
     <dgm:txEffectClrLst/>
   </dgm:styleLbl>
   <dgm:styleLbl name="vennNode1">
-    <dgm:fillClrLst meth="repeat">
-      <a:schemeClr val="accent1">
+    <dgm:fillClrLst>
+      <a:schemeClr val="accent5">
+        <a:alpha val="50000"/>
+      </a:schemeClr>
+      <a:schemeClr val="accent6">
         <a:alpha val="50000"/>
       </a:schemeClr>
     </dgm:fillClrLst>
@@ -197,7 +207,19 @@
     <dgm:txEffectClrLst/>
   </dgm:styleLbl>
   <dgm:styleLbl name="node2">
-    <dgm:fillClrLst meth="repeat">
+    <dgm:fillClrLst>
+      <a:schemeClr val="accent6"/>
+    </dgm:fillClrLst>
+    <dgm:linClrLst meth="repeat">
+      <a:schemeClr val="lt1"/>
+    </dgm:linClrLst>
+    <dgm:effectClrLst/>
+    <dgm:txLinClrLst/>
+    <dgm:txFillClrLst/>
+    <dgm:txEffectClrLst/>
+  </dgm:styleLbl>
+  <dgm:styleLbl name="node3">
+    <dgm:fillClrLst>
       <a:schemeClr val="accent1"/>
     </dgm:fillClrLst>
     <dgm:linClrLst meth="repeat">
@@ -208,9 +230,9 @@
     <dgm:txFillClrLst/>
     <dgm:txEffectClrLst/>
   </dgm:styleLbl>
-  <dgm:styleLbl name="node3">
-    <dgm:fillClrLst meth="repeat">
-      <a:schemeClr val="accent1"/>
+  <dgm:styleLbl name="node4">
+    <dgm:fillClrLst>
+      <a:schemeClr val="accent2"/>
     </dgm:fillClrLst>
     <dgm:linClrLst meth="repeat">
       <a:schemeClr val="lt1"/>
@@ -220,21 +242,12 @@
     <dgm:txFillClrLst/>
     <dgm:txEffectClrLst/>
   </dgm:styleLbl>
-  <dgm:styleLbl name="node4">
-    <dgm:fillClrLst meth="repeat">
-      <a:schemeClr val="accent1"/>
-    </dgm:fillClrLst>
-    <dgm:linClrLst meth="repeat">
-      <a:schemeClr val="lt1"/>
-    </dgm:linClrLst>
-    <dgm:effectClrLst/>
-    <dgm:txLinClrLst/>
-    <dgm:txFillClrLst/>
-    <dgm:txEffectClrLst/>
-  </dgm:styleLbl>
   <dgm:styleLbl name="fgImgPlace1">
-    <dgm:fillClrLst meth="repeat">
-      <a:schemeClr val="accent1">
+    <dgm:fillClrLst>
+      <a:schemeClr val="accent5">
+        <a:tint val="50000"/>
+      </a:schemeClr>
+      <a:schemeClr val="accent6">
         <a:tint val="50000"/>
       </a:schemeClr>
     </dgm:fillClrLst>
@@ -249,9 +262,12 @@
     <dgm:txEffectClrLst/>
   </dgm:styleLbl>
   <dgm:styleLbl name="alignImgPlace1">
-    <dgm:fillClrLst meth="repeat">
-      <a:schemeClr val="accent1">
+    <dgm:fillClrLst>
+      <a:schemeClr val="accent5">
         <a:tint val="50000"/>
+      </a:schemeClr>
+      <a:schemeClr val="accent6">
+        <a:tint val="20000"/>
       </a:schemeClr>
     </dgm:fillClrLst>
     <dgm:linClrLst meth="repeat">
@@ -265,9 +281,12 @@
     <dgm:txEffectClrLst/>
   </dgm:styleLbl>
   <dgm:styleLbl name="bgImgPlace1">
-    <dgm:fillClrLst meth="repeat">
-      <a:schemeClr val="accent1">
+    <dgm:fillClrLst>
+      <a:schemeClr val="accent5">
         <a:tint val="50000"/>
+      </a:schemeClr>
+      <a:schemeClr val="accent6">
+        <a:tint val="20000"/>
       </a:schemeClr>
     </dgm:fillClrLst>
     <dgm:linClrLst meth="repeat">
@@ -281,14 +300,84 @@
     <dgm:txEffectClrLst/>
   </dgm:styleLbl>
   <dgm:styleLbl name="sibTrans2D1">
-    <dgm:fillClrLst meth="repeat">
-      <a:schemeClr val="accent1">
-        <a:tint val="60000"/>
-      </a:schemeClr>
+    <dgm:fillClrLst>
+      <a:schemeClr val="accent5"/>
+      <a:schemeClr val="accent6"/>
     </dgm:fillClrLst>
     <dgm:linClrLst meth="repeat">
-      <a:schemeClr val="accent1">
-        <a:tint val="60000"/>
+      <a:schemeClr val="lt1"/>
+    </dgm:linClrLst>
+    <dgm:effectClrLst/>
+    <dgm:txLinClrLst/>
+    <dgm:txFillClrLst/>
+    <dgm:txEffectClrLst/>
+  </dgm:styleLbl>
+  <dgm:styleLbl name="fgSibTrans2D1">
+    <dgm:fillClrLst>
+      <a:schemeClr val="accent5"/>
+      <a:schemeClr val="accent6"/>
+    </dgm:fillClrLst>
+    <dgm:linClrLst meth="repeat">
+      <a:schemeClr val="lt1"/>
+    </dgm:linClrLst>
+    <dgm:effectClrLst/>
+    <dgm:txLinClrLst/>
+    <dgm:txFillClrLst meth="repeat">
+      <a:schemeClr val="lt1"/>
+    </dgm:txFillClrLst>
+    <dgm:txEffectClrLst/>
+  </dgm:styleLbl>
+  <dgm:styleLbl name="bgSibTrans2D1">
+    <dgm:fillClrLst>
+      <a:schemeClr val="accent5"/>
+      <a:schemeClr val="accent6"/>
+    </dgm:fillClrLst>
+    <dgm:linClrLst meth="repeat">
+      <a:schemeClr val="lt1"/>
+    </dgm:linClrLst>
+    <dgm:effectClrLst/>
+    <dgm:txLinClrLst/>
+    <dgm:txFillClrLst meth="repeat">
+      <a:schemeClr val="lt1"/>
+    </dgm:txFillClrLst>
+    <dgm:txEffectClrLst/>
+  </dgm:styleLbl>
+  <dgm:styleLbl name="sibTrans1D1">
+    <dgm:fillClrLst/>
+    <dgm:linClrLst>
+      <a:schemeClr val="accent5"/>
+      <a:schemeClr val="accent6"/>
+    </dgm:linClrLst>
+    <dgm:effectClrLst/>
+    <dgm:txLinClrLst/>
+    <dgm:txFillClrLst meth="repeat">
+      <a:schemeClr val="tx1"/>
+    </dgm:txFillClrLst>
+    <dgm:txEffectClrLst/>
+  </dgm:styleLbl>
+  <dgm:styleLbl name="callout">
+    <dgm:fillClrLst meth="repeat">
+      <a:schemeClr val="accent5"/>
+    </dgm:fillClrLst>
+    <dgm:linClrLst meth="repeat">
+      <a:schemeClr val="accent5">
+        <a:tint val="50000"/>
+      </a:schemeClr>
+    </dgm:linClrLst>
+    <dgm:effectClrLst/>
+    <dgm:txLinClrLst/>
+    <dgm:txFillClrLst meth="repeat">
+      <a:schemeClr val="tx1"/>
+    </dgm:txFillClrLst>
+    <dgm:txEffectClrLst/>
+  </dgm:styleLbl>
+  <dgm:styleLbl name="asst0">
+    <dgm:fillClrLst meth="repeat">
+      <a:schemeClr val="accent5"/>
+    </dgm:fillClrLst>
+    <dgm:linClrLst meth="repeat">
+      <a:schemeClr val="lt1">
+        <a:shade val="80000"/>
       </a:schemeClr>
     </dgm:linClrLst>
     <dgm:effectClrLst/>
@@ -296,15 +385,13 @@
     <dgm:txFillClrLst/>
     <dgm:txEffectClrLst/>
   </dgm:styleLbl>
-  <dgm:styleLbl name="fgSibTrans2D1">
+  <dgm:styleLbl name="asst1">
     <dgm:fillClrLst meth="repeat">
-      <a:schemeClr val="accent1">
-        <a:tint val="60000"/>
-      </a:schemeClr>
+      <a:schemeClr val="accent6"/>
     </dgm:fillClrLst>
     <dgm:linClrLst meth="repeat">
-      <a:schemeClr val="accent1">
-        <a:tint val="60000"/>
+      <a:schemeClr val="lt1">
+        <a:shade val="80000"/>
       </a:schemeClr>
     </dgm:linClrLst>
     <dgm:effectClrLst/>
@@ -312,25 +399,129 @@
     <dgm:txFillClrLst/>
     <dgm:txEffectClrLst/>
   </dgm:styleLbl>
-  <dgm:styleLbl name="bgSibTrans2D1">
-    <dgm:fillClrLst meth="repeat">
-      <a:schemeClr val="accent1">
-        <a:tint val="60000"/>
-      </a:schemeClr>
+  <dgm:styleLbl name="asst2">
+    <dgm:fillClrLst>
+      <a:schemeClr val="accent1"/>
     </dgm:fillClrLst>
     <dgm:linClrLst meth="repeat">
-      <a:schemeClr val="accent1">
-        <a:tint val="60000"/>
-      </a:schemeClr>
+      <a:schemeClr val="lt1"/>
     </dgm:linClrLst>
     <dgm:effectClrLst/>
     <dgm:txLinClrLst/>
     <dgm:txFillClrLst/>
     <dgm:txEffectClrLst/>
   </dgm:styleLbl>
-  <dgm:styleLbl name="sibTrans1D1">
+  <dgm:styleLbl name="asst3">
+    <dgm:fillClrLst>
+      <a:schemeClr val="accent2"/>
+    </dgm:fillClrLst>
+    <dgm:linClrLst meth="repeat">
+      <a:schemeClr val="lt1"/>
+    </dgm:linClrLst>
+    <dgm:effectClrLst/>
+    <dgm:txLinClrLst/>
+    <dgm:txFillClrLst/>
+    <dgm:txEffectClrLst/>
+  </dgm:styleLbl>
+  <dgm:styleLbl name="asst4">
+    <dgm:fillClrLst>
+      <a:schemeClr val="accent3"/>
+    </dgm:fillClrLst>
+    <dgm:linClrLst meth="repeat">
+      <a:schemeClr val="lt1"/>
+    </dgm:linClrLst>
+    <dgm:effectClrLst/>
+    <dgm:txLinClrLst/>
+    <dgm:txFillClrLst/>
+    <dgm:txEffectClrLst/>
+  </dgm:styleLbl>
+  <dgm:styleLbl name="parChTrans2D1">
+    <dgm:fillClrLst meth="repeat">
+      <a:schemeClr val="accent5"/>
+    </dgm:fillClrLst>
+    <dgm:linClrLst meth="repeat">
+      <a:schemeClr val="lt1"/>
+    </dgm:linClrLst>
+    <dgm:effectClrLst/>
+    <dgm:txLinClrLst/>
+    <dgm:txFillClrLst meth="repeat">
+      <a:schemeClr val="lt1"/>
+    </dgm:txFillClrLst>
+    <dgm:txEffectClrLst/>
+  </dgm:styleLbl>
+  <dgm:styleLbl name="parChTrans2D2">
+    <dgm:fillClrLst meth="repeat">
+      <a:schemeClr val="accent6"/>
+    </dgm:fillClrLst>
+    <dgm:linClrLst meth="repeat">
+      <a:schemeClr val="lt1"/>
+    </dgm:linClrLst>
+    <dgm:effectClrLst/>
+    <dgm:txLinClrLst/>
+    <dgm:txFillClrLst/>
+    <dgm:txEffectClrLst/>
+  </dgm:styleLbl>
+  <dgm:styleLbl name="parChTrans2D3">
+    <dgm:fillClrLst meth="repeat">
+      <a:schemeClr val="accent6"/>
+    </dgm:fillClrLst>
+    <dgm:linClrLst meth="repeat">
+      <a:schemeClr val="lt1"/>
+    </dgm:linClrLst>
+    <dgm:effectClrLst/>
+    <dgm:txLinClrLst/>
+    <dgm:txFillClrLst/>
+    <dgm:txEffectClrLst/>
+  </dgm:styleLbl>
+  <dgm:styleLbl name="parChTrans2D4">
     <dgm:fillClrLst meth="repeat">
       <a:schemeClr val="accent1"/>
+    </dgm:fillClrLst>
+    <dgm:linClrLst meth="repeat">
+      <a:schemeClr val="lt1"/>
+    </dgm:linClrLst>
+    <dgm:effectClrLst/>
+    <dgm:txLinClrLst/>
+    <dgm:txFillClrLst meth="repeat">
+      <a:schemeClr val="lt1"/>
+    </dgm:txFillClrLst>
+    <dgm:txEffectClrLst/>
+  </dgm:styleLbl>
+  <dgm:styleLbl name="parChTrans1D1">
+    <dgm:fillClrLst meth="repeat">
+      <a:schemeClr val="accent5"/>
+    </dgm:fillClrLst>
+    <dgm:linClrLst meth="repeat">
+      <a:schemeClr val="accent5"/>
+    </dgm:linClrLst>
+    <dgm:effectClrLst/>
+    <dgm:txLinClrLst/>
+    <dgm:txFillClrLst meth="repeat">
+      <a:schemeClr val="tx1"/>
+    </dgm:txFillClrLst>
+    <dgm:txEffectClrLst/>
+  </dgm:styleLbl>
+  <dgm:styleLbl name="parChTrans1D2">
+    <dgm:fillClrLst meth="repeat">
+      <a:schemeClr val="accent6">
+        <a:tint val="90000"/>
+      </a:schemeClr>
+    </dgm:fillClrLst>
+    <dgm:linClrLst meth="repeat">
+      <a:schemeClr val="accent6"/>
+    </dgm:linClrLst>
+    <dgm:effectClrLst/>
+    <dgm:txLinClrLst/>
+    <dgm:txFillClrLst meth="repeat">
+      <a:schemeClr val="tx1"/>
+    </dgm:txFillClrLst>
+    <dgm:txEffectClrLst/>
+  </dgm:styleLbl>
+  <dgm:styleLbl name="parChTrans1D3">
+    <dgm:fillClrLst meth="repeat">
+      <a:schemeClr val="accent6">
+        <a:tint val="70000"/>
+      </a:schemeClr>
     </dgm:fillClrLst>
     <dgm:linClrLst meth="repeat">
       <a:schemeClr val="accent1"/>
@@ -342,14 +533,14 @@
     </dgm:txFillClrLst>
     <dgm:txEffectClrLst/>
   </dgm:styleLbl>
-  <dgm:styleLbl name="callout">
+  <dgm:styleLbl name="parChTrans1D4">
     <dgm:fillClrLst meth="repeat">
-      <a:schemeClr val="accent1"/>
+      <a:schemeClr val="accent6">
+        <a:tint val="50000"/>
+      </a:schemeClr>
     </dgm:fillClrLst>
     <dgm:linClrLst meth="repeat">
-      <a:schemeClr val="accent1">
-        <a:tint val="50000"/>
-      </a:schemeClr>
+      <a:schemeClr val="accent2"/>
     </dgm:linClrLst>
     <dgm:effectClrLst/>
     <dgm:txLinClrLst/>
@@ -358,197 +549,258 @@
     </dgm:txFillClrLst>
     <dgm:txEffectClrLst/>
   </dgm:styleLbl>
-  <dgm:styleLbl name="asst0">
-    <dgm:fillClrLst meth="repeat">
-      <a:schemeClr val="accent1"/>
-    </dgm:fillClrLst>
-    <dgm:linClrLst meth="repeat">
-      <a:schemeClr val="lt1"/>
-    </dgm:linClrLst>
-    <dgm:effectClrLst/>
-    <dgm:txLinClrLst/>
-    <dgm:txFillClrLst/>
-    <dgm:txEffectClrLst/>
-  </dgm:styleLbl>
-  <dgm:styleLbl name="asst1">
-    <dgm:fillClrLst meth="repeat">
-      <a:schemeClr val="accent1"/>
-    </dgm:fillClrLst>
-    <dgm:linClrLst meth="repeat">
-      <a:schemeClr val="lt1"/>
-    </dgm:linClrLst>
-    <dgm:effectClrLst/>
-    <dgm:txLinClrLst/>
-    <dgm:txFillClrLst/>
-    <dgm:txEffectClrLst/>
-  </dgm:styleLbl>
-  <dgm:styleLbl name="asst2">
-    <dgm:fillClrLst meth="repeat">
-      <a:schemeClr val="accent1"/>
-    </dgm:fillClrLst>
-    <dgm:linClrLst meth="repeat">
-      <a:schemeClr val="lt1"/>
-    </dgm:linClrLst>
-    <dgm:effectClrLst/>
-    <dgm:txLinClrLst/>
-    <dgm:txFillClrLst/>
-    <dgm:txEffectClrLst/>
-  </dgm:styleLbl>
-  <dgm:styleLbl name="asst3">
-    <dgm:fillClrLst meth="repeat">
-      <a:schemeClr val="accent1"/>
-    </dgm:fillClrLst>
-    <dgm:linClrLst meth="repeat">
-      <a:schemeClr val="lt1"/>
-    </dgm:linClrLst>
-    <dgm:effectClrLst/>
-    <dgm:txLinClrLst/>
-    <dgm:txFillClrLst/>
-    <dgm:txEffectClrLst/>
-  </dgm:styleLbl>
-  <dgm:styleLbl name="asst4">
-    <dgm:fillClrLst meth="repeat">
-      <a:schemeClr val="accent1"/>
-    </dgm:fillClrLst>
-    <dgm:linClrLst meth="repeat">
-      <a:schemeClr val="lt1"/>
-    </dgm:linClrLst>
-    <dgm:effectClrLst/>
-    <dgm:txLinClrLst/>
-    <dgm:txFillClrLst/>
-    <dgm:txEffectClrLst/>
-  </dgm:styleLbl>
-  <dgm:styleLbl name="parChTrans2D1">
-    <dgm:fillClrLst meth="repeat">
-      <a:schemeClr val="accent1">
-        <a:tint val="60000"/>
-      </a:schemeClr>
-    </dgm:fillClrLst>
-    <dgm:linClrLst meth="repeat">
-      <a:schemeClr val="accent1">
-        <a:tint val="60000"/>
-      </a:schemeClr>
-    </dgm:linClrLst>
-    <dgm:effectClrLst/>
-    <dgm:txLinClrLst/>
-    <dgm:txFillClrLst meth="repeat">
-      <a:schemeClr val="lt1"/>
-    </dgm:txFillClrLst>
-    <dgm:txEffectClrLst/>
-  </dgm:styleLbl>
-  <dgm:styleLbl name="parChTrans2D2">
-    <dgm:fillClrLst meth="repeat">
-      <a:schemeClr val="accent1"/>
-    </dgm:fillClrLst>
-    <dgm:linClrLst meth="repeat">
-      <a:schemeClr val="accent1"/>
-    </dgm:linClrLst>
-    <dgm:effectClrLst/>
-    <dgm:txLinClrLst/>
-    <dgm:txFillClrLst meth="repeat">
-      <a:schemeClr val="lt1"/>
-    </dgm:txFillClrLst>
-    <dgm:txEffectClrLst/>
-  </dgm:styleLbl>
-  <dgm:styleLbl name="parChTrans2D3">
-    <dgm:fillClrLst meth="repeat">
-      <a:schemeClr val="accent1"/>
-    </dgm:fillClrLst>
-    <dgm:linClrLst meth="repeat">
-      <a:schemeClr val="accent1"/>
-    </dgm:linClrLst>
-    <dgm:effectClrLst/>
-    <dgm:txLinClrLst/>
-    <dgm:txFillClrLst meth="repeat">
-      <a:schemeClr val="lt1"/>
-    </dgm:txFillClrLst>
-    <dgm:txEffectClrLst/>
-  </dgm:styleLbl>
-  <dgm:styleLbl name="parChTrans2D4">
-    <dgm:fillClrLst meth="repeat">
-      <a:schemeClr val="accent1"/>
-    </dgm:fillClrLst>
-    <dgm:linClrLst meth="repeat">
-      <a:schemeClr val="accent1"/>
-    </dgm:linClrLst>
-    <dgm:effectClrLst/>
-    <dgm:txLinClrLst/>
-    <dgm:txFillClrLst meth="repeat">
-      <a:schemeClr val="lt1"/>
-    </dgm:txFillClrLst>
-    <dgm:txEffectClrLst/>
-  </dgm:styleLbl>
-  <dgm:styleLbl name="parChTrans1D1">
-    <dgm:fillClrLst meth="repeat">
-      <a:schemeClr val="accent1"/>
-    </dgm:fillClrLst>
-    <dgm:linClrLst meth="repeat">
-      <a:schemeClr val="accent1">
-        <a:shade val="60000"/>
-      </a:schemeClr>
-    </dgm:linClrLst>
-    <dgm:effectClrLst/>
-    <dgm:txLinClrLst/>
-    <dgm:txFillClrLst meth="repeat">
-      <a:schemeClr val="tx1"/>
-    </dgm:txFillClrLst>
-    <dgm:txEffectClrLst/>
-  </dgm:styleLbl>
-  <dgm:styleLbl name="parChTrans1D2">
-    <dgm:fillClrLst meth="repeat">
-      <a:schemeClr val="accent1"/>
-    </dgm:fillClrLst>
-    <dgm:linClrLst meth="repeat">
-      <a:schemeClr val="accent1">
-        <a:shade val="60000"/>
-      </a:schemeClr>
-    </dgm:linClrLst>
-    <dgm:effectClrLst/>
-    <dgm:txLinClrLst/>
-    <dgm:txFillClrLst meth="repeat">
-      <a:schemeClr val="tx1"/>
-    </dgm:txFillClrLst>
-    <dgm:txEffectClrLst/>
-  </dgm:styleLbl>
-  <dgm:styleLbl name="parChTrans1D3">
-    <dgm:fillClrLst meth="repeat">
-      <a:schemeClr val="accent1"/>
-    </dgm:fillClrLst>
-    <dgm:linClrLst meth="repeat">
-      <a:schemeClr val="accent1">
-        <a:shade val="80000"/>
-      </a:schemeClr>
-    </dgm:linClrLst>
-    <dgm:effectClrLst/>
-    <dgm:txLinClrLst/>
-    <dgm:txFillClrLst meth="repeat">
-      <a:schemeClr val="tx1"/>
-    </dgm:txFillClrLst>
-    <dgm:txEffectClrLst/>
-  </dgm:styleLbl>
-  <dgm:styleLbl name="parChTrans1D4">
-    <dgm:fillClrLst meth="repeat">
-      <a:schemeClr val="accent1"/>
-    </dgm:fillClrLst>
-    <dgm:linClrLst meth="repeat">
-      <a:schemeClr val="accent1">
-        <a:shade val="80000"/>
-      </a:schemeClr>
-    </dgm:linClrLst>
-    <dgm:effectClrLst/>
-    <dgm:txLinClrLst/>
-    <dgm:txFillClrLst meth="repeat">
-      <a:schemeClr val="tx1"/>
-    </dgm:txFillClrLst>
-    <dgm:txEffectClrLst/>
-  </dgm:styleLbl>
   <dgm:styleLbl name="fgAcc1">
     <dgm:fillClrLst meth="repeat">
       <a:schemeClr val="lt1">
         <a:alpha val="90000"/>
       </a:schemeClr>
     </dgm:fillClrLst>
+    <dgm:linClrLst>
+      <a:schemeClr val="accent5"/>
+      <a:schemeClr val="accent6"/>
+    </dgm:linClrLst>
+    <dgm:effectClrLst/>
+    <dgm:txLinClrLst/>
+    <dgm:txFillClrLst meth="repeat">
+      <a:schemeClr val="dk1"/>
+    </dgm:txFillClrLst>
+    <dgm:txEffectClrLst/>
+  </dgm:styleLbl>
+  <dgm:styleLbl name="conFgAcc1">
+    <dgm:fillClrLst meth="repeat">
+      <a:schemeClr val="lt1">
+        <a:alpha val="90000"/>
+      </a:schemeClr>
+    </dgm:fillClrLst>
+    <dgm:linClrLst>
+      <a:schemeClr val="accent5"/>
+      <a:schemeClr val="accent6"/>
+    </dgm:linClrLst>
+    <dgm:effectClrLst/>
+    <dgm:txLinClrLst/>
+    <dgm:txFillClrLst meth="repeat">
+      <a:schemeClr val="dk1"/>
+    </dgm:txFillClrLst>
+    <dgm:txEffectClrLst/>
+  </dgm:styleLbl>
+  <dgm:styleLbl name="alignAcc1">
+    <dgm:fillClrLst meth="repeat">
+      <a:schemeClr val="lt1">
+        <a:alpha val="90000"/>
+      </a:schemeClr>
+    </dgm:fillClrLst>
+    <dgm:linClrLst>
+      <a:schemeClr val="accent5"/>
+      <a:schemeClr val="accent6"/>
+    </dgm:linClrLst>
+    <dgm:effectClrLst/>
+    <dgm:txLinClrLst/>
+    <dgm:txFillClrLst meth="repeat">
+      <a:schemeClr val="dk1"/>
+    </dgm:txFillClrLst>
+    <dgm:txEffectClrLst/>
+  </dgm:styleLbl>
+  <dgm:styleLbl name="trAlignAcc1">
+    <dgm:fillClrLst meth="repeat">
+      <a:schemeClr val="lt1">
+        <a:alpha val="40000"/>
+      </a:schemeClr>
+    </dgm:fillClrLst>
     <dgm:linClrLst meth="repeat">
+      <a:schemeClr val="accent5"/>
+    </dgm:linClrLst>
+    <dgm:effectClrLst/>
+    <dgm:txLinClrLst/>
+    <dgm:txFillClrLst meth="repeat">
+      <a:schemeClr val="dk1"/>
+    </dgm:txFillClrLst>
+    <dgm:txEffectClrLst/>
+  </dgm:styleLbl>
+  <dgm:styleLbl name="bgAcc1">
+    <dgm:fillClrLst meth="repeat">
+      <a:schemeClr val="lt1">
+        <a:alpha val="90000"/>
+      </a:schemeClr>
+    </dgm:fillClrLst>
+    <dgm:linClrLst>
+      <a:schemeClr val="accent5"/>
+      <a:schemeClr val="accent6"/>
+    </dgm:linClrLst>
+    <dgm:effectClrLst/>
+    <dgm:txLinClrLst/>
+    <dgm:txFillClrLst meth="repeat">
+      <a:schemeClr val="dk1"/>
+    </dgm:txFillClrLst>
+    <dgm:txEffectClrLst/>
+  </dgm:styleLbl>
+  <dgm:styleLbl name="solidFgAcc1">
+    <dgm:fillClrLst meth="repeat">
+      <a:schemeClr val="lt1"/>
+    </dgm:fillClrLst>
+    <dgm:linClrLst>
+      <a:schemeClr val="accent5"/>
+      <a:schemeClr val="accent6"/>
+    </dgm:linClrLst>
+    <dgm:effectClrLst/>
+    <dgm:txLinClrLst/>
+    <dgm:txFillClrLst meth="repeat">
+      <a:schemeClr val="dk1"/>
+    </dgm:txFillClrLst>
+    <dgm:txEffectClrLst/>
+  </dgm:styleLbl>
+  <dgm:styleLbl name="solidAlignAcc1">
+    <dgm:fillClrLst meth="repeat">
+      <a:schemeClr val="lt1"/>
+    </dgm:fillClrLst>
+    <dgm:linClrLst>
+      <a:schemeClr val="accent5"/>
+      <a:schemeClr val="accent6"/>
+    </dgm:linClrLst>
+    <dgm:effectClrLst/>
+    <dgm:txLinClrLst/>
+    <dgm:txFillClrLst meth="repeat">
+      <a:schemeClr val="dk1"/>
+    </dgm:txFillClrLst>
+    <dgm:txEffectClrLst/>
+  </dgm:styleLbl>
+  <dgm:styleLbl name="solidBgAcc1">
+    <dgm:fillClrLst meth="repeat">
+      <a:schemeClr val="lt1"/>
+    </dgm:fillClrLst>
+    <dgm:linClrLst>
+      <a:schemeClr val="accent5"/>
+      <a:schemeClr val="accent6"/>
+    </dgm:linClrLst>
+    <dgm:effectClrLst/>
+    <dgm:txLinClrLst/>
+    <dgm:txFillClrLst meth="repeat">
+      <a:schemeClr val="dk1"/>
+    </dgm:txFillClrLst>
+    <dgm:txEffectClrLst/>
+  </dgm:styleLbl>
+  <dgm:styleLbl name="fgAccFollowNode1">
+    <dgm:fillClrLst>
+      <a:schemeClr val="accent5">
+        <a:tint val="40000"/>
+        <a:alpha val="90000"/>
+      </a:schemeClr>
+      <a:schemeClr val="accent6">
+        <a:tint val="40000"/>
+        <a:alpha val="90000"/>
+      </a:schemeClr>
+    </dgm:fillClrLst>
+    <dgm:linClrLst>
+      <a:schemeClr val="accent5">
+        <a:tint val="40000"/>
+        <a:alpha val="90000"/>
+      </a:schemeClr>
+      <a:schemeClr val="accent5">
+        <a:tint val="40000"/>
+        <a:alpha val="90000"/>
+      </a:schemeClr>
+    </dgm:linClrLst>
+    <dgm:effectClrLst/>
+    <dgm:txLinClrLst/>
+    <dgm:txFillClrLst meth="repeat">
+      <a:schemeClr val="dk1"/>
+    </dgm:txFillClrLst>
+    <dgm:txEffectClrLst/>
+  </dgm:styleLbl>
+  <dgm:styleLbl name="alignAccFollowNode1">
+    <dgm:fillClrLst>
+      <a:schemeClr val="accent5">
+        <a:tint val="40000"/>
+        <a:alpha val="90000"/>
+      </a:schemeClr>
+      <a:schemeClr val="accent6">
+        <a:tint val="40000"/>
+        <a:alpha val="90000"/>
+      </a:schemeClr>
+    </dgm:fillClrLst>
+    <dgm:linClrLst>
+      <a:schemeClr val="accent5">
+        <a:tint val="40000"/>
+        <a:alpha val="90000"/>
+      </a:schemeClr>
+      <a:schemeClr val="accent6">
+        <a:tint val="40000"/>
+        <a:alpha val="90000"/>
+      </a:schemeClr>
+    </dgm:linClrLst>
+    <dgm:effectClrLst/>
+    <dgm:txLinClrLst/>
+    <dgm:txFillClrLst meth="repeat">
+      <a:schemeClr val="dk1"/>
+    </dgm:txFillClrLst>
+    <dgm:txEffectClrLst/>
+  </dgm:styleLbl>
+  <dgm:styleLbl name="bgAccFollowNode1">
+    <dgm:fillClrLst>
+      <a:schemeClr val="accent5">
+        <a:tint val="40000"/>
+        <a:alpha val="90000"/>
+      </a:schemeClr>
+      <a:schemeClr val="accent6">
+        <a:tint val="40000"/>
+        <a:alpha val="90000"/>
+      </a:schemeClr>
+    </dgm:fillClrLst>
+    <dgm:linClrLst>
+      <a:schemeClr val="accent5">
+        <a:tint val="40000"/>
+        <a:alpha val="90000"/>
+      </a:schemeClr>
+      <a:schemeClr val="accent6">
+        <a:tint val="40000"/>
+        <a:alpha val="90000"/>
+      </a:schemeClr>
+    </dgm:linClrLst>
+    <dgm:effectClrLst/>
+    <dgm:txLinClrLst/>
+    <dgm:txFillClrLst meth="repeat">
+      <a:schemeClr val="dk1"/>
+    </dgm:txFillClrLst>
+    <dgm:txEffectClrLst/>
+  </dgm:styleLbl>
+  <dgm:styleLbl name="fgAcc0">
+    <dgm:fillClrLst meth="repeat">
+      <a:schemeClr val="lt1">
+        <a:alpha val="90000"/>
+      </a:schemeClr>
+    </dgm:fillClrLst>
+    <dgm:linClrLst>
+      <a:schemeClr val="accent4"/>
+    </dgm:linClrLst>
+    <dgm:effectClrLst/>
+    <dgm:txLinClrLst/>
+    <dgm:txFillClrLst meth="repeat">
+      <a:schemeClr val="dk1"/>
+    </dgm:txFillClrLst>
+    <dgm:txEffectClrLst/>
+  </dgm:styleLbl>
+  <dgm:styleLbl name="fgAcc2">
+    <dgm:fillClrLst meth="repeat">
+      <a:schemeClr val="lt1">
+        <a:alpha val="90000"/>
+      </a:schemeClr>
+    </dgm:fillClrLst>
+    <dgm:linClrLst>
+      <a:schemeClr val="accent6"/>
+    </dgm:linClrLst>
+    <dgm:effectClrLst/>
+    <dgm:txLinClrLst/>
+    <dgm:txFillClrLst meth="repeat">
+      <a:schemeClr val="dk1"/>
+    </dgm:txFillClrLst>
+    <dgm:txEffectClrLst/>
+  </dgm:styleLbl>
+  <dgm:styleLbl name="fgAcc3">
+    <dgm:fillClrLst meth="repeat">
+      <a:schemeClr val="lt1">
+        <a:alpha val="90000"/>
+      </a:schemeClr>
+    </dgm:fillClrLst>
+    <dgm:linClrLst>
       <a:schemeClr val="accent1"/>
     </dgm:linClrLst>
     <dgm:effectClrLst/>
@@ -558,14 +810,14 @@
     </dgm:txFillClrLst>
     <dgm:txEffectClrLst/>
   </dgm:styleLbl>
-  <dgm:styleLbl name="conFgAcc1">
+  <dgm:styleLbl name="fgAcc4">
     <dgm:fillClrLst meth="repeat">
       <a:schemeClr val="lt1">
         <a:alpha val="90000"/>
       </a:schemeClr>
     </dgm:fillClrLst>
-    <dgm:linClrLst meth="repeat">
-      <a:schemeClr val="accent1"/>
+    <dgm:linClrLst>
+      <a:schemeClr val="accent2"/>
     </dgm:linClrLst>
     <dgm:effectClrLst/>
     <dgm:txLinClrLst/>
@@ -574,14 +826,14 @@
     </dgm:txFillClrLst>
     <dgm:txEffectClrLst/>
   </dgm:styleLbl>
-  <dgm:styleLbl name="alignAcc1">
+  <dgm:styleLbl name="bgShp">
     <dgm:fillClrLst meth="repeat">
-      <a:schemeClr val="lt1">
-        <a:alpha val="90000"/>
+      <a:schemeClr val="accent5">
+        <a:tint val="40000"/>
       </a:schemeClr>
     </dgm:fillClrLst>
     <dgm:linClrLst meth="repeat">
-      <a:schemeClr val="accent1"/>
+      <a:schemeClr val="dk1"/>
     </dgm:linClrLst>
     <dgm:effectClrLst/>
     <dgm:txLinClrLst/>
@@ -590,228 +842,14 @@
     </dgm:txFillClrLst>
     <dgm:txEffectClrLst/>
   </dgm:styleLbl>
-  <dgm:styleLbl name="trAlignAcc1">
+  <dgm:styleLbl name="dkBgShp">
     <dgm:fillClrLst meth="repeat">
-      <a:schemeClr val="lt1">
-        <a:alpha val="40000"/>
+      <a:schemeClr val="accent5">
+        <a:shade val="90000"/>
       </a:schemeClr>
     </dgm:fillClrLst>
     <dgm:linClrLst meth="repeat">
-      <a:schemeClr val="accent1"/>
-    </dgm:linClrLst>
-    <dgm:effectClrLst/>
-    <dgm:txLinClrLst/>
-    <dgm:txFillClrLst meth="repeat">
       <a:schemeClr val="dk1"/>
-    </dgm:txFillClrLst>
-    <dgm:txEffectClrLst/>
-  </dgm:styleLbl>
-  <dgm:styleLbl name="bgAcc1">
-    <dgm:fillClrLst meth="repeat">
-      <a:schemeClr val="lt1">
-        <a:alpha val="90000"/>
-      </a:schemeClr>
-    </dgm:fillClrLst>
-    <dgm:linClrLst meth="repeat">
-      <a:schemeClr val="accent1"/>
-    </dgm:linClrLst>
-    <dgm:effectClrLst/>
-    <dgm:txLinClrLst/>
-    <dgm:txFillClrLst meth="repeat">
-      <a:schemeClr val="dk1"/>
-    </dgm:txFillClrLst>
-    <dgm:txEffectClrLst/>
-  </dgm:styleLbl>
-  <dgm:styleLbl name="solidFgAcc1">
-    <dgm:fillClrLst meth="repeat">
-      <a:schemeClr val="lt1"/>
-    </dgm:fillClrLst>
-    <dgm:linClrLst meth="repeat">
-      <a:schemeClr val="accent1"/>
-    </dgm:linClrLst>
-    <dgm:effectClrLst/>
-    <dgm:txLinClrLst/>
-    <dgm:txFillClrLst meth="repeat">
-      <a:schemeClr val="dk1"/>
-    </dgm:txFillClrLst>
-    <dgm:txEffectClrLst/>
-  </dgm:styleLbl>
-  <dgm:styleLbl name="solidAlignAcc1">
-    <dgm:fillClrLst meth="repeat">
-      <a:schemeClr val="lt1"/>
-    </dgm:fillClrLst>
-    <dgm:linClrLst meth="repeat">
-      <a:schemeClr val="accent1"/>
-    </dgm:linClrLst>
-    <dgm:effectClrLst/>
-    <dgm:txLinClrLst/>
-    <dgm:txFillClrLst meth="repeat">
-      <a:schemeClr val="dk1"/>
-    </dgm:txFillClrLst>
-    <dgm:txEffectClrLst/>
-  </dgm:styleLbl>
-  <dgm:styleLbl name="solidBgAcc1">
-    <dgm:fillClrLst meth="repeat">
-      <a:schemeClr val="lt1"/>
-    </dgm:fillClrLst>
-    <dgm:linClrLst meth="repeat">
-      <a:schemeClr val="accent1"/>
-    </dgm:linClrLst>
-    <dgm:effectClrLst/>
-    <dgm:txLinClrLst/>
-    <dgm:txFillClrLst meth="repeat">
-      <a:schemeClr val="dk1"/>
-    </dgm:txFillClrLst>
-    <dgm:txEffectClrLst/>
-  </dgm:styleLbl>
-  <dgm:styleLbl name="fgAccFollowNode1">
-    <dgm:fillClrLst meth="repeat">
-      <a:schemeClr val="accent1">
-        <a:alpha val="90000"/>
-        <a:tint val="40000"/>
-      </a:schemeClr>
-    </dgm:fillClrLst>
-    <dgm:linClrLst meth="repeat">
-      <a:schemeClr val="accent1">
-        <a:alpha val="90000"/>
-        <a:tint val="40000"/>
-      </a:schemeClr>
-    </dgm:linClrLst>
-    <dgm:effectClrLst/>
-    <dgm:txLinClrLst/>
-    <dgm:txFillClrLst meth="repeat">
-      <a:schemeClr val="dk1"/>
-    </dgm:txFillClrLst>
-    <dgm:txEffectClrLst/>
-  </dgm:styleLbl>
-  <dgm:styleLbl name="alignAccFollowNode1">
-    <dgm:fillClrLst meth="repeat">
-      <a:schemeClr val="accent1">
-        <a:alpha val="90000"/>
-        <a:tint val="40000"/>
-      </a:schemeClr>
-    </dgm:fillClrLst>
-    <dgm:linClrLst meth="repeat">
-      <a:schemeClr val="accent1">
-        <a:alpha val="90000"/>
-        <a:tint val="40000"/>
-      </a:schemeClr>
-    </dgm:linClrLst>
-    <dgm:effectClrLst/>
-    <dgm:txLinClrLst/>
-    <dgm:txFillClrLst meth="repeat">
-      <a:schemeClr val="dk1"/>
-    </dgm:txFillClrLst>
-    <dgm:txEffectClrLst/>
-  </dgm:styleLbl>
-  <dgm:styleLbl name="bgAccFollowNode1">
-    <dgm:fillClrLst meth="repeat">
-      <a:schemeClr val="accent1">
-        <a:alpha val="90000"/>
-        <a:tint val="40000"/>
-      </a:schemeClr>
-    </dgm:fillClrLst>
-    <dgm:linClrLst meth="repeat">
-      <a:schemeClr val="accent1">
-        <a:alpha val="90000"/>
-        <a:tint val="40000"/>
-      </a:schemeClr>
-    </dgm:linClrLst>
-    <dgm:effectClrLst/>
-    <dgm:txLinClrLst/>
-    <dgm:txFillClrLst meth="repeat">
-      <a:schemeClr val="dk1"/>
-    </dgm:txFillClrLst>
-    <dgm:txEffectClrLst/>
-  </dgm:styleLbl>
-  <dgm:styleLbl name="fgAcc0">
-    <dgm:fillClrLst meth="repeat">
-      <a:schemeClr val="lt1">
-        <a:alpha val="90000"/>
-      </a:schemeClr>
-    </dgm:fillClrLst>
-    <dgm:linClrLst meth="repeat">
-      <a:schemeClr val="accent1"/>
-    </dgm:linClrLst>
-    <dgm:effectClrLst/>
-    <dgm:txLinClrLst/>
-    <dgm:txFillClrLst meth="repeat">
-      <a:schemeClr val="dk1"/>
-    </dgm:txFillClrLst>
-    <dgm:txEffectClrLst/>
-  </dgm:styleLbl>
-  <dgm:styleLbl name="fgAcc2">
-    <dgm:fillClrLst meth="repeat">
-      <a:schemeClr val="lt1">
-        <a:alpha val="90000"/>
-      </a:schemeClr>
-    </dgm:fillClrLst>
-    <dgm:linClrLst meth="repeat">
-      <a:schemeClr val="accent1"/>
-    </dgm:linClrLst>
-    <dgm:effectClrLst/>
-    <dgm:txLinClrLst/>
-    <dgm:txFillClrLst meth="repeat">
-      <a:schemeClr val="dk1"/>
-    </dgm:txFillClrLst>
-    <dgm:txEffectClrLst/>
-  </dgm:styleLbl>
-  <dgm:styleLbl name="fgAcc3">
-    <dgm:fillClrLst meth="repeat">
-      <a:schemeClr val="lt1">
-        <a:alpha val="90000"/>
-      </a:schemeClr>
-    </dgm:fillClrLst>
-    <dgm:linClrLst meth="repeat">
-      <a:schemeClr val="accent1"/>
-    </dgm:linClrLst>
-    <dgm:effectClrLst/>
-    <dgm:txLinClrLst/>
-    <dgm:txFillClrLst meth="repeat">
-      <a:schemeClr val="dk1"/>
-    </dgm:txFillClrLst>
-    <dgm:txEffectClrLst/>
-  </dgm:styleLbl>
-  <dgm:styleLbl name="fgAcc4">
-    <dgm:fillClrLst meth="repeat">
-      <a:schemeClr val="lt1">
-        <a:alpha val="90000"/>
-      </a:schemeClr>
-    </dgm:fillClrLst>
-    <dgm:linClrLst meth="repeat">
-      <a:schemeClr val="accent1"/>
-    </dgm:linClrLst>
-    <dgm:effectClrLst/>
-    <dgm:txLinClrLst/>
-    <dgm:txFillClrLst meth="repeat">
-      <a:schemeClr val="dk1"/>
-    </dgm:txFillClrLst>
-    <dgm:txEffectClrLst/>
-  </dgm:styleLbl>
-  <dgm:styleLbl name="bgShp">
-    <dgm:fillClrLst meth="repeat">
-      <a:schemeClr val="accent1">
-        <a:tint val="40000"/>
-      </a:schemeClr>
-    </dgm:fillClrLst>
-    <dgm:linClrLst meth="repeat">
-      <a:schemeClr val="accent1"/>
-    </dgm:linClrLst>
-    <dgm:effectClrLst/>
-    <dgm:txLinClrLst/>
-    <dgm:txFillClrLst meth="repeat">
-      <a:schemeClr val="dk1"/>
-    </dgm:txFillClrLst>
-    <dgm:txEffectClrLst/>
-  </dgm:styleLbl>
-  <dgm:styleLbl name="dkBgShp">
-    <dgm:fillClrLst meth="repeat">
-      <a:schemeClr val="accent1">
-        <a:shade val="80000"/>
-      </a:schemeClr>
-    </dgm:fillClrLst>
-    <dgm:linClrLst meth="repeat">
-      <a:schemeClr val="accent1"/>
     </dgm:linClrLst>
     <dgm:effectClrLst/>
     <dgm:txLinClrLst/>
@@ -822,13 +860,13 @@
   </dgm:styleLbl>
   <dgm:styleLbl name="trBgShp">
     <dgm:fillClrLst meth="repeat">
-      <a:schemeClr val="accent1">
+      <a:schemeClr val="accent5">
         <a:tint val="50000"/>
         <a:alpha val="40000"/>
       </a:schemeClr>
     </dgm:fillClrLst>
     <dgm:linClrLst meth="repeat">
-      <a:schemeClr val="accent1"/>
+      <a:schemeClr val="accent5"/>
     </dgm:linClrLst>
     <dgm:effectClrLst/>
     <dgm:txLinClrLst/>
@@ -839,8 +877,8 @@
   </dgm:styleLbl>
   <dgm:styleLbl name="fgShp">
     <dgm:fillClrLst meth="repeat">
-      <a:schemeClr val="accent1">
-        <a:tint val="60000"/>
+      <a:schemeClr val="accent5">
+        <a:tint val="40000"/>
       </a:schemeClr>
     </dgm:fillClrLst>
     <dgm:linClrLst meth="repeat">
@@ -875,15 +913,15 @@
 </file>
 
 <file path=ppt/diagrams/colors2.xml><?xml version="1.0" encoding="utf-8"?>
-<dgm:colorsDef xmlns:dgm="http://schemas.openxmlformats.org/drawingml/2006/diagram" xmlns:a="http://schemas.openxmlformats.org/drawingml/2006/main" uniqueId="urn:microsoft.com/office/officeart/2005/8/colors/accent1_2">
+<dgm:colorsDef xmlns:dgm="http://schemas.openxmlformats.org/drawingml/2006/diagram" xmlns:a="http://schemas.openxmlformats.org/drawingml/2006/main" uniqueId="urn:microsoft.com/office/officeart/2005/8/colors/colorful3">
   <dgm:title val=""/>
   <dgm:desc val=""/>
   <dgm:catLst>
-    <dgm:cat type="accent1" pri="11200"/>
+    <dgm:cat type="colorful" pri="10300"/>
   </dgm:catLst>
   <dgm:styleLbl name="node0">
     <dgm:fillClrLst meth="repeat">
-      <a:schemeClr val="accent1"/>
+      <a:schemeClr val="accent2"/>
     </dgm:fillClrLst>
     <dgm:linClrLst meth="repeat">
       <a:schemeClr val="lt1"/>
@@ -893,21 +931,10 @@
     <dgm:txFillClrLst/>
     <dgm:txEffectClrLst/>
   </dgm:styleLbl>
-  <dgm:styleLbl name="alignNode1">
-    <dgm:fillClrLst meth="repeat">
-      <a:schemeClr val="accent1"/>
-    </dgm:fillClrLst>
-    <dgm:linClrLst meth="repeat">
-      <a:schemeClr val="accent1"/>
-    </dgm:linClrLst>
-    <dgm:effectClrLst/>
-    <dgm:txLinClrLst/>
-    <dgm:txFillClrLst/>
-    <dgm:txEffectClrLst/>
-  </dgm:styleLbl>
   <dgm:styleLbl name="node1">
-    <dgm:fillClrLst meth="repeat">
-      <a:schemeClr val="accent1"/>
+    <dgm:fillClrLst>
+      <a:schemeClr val="accent3"/>
+      <a:schemeClr val="accent4"/>
     </dgm:fillClrLst>
     <dgm:linClrLst meth="repeat">
       <a:schemeClr val="lt1"/>
@@ -917,9 +944,24 @@
     <dgm:txFillClrLst/>
     <dgm:txEffectClrLst/>
   </dgm:styleLbl>
+  <dgm:styleLbl name="alignNode1">
+    <dgm:fillClrLst>
+      <a:schemeClr val="accent3"/>
+      <a:schemeClr val="accent4"/>
+    </dgm:fillClrLst>
+    <dgm:linClrLst>
+      <a:schemeClr val="accent3"/>
+      <a:schemeClr val="accent4"/>
+    </dgm:linClrLst>
+    <dgm:effectClrLst/>
+    <dgm:txLinClrLst/>
+    <dgm:txFillClrLst/>
+    <dgm:txEffectClrLst/>
+  </dgm:styleLbl>
   <dgm:styleLbl name="lnNode1">
-    <dgm:fillClrLst meth="repeat">
-      <a:schemeClr val="accent1"/>
+    <dgm:fillClrLst>
+      <a:schemeClr val="accent3"/>
+      <a:schemeClr val="accent4"/>
     </dgm:fillClrLst>
     <dgm:linClrLst meth="repeat">
       <a:schemeClr val="lt1"/>
@@ -930,8 +972,11 @@
     <dgm:txEffectClrLst/>
   </dgm:styleLbl>
   <dgm:styleLbl name="vennNode1">
-    <dgm:fillClrLst meth="repeat">
-      <a:schemeClr val="accent1">
+    <dgm:fillClrLst>
+      <a:schemeClr val="accent3">
+        <a:alpha val="50000"/>
+      </a:schemeClr>
+      <a:schemeClr val="accent4">
         <a:alpha val="50000"/>
       </a:schemeClr>
     </dgm:fillClrLst>
@@ -944,8 +989,8 @@
     <dgm:txEffectClrLst/>
   </dgm:styleLbl>
   <dgm:styleLbl name="node2">
-    <dgm:fillClrLst meth="repeat">
-      <a:schemeClr val="accent1"/>
+    <dgm:fillClrLst>
+      <a:schemeClr val="accent4"/>
     </dgm:fillClrLst>
     <dgm:linClrLst meth="repeat">
       <a:schemeClr val="lt1"/>
@@ -956,8 +1001,8 @@
     <dgm:txEffectClrLst/>
   </dgm:styleLbl>
   <dgm:styleLbl name="node3">
-    <dgm:fillClrLst meth="repeat">
-      <a:schemeClr val="accent1"/>
+    <dgm:fillClrLst>
+      <a:schemeClr val="accent5"/>
     </dgm:fillClrLst>
     <dgm:linClrLst meth="repeat">
       <a:schemeClr val="lt1"/>
@@ -968,8 +1013,8 @@
     <dgm:txEffectClrLst/>
   </dgm:styleLbl>
   <dgm:styleLbl name="node4">
-    <dgm:fillClrLst meth="repeat">
-      <a:schemeClr val="accent1"/>
+    <dgm:fillClrLst>
+      <a:schemeClr val="accent6"/>
     </dgm:fillClrLst>
     <dgm:linClrLst meth="repeat">
       <a:schemeClr val="lt1"/>
@@ -980,8 +1025,11 @@
     <dgm:txEffectClrLst/>
   </dgm:styleLbl>
   <dgm:styleLbl name="fgImgPlace1">
-    <dgm:fillClrLst meth="repeat">
-      <a:schemeClr val="accent1">
+    <dgm:fillClrLst>
+      <a:schemeClr val="accent3">
+        <a:tint val="50000"/>
+      </a:schemeClr>
+      <a:schemeClr val="accent4">
         <a:tint val="50000"/>
       </a:schemeClr>
     </dgm:fillClrLst>
@@ -996,9 +1044,12 @@
     <dgm:txEffectClrLst/>
   </dgm:styleLbl>
   <dgm:styleLbl name="alignImgPlace1">
-    <dgm:fillClrLst meth="repeat">
-      <a:schemeClr val="accent1">
+    <dgm:fillClrLst>
+      <a:schemeClr val="accent3">
         <a:tint val="50000"/>
+      </a:schemeClr>
+      <a:schemeClr val="accent4">
+        <a:tint val="20000"/>
       </a:schemeClr>
     </dgm:fillClrLst>
     <dgm:linClrLst meth="repeat">
@@ -1012,9 +1063,12 @@
     <dgm:txEffectClrLst/>
   </dgm:styleLbl>
   <dgm:styleLbl name="bgImgPlace1">
-    <dgm:fillClrLst meth="repeat">
-      <a:schemeClr val="accent1">
+    <dgm:fillClrLst>
+      <a:schemeClr val="accent3">
         <a:tint val="50000"/>
+      </a:schemeClr>
+      <a:schemeClr val="accent4">
+        <a:tint val="20000"/>
       </a:schemeClr>
     </dgm:fillClrLst>
     <dgm:linClrLst meth="repeat">
@@ -1028,15 +1082,12 @@
     <dgm:txEffectClrLst/>
   </dgm:styleLbl>
   <dgm:styleLbl name="sibTrans2D1">
-    <dgm:fillClrLst meth="repeat">
-      <a:schemeClr val="accent1">
-        <a:tint val="60000"/>
-      </a:schemeClr>
+    <dgm:fillClrLst>
+      <a:schemeClr val="accent3"/>
+      <a:schemeClr val="accent4"/>
     </dgm:fillClrLst>
     <dgm:linClrLst meth="repeat">
-      <a:schemeClr val="accent1">
-        <a:tint val="60000"/>
-      </a:schemeClr>
+      <a:schemeClr val="lt1"/>
     </dgm:linClrLst>
     <dgm:effectClrLst/>
     <dgm:txLinClrLst/>
@@ -1044,43 +1095,40 @@
     <dgm:txEffectClrLst/>
   </dgm:styleLbl>
   <dgm:styleLbl name="fgSibTrans2D1">
-    <dgm:fillClrLst meth="repeat">
-      <a:schemeClr val="accent1">
-        <a:tint val="60000"/>
-      </a:schemeClr>
+    <dgm:fillClrLst>
+      <a:schemeClr val="accent3"/>
+      <a:schemeClr val="accent4"/>
     </dgm:fillClrLst>
     <dgm:linClrLst meth="repeat">
-      <a:schemeClr val="accent1">
-        <a:tint val="60000"/>
-      </a:schemeClr>
+      <a:schemeClr val="lt1"/>
     </dgm:linClrLst>
     <dgm:effectClrLst/>
     <dgm:txLinClrLst/>
-    <dgm:txFillClrLst/>
+    <dgm:txFillClrLst meth="repeat">
+      <a:schemeClr val="lt1"/>
+    </dgm:txFillClrLst>
     <dgm:txEffectClrLst/>
   </dgm:styleLbl>
   <dgm:styleLbl name="bgSibTrans2D1">
-    <dgm:fillClrLst meth="repeat">
-      <a:schemeClr val="accent1">
-        <a:tint val="60000"/>
-      </a:schemeClr>
+    <dgm:fillClrLst>
+      <a:schemeClr val="accent3"/>
+      <a:schemeClr val="accent4"/>
     </dgm:fillClrLst>
     <dgm:linClrLst meth="repeat">
-      <a:schemeClr val="accent1">
-        <a:tint val="60000"/>
-      </a:schemeClr>
+      <a:schemeClr val="lt1"/>
     </dgm:linClrLst>
     <dgm:effectClrLst/>
     <dgm:txLinClrLst/>
-    <dgm:txFillClrLst/>
+    <dgm:txFillClrLst meth="repeat">
+      <a:schemeClr val="lt1"/>
+    </dgm:txFillClrLst>
     <dgm:txEffectClrLst/>
   </dgm:styleLbl>
   <dgm:styleLbl name="sibTrans1D1">
-    <dgm:fillClrLst meth="repeat">
-      <a:schemeClr val="accent1"/>
-    </dgm:fillClrLst>
-    <dgm:linClrLst meth="repeat">
-      <a:schemeClr val="accent1"/>
+    <dgm:fillClrLst/>
+    <dgm:linClrLst>
+      <a:schemeClr val="accent3"/>
+      <a:schemeClr val="accent4"/>
     </dgm:linClrLst>
     <dgm:effectClrLst/>
     <dgm:txLinClrLst/>
@@ -1091,10 +1139,10 @@
   </dgm:styleLbl>
   <dgm:styleLbl name="callout">
     <dgm:fillClrLst meth="repeat">
-      <a:schemeClr val="accent1"/>
+      <a:schemeClr val="accent3"/>
     </dgm:fillClrLst>
     <dgm:linClrLst meth="repeat">
-      <a:schemeClr val="accent1">
+      <a:schemeClr val="accent3">
         <a:tint val="50000"/>
       </a:schemeClr>
     </dgm:linClrLst>
@@ -1107,6 +1155,58 @@
   </dgm:styleLbl>
   <dgm:styleLbl name="asst0">
     <dgm:fillClrLst meth="repeat">
+      <a:schemeClr val="accent3"/>
+    </dgm:fillClrLst>
+    <dgm:linClrLst meth="repeat">
+      <a:schemeClr val="lt1">
+        <a:shade val="80000"/>
+      </a:schemeClr>
+    </dgm:linClrLst>
+    <dgm:effectClrLst/>
+    <dgm:txLinClrLst/>
+    <dgm:txFillClrLst/>
+    <dgm:txEffectClrLst/>
+  </dgm:styleLbl>
+  <dgm:styleLbl name="asst1">
+    <dgm:fillClrLst meth="repeat">
+      <a:schemeClr val="accent4"/>
+    </dgm:fillClrLst>
+    <dgm:linClrLst meth="repeat">
+      <a:schemeClr val="lt1">
+        <a:shade val="80000"/>
+      </a:schemeClr>
+    </dgm:linClrLst>
+    <dgm:effectClrLst/>
+    <dgm:txLinClrLst/>
+    <dgm:txFillClrLst/>
+    <dgm:txEffectClrLst/>
+  </dgm:styleLbl>
+  <dgm:styleLbl name="asst2">
+    <dgm:fillClrLst>
+      <a:schemeClr val="accent5"/>
+    </dgm:fillClrLst>
+    <dgm:linClrLst meth="repeat">
+      <a:schemeClr val="lt1"/>
+    </dgm:linClrLst>
+    <dgm:effectClrLst/>
+    <dgm:txLinClrLst/>
+    <dgm:txFillClrLst/>
+    <dgm:txEffectClrLst/>
+  </dgm:styleLbl>
+  <dgm:styleLbl name="asst3">
+    <dgm:fillClrLst>
+      <a:schemeClr val="accent6"/>
+    </dgm:fillClrLst>
+    <dgm:linClrLst meth="repeat">
+      <a:schemeClr val="lt1"/>
+    </dgm:linClrLst>
+    <dgm:effectClrLst/>
+    <dgm:txLinClrLst/>
+    <dgm:txFillClrLst/>
+    <dgm:txEffectClrLst/>
+  </dgm:styleLbl>
+  <dgm:styleLbl name="asst4">
+    <dgm:fillClrLst>
       <a:schemeClr val="accent1"/>
     </dgm:fillClrLst>
     <dgm:linClrLst meth="repeat">
@@ -1117,9 +1217,23 @@
     <dgm:txFillClrLst/>
     <dgm:txEffectClrLst/>
   </dgm:styleLbl>
-  <dgm:styleLbl name="asst1">
+  <dgm:styleLbl name="parChTrans2D1">
     <dgm:fillClrLst meth="repeat">
-      <a:schemeClr val="accent1"/>
+      <a:schemeClr val="accent2"/>
+    </dgm:fillClrLst>
+    <dgm:linClrLst meth="repeat">
+      <a:schemeClr val="lt1"/>
+    </dgm:linClrLst>
+    <dgm:effectClrLst/>
+    <dgm:txLinClrLst/>
+    <dgm:txFillClrLst meth="repeat">
+      <a:schemeClr val="lt1"/>
+    </dgm:txFillClrLst>
+    <dgm:txEffectClrLst/>
+  </dgm:styleLbl>
+  <dgm:styleLbl name="parChTrans2D2">
+    <dgm:fillClrLst meth="repeat">
+      <a:schemeClr val="accent3"/>
     </dgm:fillClrLst>
     <dgm:linClrLst meth="repeat">
       <a:schemeClr val="lt1"/>
@@ -1129,9 +1243,9 @@
     <dgm:txFillClrLst/>
     <dgm:txEffectClrLst/>
   </dgm:styleLbl>
-  <dgm:styleLbl name="asst2">
+  <dgm:styleLbl name="parChTrans2D3">
     <dgm:fillClrLst meth="repeat">
-      <a:schemeClr val="accent1"/>
+      <a:schemeClr val="accent4"/>
     </dgm:fillClrLst>
     <dgm:linClrLst meth="repeat">
       <a:schemeClr val="lt1"/>
@@ -1141,40 +1255,12 @@
     <dgm:txFillClrLst/>
     <dgm:txEffectClrLst/>
   </dgm:styleLbl>
-  <dgm:styleLbl name="asst3">
+  <dgm:styleLbl name="parChTrans2D4">
     <dgm:fillClrLst meth="repeat">
-      <a:schemeClr val="accent1"/>
+      <a:schemeClr val="accent5"/>
     </dgm:fillClrLst>
     <dgm:linClrLst meth="repeat">
       <a:schemeClr val="lt1"/>
-    </dgm:linClrLst>
-    <dgm:effectClrLst/>
-    <dgm:txLinClrLst/>
-    <dgm:txFillClrLst/>
-    <dgm:txEffectClrLst/>
-  </dgm:styleLbl>
-  <dgm:styleLbl name="asst4">
-    <dgm:fillClrLst meth="repeat">
-      <a:schemeClr val="accent1"/>
-    </dgm:fillClrLst>
-    <dgm:linClrLst meth="repeat">
-      <a:schemeClr val="lt1"/>
-    </dgm:linClrLst>
-    <dgm:effectClrLst/>
-    <dgm:txLinClrLst/>
-    <dgm:txFillClrLst/>
-    <dgm:txEffectClrLst/>
-  </dgm:styleLbl>
-  <dgm:styleLbl name="parChTrans2D1">
-    <dgm:fillClrLst meth="repeat">
-      <a:schemeClr val="accent1">
-        <a:tint val="60000"/>
-      </a:schemeClr>
-    </dgm:fillClrLst>
-    <dgm:linClrLst meth="repeat">
-      <a:schemeClr val="accent1">
-        <a:tint val="60000"/>
-      </a:schemeClr>
     </dgm:linClrLst>
     <dgm:effectClrLst/>
     <dgm:txLinClrLst/>
@@ -1183,56 +1269,12 @@
     </dgm:txFillClrLst>
     <dgm:txEffectClrLst/>
   </dgm:styleLbl>
-  <dgm:styleLbl name="parChTrans2D2">
+  <dgm:styleLbl name="parChTrans1D1">
     <dgm:fillClrLst meth="repeat">
-      <a:schemeClr val="accent1"/>
+      <a:schemeClr val="accent3"/>
     </dgm:fillClrLst>
     <dgm:linClrLst meth="repeat">
-      <a:schemeClr val="accent1"/>
-    </dgm:linClrLst>
-    <dgm:effectClrLst/>
-    <dgm:txLinClrLst/>
-    <dgm:txFillClrLst meth="repeat">
-      <a:schemeClr val="lt1"/>
-    </dgm:txFillClrLst>
-    <dgm:txEffectClrLst/>
-  </dgm:styleLbl>
-  <dgm:styleLbl name="parChTrans2D3">
-    <dgm:fillClrLst meth="repeat">
-      <a:schemeClr val="accent1"/>
-    </dgm:fillClrLst>
-    <dgm:linClrLst meth="repeat">
-      <a:schemeClr val="accent1"/>
-    </dgm:linClrLst>
-    <dgm:effectClrLst/>
-    <dgm:txLinClrLst/>
-    <dgm:txFillClrLst meth="repeat">
-      <a:schemeClr val="lt1"/>
-    </dgm:txFillClrLst>
-    <dgm:txEffectClrLst/>
-  </dgm:styleLbl>
-  <dgm:styleLbl name="parChTrans2D4">
-    <dgm:fillClrLst meth="repeat">
-      <a:schemeClr val="accent1"/>
-    </dgm:fillClrLst>
-    <dgm:linClrLst meth="repeat">
-      <a:schemeClr val="accent1"/>
-    </dgm:linClrLst>
-    <dgm:effectClrLst/>
-    <dgm:txLinClrLst/>
-    <dgm:txFillClrLst meth="repeat">
-      <a:schemeClr val="lt1"/>
-    </dgm:txFillClrLst>
-    <dgm:txEffectClrLst/>
-  </dgm:styleLbl>
-  <dgm:styleLbl name="parChTrans1D1">
-    <dgm:fillClrLst meth="repeat">
-      <a:schemeClr val="accent1"/>
-    </dgm:fillClrLst>
-    <dgm:linClrLst meth="repeat">
-      <a:schemeClr val="accent1">
-        <a:shade val="60000"/>
-      </a:schemeClr>
+      <a:schemeClr val="accent3"/>
     </dgm:linClrLst>
     <dgm:effectClrLst/>
     <dgm:txLinClrLst/>
@@ -1243,12 +1285,12 @@
   </dgm:styleLbl>
   <dgm:styleLbl name="parChTrans1D2">
     <dgm:fillClrLst meth="repeat">
-      <a:schemeClr val="accent1"/>
+      <a:schemeClr val="accent2">
+        <a:tint val="90000"/>
+      </a:schemeClr>
     </dgm:fillClrLst>
     <dgm:linClrLst meth="repeat">
-      <a:schemeClr val="accent1">
-        <a:shade val="60000"/>
-      </a:schemeClr>
+      <a:schemeClr val="accent4"/>
     </dgm:linClrLst>
     <dgm:effectClrLst/>
     <dgm:txLinClrLst/>
@@ -1259,12 +1301,12 @@
   </dgm:styleLbl>
   <dgm:styleLbl name="parChTrans1D3">
     <dgm:fillClrLst meth="repeat">
-      <a:schemeClr val="accent1"/>
+      <a:schemeClr val="accent2">
+        <a:tint val="70000"/>
+      </a:schemeClr>
     </dgm:fillClrLst>
     <dgm:linClrLst meth="repeat">
-      <a:schemeClr val="accent1">
-        <a:shade val="80000"/>
-      </a:schemeClr>
+      <a:schemeClr val="accent5"/>
     </dgm:linClrLst>
     <dgm:effectClrLst/>
     <dgm:txLinClrLst/>
@@ -1275,12 +1317,12 @@
   </dgm:styleLbl>
   <dgm:styleLbl name="parChTrans1D4">
     <dgm:fillClrLst meth="repeat">
-      <a:schemeClr val="accent1"/>
+      <a:schemeClr val="accent6">
+        <a:tint val="50000"/>
+      </a:schemeClr>
     </dgm:fillClrLst>
     <dgm:linClrLst meth="repeat">
-      <a:schemeClr val="accent1">
-        <a:shade val="80000"/>
-      </a:schemeClr>
+      <a:schemeClr val="accent6"/>
     </dgm:linClrLst>
     <dgm:effectClrLst/>
     <dgm:txLinClrLst/>
@@ -1295,8 +1337,9 @@
         <a:alpha val="90000"/>
       </a:schemeClr>
     </dgm:fillClrLst>
-    <dgm:linClrLst meth="repeat">
-      <a:schemeClr val="accent1"/>
+    <dgm:linClrLst>
+      <a:schemeClr val="accent3"/>
+      <a:schemeClr val="accent4"/>
     </dgm:linClrLst>
     <dgm:effectClrLst/>
     <dgm:txLinClrLst/>
@@ -1311,8 +1354,9 @@
         <a:alpha val="90000"/>
       </a:schemeClr>
     </dgm:fillClrLst>
-    <dgm:linClrLst meth="repeat">
-      <a:schemeClr val="accent1"/>
+    <dgm:linClrLst>
+      <a:schemeClr val="accent3"/>
+      <a:schemeClr val="accent4"/>
     </dgm:linClrLst>
     <dgm:effectClrLst/>
     <dgm:txLinClrLst/>
@@ -1327,8 +1371,9 @@
         <a:alpha val="90000"/>
       </a:schemeClr>
     </dgm:fillClrLst>
-    <dgm:linClrLst meth="repeat">
-      <a:schemeClr val="accent1"/>
+    <dgm:linClrLst>
+      <a:schemeClr val="accent3"/>
+      <a:schemeClr val="accent4"/>
     </dgm:linClrLst>
     <dgm:effectClrLst/>
     <dgm:txLinClrLst/>
@@ -1344,7 +1389,7 @@
       </a:schemeClr>
     </dgm:fillClrLst>
     <dgm:linClrLst meth="repeat">
-      <a:schemeClr val="accent1"/>
+      <a:schemeClr val="accent2"/>
     </dgm:linClrLst>
     <dgm:effectClrLst/>
     <dgm:txLinClrLst/>
@@ -1359,8 +1404,9 @@
         <a:alpha val="90000"/>
       </a:schemeClr>
     </dgm:fillClrLst>
-    <dgm:linClrLst meth="repeat">
-      <a:schemeClr val="accent1"/>
+    <dgm:linClrLst>
+      <a:schemeClr val="accent3"/>
+      <a:schemeClr val="accent4"/>
     </dgm:linClrLst>
     <dgm:effectClrLst/>
     <dgm:txLinClrLst/>
@@ -1373,8 +1419,9 @@
     <dgm:fillClrLst meth="repeat">
       <a:schemeClr val="lt1"/>
     </dgm:fillClrLst>
-    <dgm:linClrLst meth="repeat">
-      <a:schemeClr val="accent1"/>
+    <dgm:linClrLst>
+      <a:schemeClr val="accent3"/>
+      <a:schemeClr val="accent4"/>
     </dgm:linClrLst>
     <dgm:effectClrLst/>
     <dgm:txLinClrLst/>
@@ -1387,8 +1434,9 @@
     <dgm:fillClrLst meth="repeat">
       <a:schemeClr val="lt1"/>
     </dgm:fillClrLst>
-    <dgm:linClrLst meth="repeat">
-      <a:schemeClr val="accent1"/>
+    <dgm:linClrLst>
+      <a:schemeClr val="accent3"/>
+      <a:schemeClr val="accent4"/>
     </dgm:linClrLst>
     <dgm:effectClrLst/>
     <dgm:txLinClrLst/>
@@ -1401,8 +1449,9 @@
     <dgm:fillClrLst meth="repeat">
       <a:schemeClr val="lt1"/>
     </dgm:fillClrLst>
-    <dgm:linClrLst meth="repeat">
-      <a:schemeClr val="accent1"/>
+    <dgm:linClrLst>
+      <a:schemeClr val="accent3"/>
+      <a:schemeClr val="accent4"/>
     </dgm:linClrLst>
     <dgm:effectClrLst/>
     <dgm:txLinClrLst/>
@@ -1412,16 +1461,24 @@
     <dgm:txEffectClrLst/>
   </dgm:styleLbl>
   <dgm:styleLbl name="fgAccFollowNode1">
-    <dgm:fillClrLst meth="repeat">
-      <a:schemeClr val="accent1">
+    <dgm:fillClrLst>
+      <a:schemeClr val="accent3">
+        <a:tint val="40000"/>
         <a:alpha val="90000"/>
+      </a:schemeClr>
+      <a:schemeClr val="accent4">
         <a:tint val="40000"/>
+        <a:alpha val="90000"/>
       </a:schemeClr>
     </dgm:fillClrLst>
-    <dgm:linClrLst meth="repeat">
-      <a:schemeClr val="accent1">
+    <dgm:linClrLst>
+      <a:schemeClr val="accent3">
+        <a:tint val="40000"/>
         <a:alpha val="90000"/>
+      </a:schemeClr>
+      <a:schemeClr val="accent4">
         <a:tint val="40000"/>
+        <a:alpha val="90000"/>
       </a:schemeClr>
     </dgm:linClrLst>
     <dgm:effectClrLst/>
@@ -1432,16 +1489,24 @@
     <dgm:txEffectClrLst/>
   </dgm:styleLbl>
   <dgm:styleLbl name="alignAccFollowNode1">
-    <dgm:fillClrLst meth="repeat">
-      <a:schemeClr val="accent1">
+    <dgm:fillClrLst>
+      <a:schemeClr val="accent3">
+        <a:tint val="40000"/>
         <a:alpha val="90000"/>
+      </a:schemeClr>
+      <a:schemeClr val="accent4">
         <a:tint val="40000"/>
+        <a:alpha val="90000"/>
       </a:schemeClr>
     </dgm:fillClrLst>
-    <dgm:linClrLst meth="repeat">
-      <a:schemeClr val="accent1">
+    <dgm:linClrLst>
+      <a:schemeClr val="accent3">
+        <a:tint val="40000"/>
         <a:alpha val="90000"/>
+      </a:schemeClr>
+      <a:schemeClr val="accent4">
         <a:tint val="40000"/>
+        <a:alpha val="90000"/>
       </a:schemeClr>
     </dgm:linClrLst>
     <dgm:effectClrLst/>
@@ -1452,16 +1517,24 @@
     <dgm:txEffectClrLst/>
   </dgm:styleLbl>
   <dgm:styleLbl name="bgAccFollowNode1">
-    <dgm:fillClrLst meth="repeat">
-      <a:schemeClr val="accent1">
+    <dgm:fillClrLst>
+      <a:schemeClr val="accent3">
+        <a:tint val="40000"/>
         <a:alpha val="90000"/>
+      </a:schemeClr>
+      <a:schemeClr val="accent4">
         <a:tint val="40000"/>
+        <a:alpha val="90000"/>
       </a:schemeClr>
     </dgm:fillClrLst>
-    <dgm:linClrLst meth="repeat">
-      <a:schemeClr val="accent1">
+    <dgm:linClrLst>
+      <a:schemeClr val="accent3">
+        <a:tint val="40000"/>
         <a:alpha val="90000"/>
+      </a:schemeClr>
+      <a:schemeClr val="accent4">
         <a:tint val="40000"/>
+        <a:alpha val="90000"/>
       </a:schemeClr>
     </dgm:linClrLst>
     <dgm:effectClrLst/>
@@ -1477,8 +1550,8 @@
         <a:alpha val="90000"/>
       </a:schemeClr>
     </dgm:fillClrLst>
-    <dgm:linClrLst meth="repeat">
-      <a:schemeClr val="accent1"/>
+    <dgm:linClrLst>
+      <a:schemeClr val="accent2"/>
     </dgm:linClrLst>
     <dgm:effectClrLst/>
     <dgm:txLinClrLst/>
@@ -1493,8 +1566,8 @@
         <a:alpha val="90000"/>
       </a:schemeClr>
     </dgm:fillClrLst>
-    <dgm:linClrLst meth="repeat">
-      <a:schemeClr val="accent1"/>
+    <dgm:linClrLst>
+      <a:schemeClr val="accent4"/>
     </dgm:linClrLst>
     <dgm:effectClrLst/>
     <dgm:txLinClrLst/>
@@ -1509,8 +1582,8 @@
         <a:alpha val="90000"/>
       </a:schemeClr>
     </dgm:fillClrLst>
-    <dgm:linClrLst meth="repeat">
-      <a:schemeClr val="accent1"/>
+    <dgm:linClrLst>
+      <a:schemeClr val="accent5"/>
     </dgm:linClrLst>
     <dgm:effectClrLst/>
     <dgm:txLinClrLst/>
@@ -1525,8 +1598,8 @@
         <a:alpha val="90000"/>
       </a:schemeClr>
     </dgm:fillClrLst>
-    <dgm:linClrLst meth="repeat">
-      <a:schemeClr val="accent1"/>
+    <dgm:linClrLst>
+      <a:schemeClr val="accent6"/>
     </dgm:linClrLst>
     <dgm:effectClrLst/>
     <dgm:txLinClrLst/>
@@ -1537,12 +1610,12 @@
   </dgm:styleLbl>
   <dgm:styleLbl name="bgShp">
     <dgm:fillClrLst meth="repeat">
-      <a:schemeClr val="accent1">
+      <a:schemeClr val="accent3">
         <a:tint val="40000"/>
       </a:schemeClr>
     </dgm:fillClrLst>
     <dgm:linClrLst meth="repeat">
-      <a:schemeClr val="accent1"/>
+      <a:schemeClr val="dk1"/>
     </dgm:linClrLst>
     <dgm:effectClrLst/>
     <dgm:txLinClrLst/>
@@ -1553,12 +1626,12 @@
   </dgm:styleLbl>
   <dgm:styleLbl name="dkBgShp">
     <dgm:fillClrLst meth="repeat">
-      <a:schemeClr val="accent1">
-        <a:shade val="80000"/>
+      <a:schemeClr val="accent3">
+        <a:shade val="90000"/>
       </a:schemeClr>
     </dgm:fillClrLst>
     <dgm:linClrLst meth="repeat">
-      <a:schemeClr val="accent1"/>
+      <a:schemeClr val="dk1"/>
     </dgm:linClrLst>
     <dgm:effectClrLst/>
     <dgm:txLinClrLst/>
@@ -1569,13 +1642,13 @@
   </dgm:styleLbl>
   <dgm:styleLbl name="trBgShp">
     <dgm:fillClrLst meth="repeat">
-      <a:schemeClr val="accent1">
+      <a:schemeClr val="accent2">
         <a:tint val="50000"/>
         <a:alpha val="40000"/>
       </a:schemeClr>
     </dgm:fillClrLst>
     <dgm:linClrLst meth="repeat">
-      <a:schemeClr val="accent1"/>
+      <a:schemeClr val="accent3"/>
     </dgm:linClrLst>
     <dgm:effectClrLst/>
     <dgm:txLinClrLst/>
@@ -1586,8 +1659,8 @@
   </dgm:styleLbl>
   <dgm:styleLbl name="fgShp">
     <dgm:fillClrLst meth="repeat">
-      <a:schemeClr val="accent1">
-        <a:tint val="60000"/>
+      <a:schemeClr val="accent3">
+        <a:tint val="40000"/>
       </a:schemeClr>
     </dgm:fillClrLst>
     <dgm:linClrLst meth="repeat">
@@ -1625,7 +1698,7 @@
 <dgm:dataModel xmlns:dgm="http://schemas.openxmlformats.org/drawingml/2006/diagram" xmlns:a="http://schemas.openxmlformats.org/drawingml/2006/main">
   <dgm:ptLst>
     <dgm:pt modelId="{3D8456A9-3A77-425D-A887-382A3186D08D}" type="doc">
-      <dgm:prSet loTypeId="urn:microsoft.com/office/officeart/2005/8/layout/radial6" loCatId="cycle" qsTypeId="urn:microsoft.com/office/officeart/2005/8/quickstyle/simple1" qsCatId="simple" csTypeId="urn:microsoft.com/office/officeart/2005/8/colors/accent1_2" csCatId="accent1" phldr="1"/>
+      <dgm:prSet loTypeId="urn:microsoft.com/office/officeart/2005/8/layout/radial6" loCatId="cycle" qsTypeId="urn:microsoft.com/office/officeart/2005/8/quickstyle/simple1" qsCatId="simple" csTypeId="urn:microsoft.com/office/officeart/2005/8/colors/colorful5" csCatId="colorful" phldr="1"/>
       <dgm:spPr/>
       <dgm:t>
         <a:bodyPr/>
@@ -1677,17 +1750,17 @@
       </dgm:t>
     </dgm:pt>
     <dgm:pt modelId="{DED40A19-D509-49BB-900A-31B0FDE1C903}">
-      <dgm:prSet phldrT="[Texte]"/>
+      <dgm:prSet phldrT="[Texte]" custT="1"/>
       <dgm:spPr/>
       <dgm:t>
         <a:bodyPr/>
         <a:lstStyle/>
         <a:p>
           <a:r>
-            <a:rPr lang="fr-FR" dirty="0" smtClean="0"/>
+            <a:rPr lang="fr-FR" sz="1400" dirty="0" smtClean="0"/>
             <a:t>Vélos en libre-service</a:t>
           </a:r>
-          <a:endParaRPr lang="fr-FR" dirty="0"/>
+          <a:endParaRPr lang="fr-FR" sz="1400" dirty="0"/>
         </a:p>
       </dgm:t>
     </dgm:pt>
@@ -1714,17 +1787,17 @@
       </dgm:t>
     </dgm:pt>
     <dgm:pt modelId="{3524C288-6D25-4FB5-9CE2-84A8FF4E9BFD}">
-      <dgm:prSet phldrT="[Texte]"/>
+      <dgm:prSet phldrT="[Texte]" custT="1"/>
       <dgm:spPr/>
       <dgm:t>
         <a:bodyPr/>
         <a:lstStyle/>
         <a:p>
           <a:r>
-            <a:rPr lang="fr-FR" dirty="0" smtClean="0"/>
-            <a:t>Les entreprises et Z.I</a:t>
+            <a:rPr lang="fr-FR" sz="1300" dirty="0" smtClean="0"/>
+            <a:t>Les entreprises avec des sites étendus et Z.I avec conglomération de sociétés</a:t>
           </a:r>
-          <a:endParaRPr lang="fr-FR" dirty="0"/>
+          <a:endParaRPr lang="fr-FR" sz="1300" dirty="0"/>
         </a:p>
       </dgm:t>
     </dgm:pt>
@@ -1751,29 +1824,29 @@
       </dgm:t>
     </dgm:pt>
     <dgm:pt modelId="{4358C10F-2270-471E-A7EB-B9B6622924C9}">
-      <dgm:prSet phldrT="[Texte]"/>
+      <dgm:prSet phldrT="[Texte]" custT="1"/>
       <dgm:spPr/>
       <dgm:t>
         <a:bodyPr/>
         <a:lstStyle/>
         <a:p>
           <a:r>
-            <a:rPr lang="fr-FR" dirty="0" smtClean="0"/>
-            <a:t>Green</a:t>
+            <a:rPr lang="fr-FR" sz="1300" dirty="0" smtClean="0"/>
+            <a:t>Green/RSE</a:t>
           </a:r>
         </a:p>
         <a:p>
           <a:r>
-            <a:rPr lang="fr-FR" dirty="0" smtClean="0"/>
-            <a:t>RSE</a:t>
+            <a:rPr lang="fr-FR" sz="1300" dirty="0" smtClean="0"/>
+            <a:t>Optimisation des déplacements et pauses</a:t>
           </a:r>
         </a:p>
         <a:p>
           <a:r>
-            <a:rPr lang="fr-FR" dirty="0" smtClean="0"/>
-            <a:t>Optimisation des déplacements</a:t>
+            <a:rPr lang="fr-FR" sz="1300" dirty="0" smtClean="0"/>
+            <a:t>Gain de temps</a:t>
           </a:r>
-          <a:endParaRPr lang="fr-FR" dirty="0"/>
+          <a:endParaRPr lang="fr-FR" sz="1300" dirty="0"/>
         </a:p>
       </dgm:t>
     </dgm:pt>
@@ -1800,29 +1873,29 @@
       </dgm:t>
     </dgm:pt>
     <dgm:pt modelId="{EEDBD38B-16C3-4D69-9333-74C3D0C16A0C}">
-      <dgm:prSet phldrT="[Texte]"/>
+      <dgm:prSet phldrT="[Texte]" custT="1"/>
       <dgm:spPr/>
       <dgm:t>
         <a:bodyPr/>
         <a:lstStyle/>
         <a:p>
           <a:r>
-            <a:rPr lang="fr-FR" dirty="0" smtClean="0"/>
+            <a:rPr lang="fr-FR" sz="1400" dirty="0" smtClean="0"/>
             <a:t>Innovant</a:t>
           </a:r>
         </a:p>
         <a:p>
           <a:r>
-            <a:rPr lang="fr-FR" dirty="0" smtClean="0"/>
+            <a:rPr lang="fr-FR" sz="1400" dirty="0" smtClean="0"/>
             <a:t>Ludique</a:t>
           </a:r>
         </a:p>
         <a:p>
           <a:r>
-            <a:rPr lang="fr-FR" dirty="0" smtClean="0"/>
+            <a:rPr lang="fr-FR" sz="1400" dirty="0" smtClean="0"/>
             <a:t>Vert</a:t>
           </a:r>
-          <a:endParaRPr lang="fr-FR" dirty="0"/>
+          <a:endParaRPr lang="fr-FR" sz="1400" dirty="0"/>
         </a:p>
       </dgm:t>
     </dgm:pt>
@@ -1878,7 +1951,7 @@
       </dgm:t>
     </dgm:pt>
     <dgm:pt modelId="{54E193E0-5F13-4683-A0D7-525362887635}" type="pres">
-      <dgm:prSet presAssocID="{DED40A19-D509-49BB-900A-31B0FDE1C903}" presName="node" presStyleLbl="node1" presStyleIdx="0" presStyleCnt="4">
+      <dgm:prSet presAssocID="{DED40A19-D509-49BB-900A-31B0FDE1C903}" presName="node" presStyleLbl="node1" presStyleIdx="0" presStyleCnt="4" custScaleX="108550" custScaleY="110762">
         <dgm:presLayoutVars>
           <dgm:bulletEnabled val="1"/>
         </dgm:presLayoutVars>
@@ -1895,6 +1968,13 @@
     <dgm:pt modelId="{79E02A6A-BB4D-413F-97ED-4A3F4F0FE276}" type="pres">
       <dgm:prSet presAssocID="{DED40A19-D509-49BB-900A-31B0FDE1C903}" presName="dummy" presStyleCnt="0"/>
       <dgm:spPr/>
+      <dgm:t>
+        <a:bodyPr/>
+        <a:lstStyle/>
+        <a:p>
+          <a:endParaRPr lang="fr-FR"/>
+        </a:p>
+      </dgm:t>
     </dgm:pt>
     <dgm:pt modelId="{E0075C93-AF83-45A0-8812-14C43C585449}" type="pres">
       <dgm:prSet presAssocID="{B1E2FD0E-6BB0-4E93-9257-6B927C33E511}" presName="sibTrans" presStyleLbl="sibTrans2D1" presStyleIdx="0" presStyleCnt="4"/>
@@ -1908,7 +1988,7 @@
       </dgm:t>
     </dgm:pt>
     <dgm:pt modelId="{283A8918-79E5-4FF4-A318-E248B0F376D2}" type="pres">
-      <dgm:prSet presAssocID="{3524C288-6D25-4FB5-9CE2-84A8FF4E9BFD}" presName="node" presStyleLbl="node1" presStyleIdx="1" presStyleCnt="4">
+      <dgm:prSet presAssocID="{3524C288-6D25-4FB5-9CE2-84A8FF4E9BFD}" presName="node" presStyleLbl="node1" presStyleIdx="1" presStyleCnt="4" custScaleX="107555" custScaleY="104119">
         <dgm:presLayoutVars>
           <dgm:bulletEnabled val="1"/>
         </dgm:presLayoutVars>
@@ -1925,6 +2005,13 @@
     <dgm:pt modelId="{06F2253A-BD40-4495-B0F9-4DC21CBA2402}" type="pres">
       <dgm:prSet presAssocID="{3524C288-6D25-4FB5-9CE2-84A8FF4E9BFD}" presName="dummy" presStyleCnt="0"/>
       <dgm:spPr/>
+      <dgm:t>
+        <a:bodyPr/>
+        <a:lstStyle/>
+        <a:p>
+          <a:endParaRPr lang="fr-FR"/>
+        </a:p>
+      </dgm:t>
     </dgm:pt>
     <dgm:pt modelId="{1520149D-B53D-406A-A482-0456C5A284ED}" type="pres">
       <dgm:prSet presAssocID="{1313B529-A141-48F9-816B-C131844517DE}" presName="sibTrans" presStyleLbl="sibTrans2D1" presStyleIdx="1" presStyleCnt="4"/>
@@ -1938,7 +2025,7 @@
       </dgm:t>
     </dgm:pt>
     <dgm:pt modelId="{D3AF51AD-6AC8-48CD-882B-4BBFC6E3A76F}" type="pres">
-      <dgm:prSet presAssocID="{4358C10F-2270-471E-A7EB-B9B6622924C9}" presName="node" presStyleLbl="node1" presStyleIdx="2" presStyleCnt="4">
+      <dgm:prSet presAssocID="{4358C10F-2270-471E-A7EB-B9B6622924C9}" presName="node" presStyleLbl="node1" presStyleIdx="2" presStyleCnt="4" custScaleX="110613" custScaleY="107718">
         <dgm:presLayoutVars>
           <dgm:bulletEnabled val="1"/>
         </dgm:presLayoutVars>
@@ -1955,6 +2042,13 @@
     <dgm:pt modelId="{88F0D942-3B2D-4649-9670-D2AD01432F66}" type="pres">
       <dgm:prSet presAssocID="{4358C10F-2270-471E-A7EB-B9B6622924C9}" presName="dummy" presStyleCnt="0"/>
       <dgm:spPr/>
+      <dgm:t>
+        <a:bodyPr/>
+        <a:lstStyle/>
+        <a:p>
+          <a:endParaRPr lang="fr-FR"/>
+        </a:p>
+      </dgm:t>
     </dgm:pt>
     <dgm:pt modelId="{1DE748F6-8A4D-4793-A7E0-0EF7FEB88AE9}" type="pres">
       <dgm:prSet presAssocID="{C24356E1-ED4A-4AD8-96C9-825EE146B99C}" presName="sibTrans" presStyleLbl="sibTrans2D1" presStyleIdx="2" presStyleCnt="4"/>
@@ -1968,7 +2062,7 @@
       </dgm:t>
     </dgm:pt>
     <dgm:pt modelId="{5FF5F3B2-897C-48C6-BC9C-1F455326F3FA}" type="pres">
-      <dgm:prSet presAssocID="{EEDBD38B-16C3-4D69-9333-74C3D0C16A0C}" presName="node" presStyleLbl="node1" presStyleIdx="3" presStyleCnt="4">
+      <dgm:prSet presAssocID="{EEDBD38B-16C3-4D69-9333-74C3D0C16A0C}" presName="node" presStyleLbl="node1" presStyleIdx="3" presStyleCnt="4" custScaleX="109270" custScaleY="104119">
         <dgm:presLayoutVars>
           <dgm:bulletEnabled val="1"/>
         </dgm:presLayoutVars>
@@ -1985,6 +2079,13 @@
     <dgm:pt modelId="{4841828D-85EE-4565-B645-583EB2971CD4}" type="pres">
       <dgm:prSet presAssocID="{EEDBD38B-16C3-4D69-9333-74C3D0C16A0C}" presName="dummy" presStyleCnt="0"/>
       <dgm:spPr/>
+      <dgm:t>
+        <a:bodyPr/>
+        <a:lstStyle/>
+        <a:p>
+          <a:endParaRPr lang="fr-FR"/>
+        </a:p>
+      </dgm:t>
     </dgm:pt>
     <dgm:pt modelId="{4C2648CE-AC7B-492F-9545-19FEF631077F}" type="pres">
       <dgm:prSet presAssocID="{01029F81-CC26-48BD-92CE-16C395AC0E0E}" presName="sibTrans" presStyleLbl="sibTrans2D1" presStyleIdx="3" presStyleCnt="4"/>
@@ -1999,21 +2100,21 @@
     </dgm:pt>
   </dgm:ptLst>
   <dgm:cxnLst>
-    <dgm:cxn modelId="{8204C627-A027-4CA3-AEA8-40FE8BE33592}" type="presOf" srcId="{4358C10F-2270-471E-A7EB-B9B6622924C9}" destId="{D3AF51AD-6AC8-48CD-882B-4BBFC6E3A76F}" srcOrd="0" destOrd="0" presId="urn:microsoft.com/office/officeart/2005/8/layout/radial6"/>
+    <dgm:cxn modelId="{C591F418-B9DD-45DA-89E4-745A59E993E7}" srcId="{4C7ED06A-44E3-4DAA-9FC6-9F62249D4600}" destId="{4358C10F-2270-471E-A7EB-B9B6622924C9}" srcOrd="2" destOrd="0" parTransId="{415309F1-DA89-4D83-96BB-53638B477939}" sibTransId="{C24356E1-ED4A-4AD8-96C9-825EE146B99C}"/>
+    <dgm:cxn modelId="{1A5DB3F0-F7C1-4008-845E-0349A353F203}" type="presOf" srcId="{DED40A19-D509-49BB-900A-31B0FDE1C903}" destId="{54E193E0-5F13-4683-A0D7-525362887635}" srcOrd="0" destOrd="0" presId="urn:microsoft.com/office/officeart/2005/8/layout/radial6"/>
+    <dgm:cxn modelId="{1CE2AF94-0030-4B66-ADB4-07DF5F5520AE}" srcId="{4C7ED06A-44E3-4DAA-9FC6-9F62249D4600}" destId="{3524C288-6D25-4FB5-9CE2-84A8FF4E9BFD}" srcOrd="1" destOrd="0" parTransId="{9204A20C-57BA-4877-B6F4-8E41843CFA9E}" sibTransId="{1313B529-A141-48F9-816B-C131844517DE}"/>
+    <dgm:cxn modelId="{DE221492-48E5-4C7A-8E55-3749364C69C0}" type="presOf" srcId="{3524C288-6D25-4FB5-9CE2-84A8FF4E9BFD}" destId="{283A8918-79E5-4FF4-A318-E248B0F376D2}" srcOrd="0" destOrd="0" presId="urn:microsoft.com/office/officeart/2005/8/layout/radial6"/>
+    <dgm:cxn modelId="{F3357C11-D90F-43EB-82E9-BA87A1765ABD}" srcId="{3D8456A9-3A77-425D-A887-382A3186D08D}" destId="{4C7ED06A-44E3-4DAA-9FC6-9F62249D4600}" srcOrd="0" destOrd="0" parTransId="{544720E7-7C05-44F9-B147-3DB016A00008}" sibTransId="{4CD71647-3503-4874-A1B6-432CF6F5864A}"/>
     <dgm:cxn modelId="{CF4ED267-1575-4B6D-946B-8B42D8A650AD}" type="presOf" srcId="{4C7ED06A-44E3-4DAA-9FC6-9F62249D4600}" destId="{D20DE446-FF8A-4936-AE90-D9C6C3A19BE6}" srcOrd="0" destOrd="0" presId="urn:microsoft.com/office/officeart/2005/8/layout/radial6"/>
+    <dgm:cxn modelId="{88939A8A-30E4-478B-97D9-3ACBD5B4B5B4}" srcId="{4C7ED06A-44E3-4DAA-9FC6-9F62249D4600}" destId="{DED40A19-D509-49BB-900A-31B0FDE1C903}" srcOrd="0" destOrd="0" parTransId="{49F0CB66-DDE9-45FA-A09E-15293D1E1862}" sibTransId="{B1E2FD0E-6BB0-4E93-9257-6B927C33E511}"/>
+    <dgm:cxn modelId="{75734851-8DBC-469F-853F-1D58B18E25FD}" type="presOf" srcId="{01029F81-CC26-48BD-92CE-16C395AC0E0E}" destId="{4C2648CE-AC7B-492F-9545-19FEF631077F}" srcOrd="0" destOrd="0" presId="urn:microsoft.com/office/officeart/2005/8/layout/radial6"/>
+    <dgm:cxn modelId="{7AC66642-363D-45C6-9073-640F41BF180F}" type="presOf" srcId="{C24356E1-ED4A-4AD8-96C9-825EE146B99C}" destId="{1DE748F6-8A4D-4793-A7E0-0EF7FEB88AE9}" srcOrd="0" destOrd="0" presId="urn:microsoft.com/office/officeart/2005/8/layout/radial6"/>
     <dgm:cxn modelId="{791736C1-8C7D-4386-A42F-D1DD498FE9C9}" type="presOf" srcId="{EEDBD38B-16C3-4D69-9333-74C3D0C16A0C}" destId="{5FF5F3B2-897C-48C6-BC9C-1F455326F3FA}" srcOrd="0" destOrd="0" presId="urn:microsoft.com/office/officeart/2005/8/layout/radial6"/>
-    <dgm:cxn modelId="{1CE2AF94-0030-4B66-ADB4-07DF5F5520AE}" srcId="{4C7ED06A-44E3-4DAA-9FC6-9F62249D4600}" destId="{3524C288-6D25-4FB5-9CE2-84A8FF4E9BFD}" srcOrd="1" destOrd="0" parTransId="{9204A20C-57BA-4877-B6F4-8E41843CFA9E}" sibTransId="{1313B529-A141-48F9-816B-C131844517DE}"/>
     <dgm:cxn modelId="{59968F56-990B-4C58-9DB2-2A1E7005BFEE}" type="presOf" srcId="{1313B529-A141-48F9-816B-C131844517DE}" destId="{1520149D-B53D-406A-A482-0456C5A284ED}" srcOrd="0" destOrd="0" presId="urn:microsoft.com/office/officeart/2005/8/layout/radial6"/>
     <dgm:cxn modelId="{32E5FAC0-A661-40D9-86C4-CE4334E6E553}" type="presOf" srcId="{3D8456A9-3A77-425D-A887-382A3186D08D}" destId="{ED62A84B-413A-4966-A135-74953CD04B16}" srcOrd="0" destOrd="0" presId="urn:microsoft.com/office/officeart/2005/8/layout/radial6"/>
-    <dgm:cxn modelId="{7AC66642-363D-45C6-9073-640F41BF180F}" type="presOf" srcId="{C24356E1-ED4A-4AD8-96C9-825EE146B99C}" destId="{1DE748F6-8A4D-4793-A7E0-0EF7FEB88AE9}" srcOrd="0" destOrd="0" presId="urn:microsoft.com/office/officeart/2005/8/layout/radial6"/>
-    <dgm:cxn modelId="{88939A8A-30E4-478B-97D9-3ACBD5B4B5B4}" srcId="{4C7ED06A-44E3-4DAA-9FC6-9F62249D4600}" destId="{DED40A19-D509-49BB-900A-31B0FDE1C903}" srcOrd="0" destOrd="0" parTransId="{49F0CB66-DDE9-45FA-A09E-15293D1E1862}" sibTransId="{B1E2FD0E-6BB0-4E93-9257-6B927C33E511}"/>
-    <dgm:cxn modelId="{1A5DB3F0-F7C1-4008-845E-0349A353F203}" type="presOf" srcId="{DED40A19-D509-49BB-900A-31B0FDE1C903}" destId="{54E193E0-5F13-4683-A0D7-525362887635}" srcOrd="0" destOrd="0" presId="urn:microsoft.com/office/officeart/2005/8/layout/radial6"/>
-    <dgm:cxn modelId="{75734851-8DBC-469F-853F-1D58B18E25FD}" type="presOf" srcId="{01029F81-CC26-48BD-92CE-16C395AC0E0E}" destId="{4C2648CE-AC7B-492F-9545-19FEF631077F}" srcOrd="0" destOrd="0" presId="urn:microsoft.com/office/officeart/2005/8/layout/radial6"/>
-    <dgm:cxn modelId="{DE221492-48E5-4C7A-8E55-3749364C69C0}" type="presOf" srcId="{3524C288-6D25-4FB5-9CE2-84A8FF4E9BFD}" destId="{283A8918-79E5-4FF4-A318-E248B0F376D2}" srcOrd="0" destOrd="0" presId="urn:microsoft.com/office/officeart/2005/8/layout/radial6"/>
-    <dgm:cxn modelId="{F3357C11-D90F-43EB-82E9-BA87A1765ABD}" srcId="{3D8456A9-3A77-425D-A887-382A3186D08D}" destId="{4C7ED06A-44E3-4DAA-9FC6-9F62249D4600}" srcOrd="0" destOrd="0" parTransId="{544720E7-7C05-44F9-B147-3DB016A00008}" sibTransId="{4CD71647-3503-4874-A1B6-432CF6F5864A}"/>
+    <dgm:cxn modelId="{A116CD8E-03ED-4079-823A-974BD2FDF2EF}" type="presOf" srcId="{B1E2FD0E-6BB0-4E93-9257-6B927C33E511}" destId="{E0075C93-AF83-45A0-8812-14C43C585449}" srcOrd="0" destOrd="0" presId="urn:microsoft.com/office/officeart/2005/8/layout/radial6"/>
+    <dgm:cxn modelId="{8204C627-A027-4CA3-AEA8-40FE8BE33592}" type="presOf" srcId="{4358C10F-2270-471E-A7EB-B9B6622924C9}" destId="{D3AF51AD-6AC8-48CD-882B-4BBFC6E3A76F}" srcOrd="0" destOrd="0" presId="urn:microsoft.com/office/officeart/2005/8/layout/radial6"/>
     <dgm:cxn modelId="{2B2C7FF7-28AA-4969-AF3D-7F9D4729A56F}" srcId="{4C7ED06A-44E3-4DAA-9FC6-9F62249D4600}" destId="{EEDBD38B-16C3-4D69-9333-74C3D0C16A0C}" srcOrd="3" destOrd="0" parTransId="{31108152-D090-4996-9A57-1004930F00BF}" sibTransId="{01029F81-CC26-48BD-92CE-16C395AC0E0E}"/>
-    <dgm:cxn modelId="{C591F418-B9DD-45DA-89E4-745A59E993E7}" srcId="{4C7ED06A-44E3-4DAA-9FC6-9F62249D4600}" destId="{4358C10F-2270-471E-A7EB-B9B6622924C9}" srcOrd="2" destOrd="0" parTransId="{415309F1-DA89-4D83-96BB-53638B477939}" sibTransId="{C24356E1-ED4A-4AD8-96C9-825EE146B99C}"/>
-    <dgm:cxn modelId="{A116CD8E-03ED-4079-823A-974BD2FDF2EF}" type="presOf" srcId="{B1E2FD0E-6BB0-4E93-9257-6B927C33E511}" destId="{E0075C93-AF83-45A0-8812-14C43C585449}" srcOrd="0" destOrd="0" presId="urn:microsoft.com/office/officeart/2005/8/layout/radial6"/>
     <dgm:cxn modelId="{842229E1-8E02-4CCC-98FF-D6CBD799957C}" type="presParOf" srcId="{ED62A84B-413A-4966-A135-74953CD04B16}" destId="{D20DE446-FF8A-4936-AE90-D9C6C3A19BE6}" srcOrd="0" destOrd="0" presId="urn:microsoft.com/office/officeart/2005/8/layout/radial6"/>
     <dgm:cxn modelId="{F3F725BA-1700-4A00-BEC2-79CBF5CC70A9}" type="presParOf" srcId="{ED62A84B-413A-4966-A135-74953CD04B16}" destId="{54E193E0-5F13-4683-A0D7-525362887635}" srcOrd="1" destOrd="0" presId="urn:microsoft.com/office/officeart/2005/8/layout/radial6"/>
     <dgm:cxn modelId="{6FB66BD9-3C60-4774-A911-AF8691DC41DC}" type="presParOf" srcId="{ED62A84B-413A-4966-A135-74953CD04B16}" destId="{79E02A6A-BB4D-413F-97ED-4A3F4F0FE276}" srcOrd="2" destOrd="0" presId="urn:microsoft.com/office/officeart/2005/8/layout/radial6"/>
@@ -2032,7 +2133,7 @@
   <dgm:whole/>
   <dgm:extLst>
     <a:ext uri="http://schemas.microsoft.com/office/drawing/2008/diagram">
-      <dsp:dataModelExt xmlns:dsp="http://schemas.microsoft.com/office/drawing/2008/diagram" relId="rId9" minVer="http://schemas.openxmlformats.org/drawingml/2006/diagram"/>
+      <dsp:dataModelExt xmlns:dsp="http://schemas.microsoft.com/office/drawing/2008/diagram" relId="rId10" minVer="http://schemas.openxmlformats.org/drawingml/2006/diagram"/>
     </a:ext>
   </dgm:extLst>
 </dgm:dataModel>
@@ -2042,7 +2143,7 @@
 <dgm:dataModel xmlns:dgm="http://schemas.openxmlformats.org/drawingml/2006/diagram" xmlns:a="http://schemas.openxmlformats.org/drawingml/2006/main">
   <dgm:ptLst>
     <dgm:pt modelId="{C90F9CD5-C717-43F2-8B8C-6D77F546CDB6}" type="doc">
-      <dgm:prSet loTypeId="urn:microsoft.com/office/officeart/2005/8/layout/StepDownProcess" loCatId="process" qsTypeId="urn:microsoft.com/office/officeart/2005/8/quickstyle/simple1" qsCatId="simple" csTypeId="urn:microsoft.com/office/officeart/2005/8/colors/accent1_2" csCatId="accent1" phldr="1"/>
+      <dgm:prSet loTypeId="urn:microsoft.com/office/officeart/2005/8/layout/StepDownProcess" loCatId="process" qsTypeId="urn:microsoft.com/office/officeart/2005/8/quickstyle/simple1" qsCatId="simple" csTypeId="urn:microsoft.com/office/officeart/2005/8/colors/colorful3" csCatId="colorful" phldr="1"/>
       <dgm:spPr/>
       <dgm:t>
         <a:bodyPr/>
@@ -2053,17 +2154,17 @@
       </dgm:t>
     </dgm:pt>
     <dgm:pt modelId="{8AE407A8-0A87-4C74-9192-63B165F70191}">
-      <dgm:prSet phldrT="[Texte]"/>
+      <dgm:prSet phldrT="[Texte]" custT="1"/>
       <dgm:spPr/>
       <dgm:t>
         <a:bodyPr/>
         <a:lstStyle/>
         <a:p>
           <a:r>
-            <a:rPr lang="fr-FR" dirty="0" smtClean="0"/>
+            <a:rPr lang="fr-FR" sz="2000" dirty="0" smtClean="0"/>
             <a:t>Encourager l’utilisation des vélos</a:t>
           </a:r>
-          <a:endParaRPr lang="fr-FR" dirty="0"/>
+          <a:endParaRPr lang="fr-FR" sz="2000" dirty="0"/>
         </a:p>
       </dgm:t>
     </dgm:pt>
@@ -2090,17 +2191,17 @@
       </dgm:t>
     </dgm:pt>
     <dgm:pt modelId="{643ED0C3-371D-4A66-96F0-D7DDBF6958F8}">
-      <dgm:prSet phldrT="[Texte]"/>
+      <dgm:prSet phldrT="[Texte]" custT="1"/>
       <dgm:spPr/>
       <dgm:t>
         <a:bodyPr/>
         <a:lstStyle/>
         <a:p>
           <a:r>
-            <a:rPr lang="fr-FR" dirty="0" smtClean="0"/>
+            <a:rPr lang="fr-FR" sz="1800" dirty="0" smtClean="0"/>
             <a:t>Développer le green en intra-entreprises</a:t>
           </a:r>
-          <a:endParaRPr lang="fr-FR" dirty="0"/>
+          <a:endParaRPr lang="fr-FR" sz="1800" dirty="0"/>
         </a:p>
       </dgm:t>
     </dgm:pt>
@@ -2127,17 +2228,17 @@
       </dgm:t>
     </dgm:pt>
     <dgm:pt modelId="{BE7E251A-F504-41D3-BDF7-E51F5EBB2C0C}">
-      <dgm:prSet phldrT="[Texte]"/>
+      <dgm:prSet phldrT="[Texte]" custT="1"/>
       <dgm:spPr/>
       <dgm:t>
         <a:bodyPr/>
         <a:lstStyle/>
         <a:p>
           <a:r>
-            <a:rPr lang="fr-FR" dirty="0" smtClean="0"/>
-            <a:t>Indiquer les kms parcourus</a:t>
+            <a:rPr lang="fr-FR" sz="2000" dirty="0" smtClean="0"/>
+            <a:t>Suivre l’évolution des salariés</a:t>
           </a:r>
-          <a:endParaRPr lang="fr-FR" dirty="0"/>
+          <a:endParaRPr lang="fr-FR" sz="2000" dirty="0"/>
         </a:p>
       </dgm:t>
     </dgm:pt>
@@ -2164,17 +2265,17 @@
       </dgm:t>
     </dgm:pt>
     <dgm:pt modelId="{5354EB3F-D81B-40BB-B788-8B9E3158C940}">
-      <dgm:prSet phldrT="[Texte]"/>
+      <dgm:prSet phldrT="[Texte]" custT="1"/>
       <dgm:spPr/>
       <dgm:t>
         <a:bodyPr/>
         <a:lstStyle/>
         <a:p>
           <a:r>
-            <a:rPr lang="fr-FR" dirty="0" smtClean="0"/>
+            <a:rPr lang="fr-FR" sz="1800" dirty="0" smtClean="0"/>
             <a:t>Challenger les employés</a:t>
           </a:r>
-          <a:endParaRPr lang="fr-FR" dirty="0"/>
+          <a:endParaRPr lang="fr-FR" sz="1800" dirty="0"/>
         </a:p>
       </dgm:t>
     </dgm:pt>
@@ -2201,13 +2302,17 @@
       </dgm:t>
     </dgm:pt>
     <dgm:pt modelId="{143290B3-86A8-448B-A8F0-35FC32C31E1E}">
-      <dgm:prSet phldrT="[Texte]" phldr="1"/>
+      <dgm:prSet phldrT="[Texte]" custT="1"/>
       <dgm:spPr/>
       <dgm:t>
         <a:bodyPr/>
         <a:lstStyle/>
         <a:p>
-          <a:endParaRPr lang="fr-FR" dirty="0"/>
+          <a:r>
+            <a:rPr lang="fr-FR" sz="2000" dirty="0" smtClean="0"/>
+            <a:t>Gains pour l’entreprise</a:t>
+          </a:r>
+          <a:endParaRPr lang="fr-FR" sz="2000" dirty="0"/>
         </a:p>
       </dgm:t>
     </dgm:pt>
@@ -2234,13 +2339,17 @@
       </dgm:t>
     </dgm:pt>
     <dgm:pt modelId="{6352EA6A-928F-4518-878D-96C8D6A6A4C2}">
-      <dgm:prSet phldrT="[Texte]" phldr="1"/>
+      <dgm:prSet phldrT="[Texte]" custT="1"/>
       <dgm:spPr/>
       <dgm:t>
         <a:bodyPr/>
         <a:lstStyle/>
         <a:p>
-          <a:endParaRPr lang="fr-FR"/>
+          <a:r>
+            <a:rPr lang="fr-FR" sz="1800" dirty="0" smtClean="0"/>
+            <a:t>Gain en terme d’image</a:t>
+          </a:r>
+          <a:endParaRPr lang="fr-FR" sz="1800" dirty="0"/>
         </a:p>
       </dgm:t>
     </dgm:pt>
@@ -2267,17 +2376,17 @@
       </dgm:t>
     </dgm:pt>
     <dgm:pt modelId="{B765C3FE-3F58-41FE-897A-CDFA00F1D705}">
-      <dgm:prSet phldrT="[Texte]"/>
+      <dgm:prSet phldrT="[Texte]" custT="1"/>
       <dgm:spPr/>
       <dgm:t>
         <a:bodyPr/>
         <a:lstStyle/>
         <a:p>
           <a:r>
-            <a:rPr lang="fr-FR" dirty="0" smtClean="0"/>
+            <a:rPr lang="fr-FR" sz="1800" dirty="0" smtClean="0"/>
             <a:t>Optimiser les déplacements</a:t>
           </a:r>
-          <a:endParaRPr lang="fr-FR" dirty="0"/>
+          <a:endParaRPr lang="fr-FR" sz="1800" dirty="0"/>
         </a:p>
       </dgm:t>
     </dgm:pt>
@@ -2304,27 +2413,189 @@
       </dgm:t>
     </dgm:pt>
     <dgm:pt modelId="{293A425E-FE1B-48BF-B98F-DD30A3C4B7D2}">
-      <dgm:prSet phldrT="[Texte]"/>
+      <dgm:prSet phldrT="[Texte]" custT="1"/>
       <dgm:spPr/>
       <dgm:t>
         <a:bodyPr/>
         <a:lstStyle/>
         <a:p>
           <a:r>
-            <a:rPr lang="fr-FR" dirty="0" smtClean="0"/>
+            <a:rPr lang="fr-FR" sz="1800" dirty="0" smtClean="0"/>
             <a:t>Unir les salariés et les sociétés</a:t>
           </a:r>
-          <a:endParaRPr lang="fr-FR" dirty="0"/>
+          <a:endParaRPr lang="fr-FR" sz="1800" dirty="0"/>
         </a:p>
       </dgm:t>
     </dgm:pt>
     <dgm:pt modelId="{5D46A460-18A5-4694-AC7B-FEDB06CA11A1}" type="parTrans" cxnId="{E36AA747-9A2C-4051-AC17-8B31C73BE7CA}">
       <dgm:prSet/>
       <dgm:spPr/>
+      <dgm:t>
+        <a:bodyPr/>
+        <a:lstStyle/>
+        <a:p>
+          <a:endParaRPr lang="fr-FR"/>
+        </a:p>
+      </dgm:t>
     </dgm:pt>
     <dgm:pt modelId="{5B2102A1-BCA6-4B6D-A743-E8868DCBADC3}" type="sibTrans" cxnId="{E36AA747-9A2C-4051-AC17-8B31C73BE7CA}">
       <dgm:prSet/>
       <dgm:spPr/>
+      <dgm:t>
+        <a:bodyPr/>
+        <a:lstStyle/>
+        <a:p>
+          <a:endParaRPr lang="fr-FR"/>
+        </a:p>
+      </dgm:t>
+    </dgm:pt>
+    <dgm:pt modelId="{2CD2D7A4-83FE-4E52-B9F4-C953A1625526}">
+      <dgm:prSet phldrT="[Texte]" custT="1"/>
+      <dgm:spPr/>
+      <dgm:t>
+        <a:bodyPr/>
+        <a:lstStyle/>
+        <a:p>
+          <a:r>
+            <a:rPr lang="fr-FR" sz="1800" dirty="0" err="1" smtClean="0"/>
+            <a:t>BtoCycle</a:t>
+          </a:r>
+          <a:r>
+            <a:rPr lang="fr-FR" sz="1800" dirty="0" smtClean="0"/>
+            <a:t> propose un service clé en main</a:t>
+          </a:r>
+          <a:endParaRPr lang="fr-FR" sz="1800" dirty="0"/>
+        </a:p>
+      </dgm:t>
+    </dgm:pt>
+    <dgm:pt modelId="{BFF08C6A-8223-45E5-B53B-86BEA5FD4C46}" type="parTrans" cxnId="{6BF0506F-FEC7-41F2-B886-958C67722AD0}">
+      <dgm:prSet/>
+      <dgm:spPr/>
+      <dgm:t>
+        <a:bodyPr/>
+        <a:lstStyle/>
+        <a:p>
+          <a:endParaRPr lang="fr-FR"/>
+        </a:p>
+      </dgm:t>
+    </dgm:pt>
+    <dgm:pt modelId="{D8A615F2-FCE3-4CD9-BF7F-49A4F6CB4FDB}" type="sibTrans" cxnId="{6BF0506F-FEC7-41F2-B886-958C67722AD0}">
+      <dgm:prSet/>
+      <dgm:spPr/>
+      <dgm:t>
+        <a:bodyPr/>
+        <a:lstStyle/>
+        <a:p>
+          <a:endParaRPr lang="fr-FR"/>
+        </a:p>
+      </dgm:t>
+    </dgm:pt>
+    <dgm:pt modelId="{8D584D57-684F-4EE7-93A2-40D6C552469F}">
+      <dgm:prSet phldrT="[Texte]" custT="1"/>
+      <dgm:spPr/>
+      <dgm:t>
+        <a:bodyPr/>
+        <a:lstStyle/>
+        <a:p>
+          <a:endParaRPr lang="fr-FR" sz="1800" dirty="0"/>
+        </a:p>
+      </dgm:t>
+    </dgm:pt>
+    <dgm:pt modelId="{28B25289-A7EA-4A67-9EFA-6384D788E557}" type="parTrans" cxnId="{62F018BD-1858-40F9-83FD-93DB5954689F}">
+      <dgm:prSet/>
+      <dgm:spPr/>
+      <dgm:t>
+        <a:bodyPr/>
+        <a:lstStyle/>
+        <a:p>
+          <a:endParaRPr lang="fr-FR"/>
+        </a:p>
+      </dgm:t>
+    </dgm:pt>
+    <dgm:pt modelId="{889C867E-A2E8-4C69-92E0-B19130A09871}" type="sibTrans" cxnId="{62F018BD-1858-40F9-83FD-93DB5954689F}">
+      <dgm:prSet/>
+      <dgm:spPr/>
+      <dgm:t>
+        <a:bodyPr/>
+        <a:lstStyle/>
+        <a:p>
+          <a:endParaRPr lang="fr-FR"/>
+        </a:p>
+      </dgm:t>
+    </dgm:pt>
+    <dgm:pt modelId="{6E15E876-012D-4A8C-B54B-38DA1E5D731D}">
+      <dgm:prSet phldrT="[Texte]" custT="1"/>
+      <dgm:spPr/>
+      <dgm:t>
+        <a:bodyPr/>
+        <a:lstStyle/>
+        <a:p>
+          <a:r>
+            <a:rPr lang="fr-FR" sz="1800" dirty="0" smtClean="0"/>
+            <a:t>Optimisation de déplacements : gain de productivité</a:t>
+          </a:r>
+          <a:endParaRPr lang="fr-FR" sz="1800" dirty="0"/>
+        </a:p>
+      </dgm:t>
+    </dgm:pt>
+    <dgm:pt modelId="{6A3CADA5-B8A4-493A-9146-7FB8A4B9D945}" type="parTrans" cxnId="{1401667A-9341-4898-A6F4-A2A99C4922F3}">
+      <dgm:prSet/>
+      <dgm:spPr/>
+      <dgm:t>
+        <a:bodyPr/>
+        <a:lstStyle/>
+        <a:p>
+          <a:endParaRPr lang="fr-FR"/>
+        </a:p>
+      </dgm:t>
+    </dgm:pt>
+    <dgm:pt modelId="{3519D7F0-D056-4BCA-A734-0D06182C2345}" type="sibTrans" cxnId="{1401667A-9341-4898-A6F4-A2A99C4922F3}">
+      <dgm:prSet/>
+      <dgm:spPr/>
+      <dgm:t>
+        <a:bodyPr/>
+        <a:lstStyle/>
+        <a:p>
+          <a:endParaRPr lang="fr-FR"/>
+        </a:p>
+      </dgm:t>
+    </dgm:pt>
+    <dgm:pt modelId="{032F72B0-142E-4A25-93CE-FE42F82D0982}">
+      <dgm:prSet phldrT="[Texte]" custT="1"/>
+      <dgm:spPr/>
+      <dgm:t>
+        <a:bodyPr/>
+        <a:lstStyle/>
+        <a:p>
+          <a:r>
+            <a:rPr lang="fr-FR" sz="1800" dirty="0" smtClean="0"/>
+            <a:t>Moyen de transport peu coûteux</a:t>
+          </a:r>
+          <a:endParaRPr lang="fr-FR" sz="1800" dirty="0"/>
+        </a:p>
+      </dgm:t>
+    </dgm:pt>
+    <dgm:pt modelId="{0F47BC57-5D5B-4282-BC1D-2D092378030E}" type="parTrans" cxnId="{DCB35428-3C7B-4C6A-A9C6-71571D4F3CAA}">
+      <dgm:prSet/>
+      <dgm:spPr/>
+      <dgm:t>
+        <a:bodyPr/>
+        <a:lstStyle/>
+        <a:p>
+          <a:endParaRPr lang="fr-FR"/>
+        </a:p>
+      </dgm:t>
+    </dgm:pt>
+    <dgm:pt modelId="{C466C0E4-937F-4BD7-B53D-E8C21B8058B6}" type="sibTrans" cxnId="{DCB35428-3C7B-4C6A-A9C6-71571D4F3CAA}">
+      <dgm:prSet/>
+      <dgm:spPr/>
+      <dgm:t>
+        <a:bodyPr/>
+        <a:lstStyle/>
+        <a:p>
+          <a:endParaRPr lang="fr-FR"/>
+        </a:p>
+      </dgm:t>
     </dgm:pt>
     <dgm:pt modelId="{C4ECD2FA-30B6-4766-BBA6-467986083F37}" type="pres">
       <dgm:prSet presAssocID="{C90F9CD5-C717-43F2-8B8C-6D77F546CDB6}" presName="rootnode" presStyleCnt="0">
@@ -2347,13 +2618,27 @@
     <dgm:pt modelId="{B1D70006-B2FC-4738-87F1-6704A64DA4BD}" type="pres">
       <dgm:prSet presAssocID="{8AE407A8-0A87-4C74-9192-63B165F70191}" presName="composite" presStyleCnt="0"/>
       <dgm:spPr/>
+      <dgm:t>
+        <a:bodyPr/>
+        <a:lstStyle/>
+        <a:p>
+          <a:endParaRPr lang="fr-FR"/>
+        </a:p>
+      </dgm:t>
     </dgm:pt>
     <dgm:pt modelId="{303B0BDC-D72F-4268-935D-DD806C186C27}" type="pres">
-      <dgm:prSet presAssocID="{8AE407A8-0A87-4C74-9192-63B165F70191}" presName="bentUpArrow1" presStyleLbl="alignImgPlace1" presStyleIdx="0" presStyleCnt="2"/>
+      <dgm:prSet presAssocID="{8AE407A8-0A87-4C74-9192-63B165F70191}" presName="bentUpArrow1" presStyleLbl="alignImgPlace1" presStyleIdx="0" presStyleCnt="2" custScaleX="68871" custScaleY="73998" custLinFactNeighborX="-1062" custLinFactNeighborY="-22182"/>
       <dgm:spPr/>
+      <dgm:t>
+        <a:bodyPr/>
+        <a:lstStyle/>
+        <a:p>
+          <a:endParaRPr lang="fr-FR"/>
+        </a:p>
+      </dgm:t>
     </dgm:pt>
     <dgm:pt modelId="{72B5475D-7584-4E1B-87B2-35C7AAD61276}" type="pres">
-      <dgm:prSet presAssocID="{8AE407A8-0A87-4C74-9192-63B165F70191}" presName="ParentText" presStyleLbl="node1" presStyleIdx="0" presStyleCnt="3">
+      <dgm:prSet presAssocID="{8AE407A8-0A87-4C74-9192-63B165F70191}" presName="ParentText" presStyleLbl="node1" presStyleIdx="0" presStyleCnt="3" custScaleX="79850" custScaleY="83626">
         <dgm:presLayoutVars>
           <dgm:chMax val="1"/>
           <dgm:chPref val="1"/>
@@ -2370,7 +2655,7 @@
       </dgm:t>
     </dgm:pt>
     <dgm:pt modelId="{A1B29F98-6FEA-4DE1-A63F-9C1299F64BAA}" type="pres">
-      <dgm:prSet presAssocID="{8AE407A8-0A87-4C74-9192-63B165F70191}" presName="ChildText" presStyleLbl="revTx" presStyleIdx="0" presStyleCnt="3" custScaleX="225463" custLinFactNeighborX="62137">
+      <dgm:prSet presAssocID="{8AE407A8-0A87-4C74-9192-63B165F70191}" presName="ChildText" presStyleLbl="revTx" presStyleIdx="0" presStyleCnt="3" custScaleX="225463" custLinFactNeighborX="52742">
         <dgm:presLayoutVars>
           <dgm:chMax val="0"/>
           <dgm:chPref val="0"/>
@@ -2389,17 +2674,38 @@
     <dgm:pt modelId="{E3ECFA74-E1DF-407E-AF98-4419FFA40E43}" type="pres">
       <dgm:prSet presAssocID="{28827771-8BBB-4C7C-802D-53AD2C3BD014}" presName="sibTrans" presStyleCnt="0"/>
       <dgm:spPr/>
+      <dgm:t>
+        <a:bodyPr/>
+        <a:lstStyle/>
+        <a:p>
+          <a:endParaRPr lang="fr-FR"/>
+        </a:p>
+      </dgm:t>
     </dgm:pt>
     <dgm:pt modelId="{D1AAF738-790A-4149-8B7A-F260CD6FF4CB}" type="pres">
       <dgm:prSet presAssocID="{BE7E251A-F504-41D3-BDF7-E51F5EBB2C0C}" presName="composite" presStyleCnt="0"/>
       <dgm:spPr/>
+      <dgm:t>
+        <a:bodyPr/>
+        <a:lstStyle/>
+        <a:p>
+          <a:endParaRPr lang="fr-FR"/>
+        </a:p>
+      </dgm:t>
     </dgm:pt>
     <dgm:pt modelId="{3D84DF33-4B26-470D-8ED8-743E94B04DD8}" type="pres">
-      <dgm:prSet presAssocID="{BE7E251A-F504-41D3-BDF7-E51F5EBB2C0C}" presName="bentUpArrow1" presStyleLbl="alignImgPlace1" presStyleIdx="1" presStyleCnt="2"/>
+      <dgm:prSet presAssocID="{BE7E251A-F504-41D3-BDF7-E51F5EBB2C0C}" presName="bentUpArrow1" presStyleLbl="alignImgPlace1" presStyleIdx="1" presStyleCnt="2" custScaleX="67371" custScaleY="75825" custLinFactNeighborX="-32436" custLinFactNeighborY="-20962"/>
       <dgm:spPr/>
+      <dgm:t>
+        <a:bodyPr/>
+        <a:lstStyle/>
+        <a:p>
+          <a:endParaRPr lang="fr-FR"/>
+        </a:p>
+      </dgm:t>
     </dgm:pt>
     <dgm:pt modelId="{D2F335A2-CB2B-4E8A-B89B-113646FB1D9B}" type="pres">
-      <dgm:prSet presAssocID="{BE7E251A-F504-41D3-BDF7-E51F5EBB2C0C}" presName="ParentText" presStyleLbl="node1" presStyleIdx="1" presStyleCnt="3">
+      <dgm:prSet presAssocID="{BE7E251A-F504-41D3-BDF7-E51F5EBB2C0C}" presName="ParentText" presStyleLbl="node1" presStyleIdx="1" presStyleCnt="3" custScaleX="83016" custScaleY="81509" custLinFactNeighborX="-20153" custLinFactNeighborY="-187">
         <dgm:presLayoutVars>
           <dgm:chMax val="1"/>
           <dgm:chPref val="1"/>
@@ -2416,7 +2722,7 @@
       </dgm:t>
     </dgm:pt>
     <dgm:pt modelId="{50F983E3-9671-483A-BCF9-8454C2A3B038}" type="pres">
-      <dgm:prSet presAssocID="{BE7E251A-F504-41D3-BDF7-E51F5EBB2C0C}" presName="ChildText" presStyleLbl="revTx" presStyleIdx="1" presStyleCnt="3" custScaleX="211646" custLinFactNeighborX="53034">
+      <dgm:prSet presAssocID="{BE7E251A-F504-41D3-BDF7-E51F5EBB2C0C}" presName="ChildText" presStyleLbl="revTx" presStyleIdx="1" presStyleCnt="3" custScaleX="211646" custLinFactNeighborX="28490">
         <dgm:presLayoutVars>
           <dgm:chMax val="0"/>
           <dgm:chPref val="0"/>
@@ -2435,13 +2741,27 @@
     <dgm:pt modelId="{1D651BBF-27A1-47BD-8D47-7B0E4F0837F7}" type="pres">
       <dgm:prSet presAssocID="{3B634A3A-D5D9-49C5-A23B-9E21BF9D9294}" presName="sibTrans" presStyleCnt="0"/>
       <dgm:spPr/>
+      <dgm:t>
+        <a:bodyPr/>
+        <a:lstStyle/>
+        <a:p>
+          <a:endParaRPr lang="fr-FR"/>
+        </a:p>
+      </dgm:t>
     </dgm:pt>
     <dgm:pt modelId="{7D45C7C2-37AB-46DD-AC27-B90FA10685AE}" type="pres">
       <dgm:prSet presAssocID="{143290B3-86A8-448B-A8F0-35FC32C31E1E}" presName="composite" presStyleCnt="0"/>
       <dgm:spPr/>
+      <dgm:t>
+        <a:bodyPr/>
+        <a:lstStyle/>
+        <a:p>
+          <a:endParaRPr lang="fr-FR"/>
+        </a:p>
+      </dgm:t>
     </dgm:pt>
     <dgm:pt modelId="{C6B62AF6-8A74-43A6-B2E7-F7A9B50AEC4E}" type="pres">
-      <dgm:prSet presAssocID="{143290B3-86A8-448B-A8F0-35FC32C31E1E}" presName="ParentText" presStyleLbl="node1" presStyleIdx="2" presStyleCnt="3">
+      <dgm:prSet presAssocID="{143290B3-86A8-448B-A8F0-35FC32C31E1E}" presName="ParentText" presStyleLbl="node1" presStyleIdx="2" presStyleCnt="3" custScaleX="83991" custScaleY="79478" custLinFactNeighborX="-43379">
         <dgm:presLayoutVars>
           <dgm:chMax val="1"/>
           <dgm:chPref val="1"/>
@@ -2458,7 +2778,7 @@
       </dgm:t>
     </dgm:pt>
     <dgm:pt modelId="{2956AA07-74CF-4398-88C4-40A50F9EC839}" type="pres">
-      <dgm:prSet presAssocID="{143290B3-86A8-448B-A8F0-35FC32C31E1E}" presName="FinalChildText" presStyleLbl="revTx" presStyleIdx="2" presStyleCnt="3">
+      <dgm:prSet presAssocID="{143290B3-86A8-448B-A8F0-35FC32C31E1E}" presName="FinalChildText" presStyleLbl="revTx" presStyleIdx="2" presStyleCnt="3" custScaleX="191497" custScaleY="179767" custLinFactNeighborX="-18221" custLinFactNeighborY="23660">
         <dgm:presLayoutVars>
           <dgm:chMax val="0"/>
           <dgm:chPref val="0"/>
@@ -2476,23 +2796,31 @@
     </dgm:pt>
   </dgm:ptLst>
   <dgm:cxnLst>
+    <dgm:cxn modelId="{3F410238-B925-4CB9-8AAC-4D0E87FF6D9D}" srcId="{C90F9CD5-C717-43F2-8B8C-6D77F546CDB6}" destId="{8AE407A8-0A87-4C74-9192-63B165F70191}" srcOrd="0" destOrd="0" parTransId="{219908FA-5F46-4D44-8D5A-7B963BD9346E}" sibTransId="{28827771-8BBB-4C7C-802D-53AD2C3BD014}"/>
+    <dgm:cxn modelId="{51B82E7B-4E2F-45ED-9E0C-756A8FF5C333}" type="presOf" srcId="{B765C3FE-3F58-41FE-897A-CDFA00F1D705}" destId="{A1B29F98-6FEA-4DE1-A63F-9C1299F64BAA}" srcOrd="0" destOrd="1" presId="urn:microsoft.com/office/officeart/2005/8/layout/StepDownProcess"/>
+    <dgm:cxn modelId="{080C477E-5EF2-4695-B8EA-18E4586C765E}" type="presOf" srcId="{8AE407A8-0A87-4C74-9192-63B165F70191}" destId="{72B5475D-7584-4E1B-87B2-35C7AAD61276}" srcOrd="0" destOrd="0" presId="urn:microsoft.com/office/officeart/2005/8/layout/StepDownProcess"/>
+    <dgm:cxn modelId="{1401667A-9341-4898-A6F4-A2A99C4922F3}" srcId="{143290B3-86A8-448B-A8F0-35FC32C31E1E}" destId="{6E15E876-012D-4A8C-B54B-38DA1E5D731D}" srcOrd="2" destOrd="0" parTransId="{6A3CADA5-B8A4-493A-9146-7FB8A4B9D945}" sibTransId="{3519D7F0-D056-4BCA-A734-0D06182C2345}"/>
+    <dgm:cxn modelId="{6C92B2B4-6555-460F-99F1-37B8270D6EFD}" type="presOf" srcId="{293A425E-FE1B-48BF-B98F-DD30A3C4B7D2}" destId="{50F983E3-9671-483A-BCF9-8454C2A3B038}" srcOrd="0" destOrd="1" presId="urn:microsoft.com/office/officeart/2005/8/layout/StepDownProcess"/>
     <dgm:cxn modelId="{9BB0BA30-0570-4578-B5CE-43D446F8E0B8}" type="presOf" srcId="{643ED0C3-371D-4A66-96F0-D7DDBF6958F8}" destId="{A1B29F98-6FEA-4DE1-A63F-9C1299F64BAA}" srcOrd="0" destOrd="0" presId="urn:microsoft.com/office/officeart/2005/8/layout/StepDownProcess"/>
+    <dgm:cxn modelId="{7CBD6A51-CE6D-4CCF-8307-4C3140A67439}" type="presOf" srcId="{8D584D57-684F-4EE7-93A2-40D6C552469F}" destId="{2956AA07-74CF-4398-88C4-40A50F9EC839}" srcOrd="0" destOrd="4" presId="urn:microsoft.com/office/officeart/2005/8/layout/StepDownProcess"/>
+    <dgm:cxn modelId="{E36AA747-9A2C-4051-AC17-8B31C73BE7CA}" srcId="{BE7E251A-F504-41D3-BDF7-E51F5EBB2C0C}" destId="{293A425E-FE1B-48BF-B98F-DD30A3C4B7D2}" srcOrd="1" destOrd="0" parTransId="{5D46A460-18A5-4694-AC7B-FEDB06CA11A1}" sibTransId="{5B2102A1-BCA6-4B6D-A743-E8868DCBADC3}"/>
+    <dgm:cxn modelId="{173A83DA-5FE4-45A7-8887-CD25C60D674A}" srcId="{C90F9CD5-C717-43F2-8B8C-6D77F546CDB6}" destId="{143290B3-86A8-448B-A8F0-35FC32C31E1E}" srcOrd="2" destOrd="0" parTransId="{FD72C750-F98F-46CA-8661-E3451485A731}" sibTransId="{2B3292CD-3F98-47A9-A606-27C424F8E960}"/>
     <dgm:cxn modelId="{26D0702C-6B81-4ABF-BC9E-61044CF2049C}" type="presOf" srcId="{C90F9CD5-C717-43F2-8B8C-6D77F546CDB6}" destId="{C4ECD2FA-30B6-4766-BBA6-467986083F37}" srcOrd="0" destOrd="0" presId="urn:microsoft.com/office/officeart/2005/8/layout/StepDownProcess"/>
-    <dgm:cxn modelId="{173A83DA-5FE4-45A7-8887-CD25C60D674A}" srcId="{C90F9CD5-C717-43F2-8B8C-6D77F546CDB6}" destId="{143290B3-86A8-448B-A8F0-35FC32C31E1E}" srcOrd="2" destOrd="0" parTransId="{FD72C750-F98F-46CA-8661-E3451485A731}" sibTransId="{2B3292CD-3F98-47A9-A606-27C424F8E960}"/>
+    <dgm:cxn modelId="{6D3DB2EF-148E-4ADC-82A3-2217713EAD35}" type="presOf" srcId="{6E15E876-012D-4A8C-B54B-38DA1E5D731D}" destId="{2956AA07-74CF-4398-88C4-40A50F9EC839}" srcOrd="0" destOrd="2" presId="urn:microsoft.com/office/officeart/2005/8/layout/StepDownProcess"/>
+    <dgm:cxn modelId="{E83E1C1A-7171-49AA-AD18-8C57A0677C2C}" srcId="{C90F9CD5-C717-43F2-8B8C-6D77F546CDB6}" destId="{BE7E251A-F504-41D3-BDF7-E51F5EBB2C0C}" srcOrd="1" destOrd="0" parTransId="{4DBC1CA3-C31F-4DCC-81BD-8B8333E10608}" sibTransId="{3B634A3A-D5D9-49C5-A23B-9E21BF9D9294}"/>
     <dgm:cxn modelId="{BF8A3363-A53F-481C-8239-3DCF5C304771}" srcId="{8AE407A8-0A87-4C74-9192-63B165F70191}" destId="{643ED0C3-371D-4A66-96F0-D7DDBF6958F8}" srcOrd="0" destOrd="0" parTransId="{FF04929F-B9F5-4C6E-B381-69A1D2CA08EA}" sibTransId="{00BFEC88-F29F-4CDD-BF0B-772301504D4F}"/>
-    <dgm:cxn modelId="{080C477E-5EF2-4695-B8EA-18E4586C765E}" type="presOf" srcId="{8AE407A8-0A87-4C74-9192-63B165F70191}" destId="{72B5475D-7584-4E1B-87B2-35C7AAD61276}" srcOrd="0" destOrd="0" presId="urn:microsoft.com/office/officeart/2005/8/layout/StepDownProcess"/>
+    <dgm:cxn modelId="{6BF0506F-FEC7-41F2-B886-958C67722AD0}" srcId="{143290B3-86A8-448B-A8F0-35FC32C31E1E}" destId="{2CD2D7A4-83FE-4E52-B9F4-C953A1625526}" srcOrd="1" destOrd="0" parTransId="{BFF08C6A-8223-45E5-B53B-86BEA5FD4C46}" sibTransId="{D8A615F2-FCE3-4CD9-BF7F-49A4F6CB4FDB}"/>
+    <dgm:cxn modelId="{494811B4-BF48-43C8-ABE5-784C21FEC869}" srcId="{BE7E251A-F504-41D3-BDF7-E51F5EBB2C0C}" destId="{5354EB3F-D81B-40BB-B788-8B9E3158C940}" srcOrd="0" destOrd="0" parTransId="{15F3617D-9F19-45C7-A43F-61306E15D78A}" sibTransId="{AC126402-9173-4914-821D-74FD67CF34FC}"/>
+    <dgm:cxn modelId="{1B5660FD-3089-4188-A96B-D35936AE19B3}" srcId="{143290B3-86A8-448B-A8F0-35FC32C31E1E}" destId="{6352EA6A-928F-4518-878D-96C8D6A6A4C2}" srcOrd="0" destOrd="0" parTransId="{344107CF-502B-4317-9750-15943855315E}" sibTransId="{90EE4F6D-D63B-4E86-BB86-027F79B86885}"/>
     <dgm:cxn modelId="{541D24FD-4829-45A5-8DC0-5EC3BEE0BE78}" type="presOf" srcId="{6352EA6A-928F-4518-878D-96C8D6A6A4C2}" destId="{2956AA07-74CF-4398-88C4-40A50F9EC839}" srcOrd="0" destOrd="0" presId="urn:microsoft.com/office/officeart/2005/8/layout/StepDownProcess"/>
-    <dgm:cxn modelId="{6C92B2B4-6555-460F-99F1-37B8270D6EFD}" type="presOf" srcId="{293A425E-FE1B-48BF-B98F-DD30A3C4B7D2}" destId="{50F983E3-9671-483A-BCF9-8454C2A3B038}" srcOrd="0" destOrd="1" presId="urn:microsoft.com/office/officeart/2005/8/layout/StepDownProcess"/>
-    <dgm:cxn modelId="{1B5660FD-3089-4188-A96B-D35936AE19B3}" srcId="{143290B3-86A8-448B-A8F0-35FC32C31E1E}" destId="{6352EA6A-928F-4518-878D-96C8D6A6A4C2}" srcOrd="0" destOrd="0" parTransId="{344107CF-502B-4317-9750-15943855315E}" sibTransId="{90EE4F6D-D63B-4E86-BB86-027F79B86885}"/>
-    <dgm:cxn modelId="{E36AA747-9A2C-4051-AC17-8B31C73BE7CA}" srcId="{BE7E251A-F504-41D3-BDF7-E51F5EBB2C0C}" destId="{293A425E-FE1B-48BF-B98F-DD30A3C4B7D2}" srcOrd="1" destOrd="0" parTransId="{5D46A460-18A5-4694-AC7B-FEDB06CA11A1}" sibTransId="{5B2102A1-BCA6-4B6D-A743-E8868DCBADC3}"/>
-    <dgm:cxn modelId="{494811B4-BF48-43C8-ABE5-784C21FEC869}" srcId="{BE7E251A-F504-41D3-BDF7-E51F5EBB2C0C}" destId="{5354EB3F-D81B-40BB-B788-8B9E3158C940}" srcOrd="0" destOrd="0" parTransId="{15F3617D-9F19-45C7-A43F-61306E15D78A}" sibTransId="{AC126402-9173-4914-821D-74FD67CF34FC}"/>
-    <dgm:cxn modelId="{3F410238-B925-4CB9-8AAC-4D0E87FF6D9D}" srcId="{C90F9CD5-C717-43F2-8B8C-6D77F546CDB6}" destId="{8AE407A8-0A87-4C74-9192-63B165F70191}" srcOrd="0" destOrd="0" parTransId="{219908FA-5F46-4D44-8D5A-7B963BD9346E}" sibTransId="{28827771-8BBB-4C7C-802D-53AD2C3BD014}"/>
+    <dgm:cxn modelId="{62F018BD-1858-40F9-83FD-93DB5954689F}" srcId="{143290B3-86A8-448B-A8F0-35FC32C31E1E}" destId="{8D584D57-684F-4EE7-93A2-40D6C552469F}" srcOrd="4" destOrd="0" parTransId="{28B25289-A7EA-4A67-9EFA-6384D788E557}" sibTransId="{889C867E-A2E8-4C69-92E0-B19130A09871}"/>
+    <dgm:cxn modelId="{774BF4B2-2DE9-4136-AE63-93CF375A30D7}" type="presOf" srcId="{143290B3-86A8-448B-A8F0-35FC32C31E1E}" destId="{C6B62AF6-8A74-43A6-B2E7-F7A9B50AEC4E}" srcOrd="0" destOrd="0" presId="urn:microsoft.com/office/officeart/2005/8/layout/StepDownProcess"/>
+    <dgm:cxn modelId="{9730D3B3-355A-46FC-AB3B-AF41196641CB}" type="presOf" srcId="{5354EB3F-D81B-40BB-B788-8B9E3158C940}" destId="{50F983E3-9671-483A-BCF9-8454C2A3B038}" srcOrd="0" destOrd="0" presId="urn:microsoft.com/office/officeart/2005/8/layout/StepDownProcess"/>
     <dgm:cxn modelId="{6832E34F-5082-4292-A1BF-FEE27FF7A169}" type="presOf" srcId="{BE7E251A-F504-41D3-BDF7-E51F5EBB2C0C}" destId="{D2F335A2-CB2B-4E8A-B89B-113646FB1D9B}" srcOrd="0" destOrd="0" presId="urn:microsoft.com/office/officeart/2005/8/layout/StepDownProcess"/>
-    <dgm:cxn modelId="{774BF4B2-2DE9-4136-AE63-93CF375A30D7}" type="presOf" srcId="{143290B3-86A8-448B-A8F0-35FC32C31E1E}" destId="{C6B62AF6-8A74-43A6-B2E7-F7A9B50AEC4E}" srcOrd="0" destOrd="0" presId="urn:microsoft.com/office/officeart/2005/8/layout/StepDownProcess"/>
+    <dgm:cxn modelId="{DCB35428-3C7B-4C6A-A9C6-71571D4F3CAA}" srcId="{143290B3-86A8-448B-A8F0-35FC32C31E1E}" destId="{032F72B0-142E-4A25-93CE-FE42F82D0982}" srcOrd="3" destOrd="0" parTransId="{0F47BC57-5D5B-4282-BC1D-2D092378030E}" sibTransId="{C466C0E4-937F-4BD7-B53D-E8C21B8058B6}"/>
+    <dgm:cxn modelId="{8FA5C5D2-062F-4491-8702-B17C4C304797}" type="presOf" srcId="{2CD2D7A4-83FE-4E52-B9F4-C953A1625526}" destId="{2956AA07-74CF-4398-88C4-40A50F9EC839}" srcOrd="0" destOrd="1" presId="urn:microsoft.com/office/officeart/2005/8/layout/StepDownProcess"/>
     <dgm:cxn modelId="{29D7D78D-C9AF-4D99-BC10-682363983AF9}" srcId="{8AE407A8-0A87-4C74-9192-63B165F70191}" destId="{B765C3FE-3F58-41FE-897A-CDFA00F1D705}" srcOrd="1" destOrd="0" parTransId="{34772209-E2D8-4199-9484-DDAC0FDA2330}" sibTransId="{B297F88B-8209-4609-8651-190B5B3DA6CE}"/>
-    <dgm:cxn modelId="{9730D3B3-355A-46FC-AB3B-AF41196641CB}" type="presOf" srcId="{5354EB3F-D81B-40BB-B788-8B9E3158C940}" destId="{50F983E3-9671-483A-BCF9-8454C2A3B038}" srcOrd="0" destOrd="0" presId="urn:microsoft.com/office/officeart/2005/8/layout/StepDownProcess"/>
-    <dgm:cxn modelId="{51B82E7B-4E2F-45ED-9E0C-756A8FF5C333}" type="presOf" srcId="{B765C3FE-3F58-41FE-897A-CDFA00F1D705}" destId="{A1B29F98-6FEA-4DE1-A63F-9C1299F64BAA}" srcOrd="0" destOrd="1" presId="urn:microsoft.com/office/officeart/2005/8/layout/StepDownProcess"/>
-    <dgm:cxn modelId="{E83E1C1A-7171-49AA-AD18-8C57A0677C2C}" srcId="{C90F9CD5-C717-43F2-8B8C-6D77F546CDB6}" destId="{BE7E251A-F504-41D3-BDF7-E51F5EBB2C0C}" srcOrd="1" destOrd="0" parTransId="{4DBC1CA3-C31F-4DCC-81BD-8B8333E10608}" sibTransId="{3B634A3A-D5D9-49C5-A23B-9E21BF9D9294}"/>
+    <dgm:cxn modelId="{402EE199-E7A0-4D55-8040-65F6944E4E0B}" type="presOf" srcId="{032F72B0-142E-4A25-93CE-FE42F82D0982}" destId="{2956AA07-74CF-4398-88C4-40A50F9EC839}" srcOrd="0" destOrd="3" presId="urn:microsoft.com/office/officeart/2005/8/layout/StepDownProcess"/>
     <dgm:cxn modelId="{A9DF14F4-99D3-470D-9965-8D0F327BF9A6}" type="presParOf" srcId="{C4ECD2FA-30B6-4766-BBA6-467986083F37}" destId="{B1D70006-B2FC-4738-87F1-6704A64DA4BD}" srcOrd="0" destOrd="0" presId="urn:microsoft.com/office/officeart/2005/8/layout/StepDownProcess"/>
     <dgm:cxn modelId="{C0E1BE25-5A32-4CEA-A0AB-A851E8202E7D}" type="presParOf" srcId="{B1D70006-B2FC-4738-87F1-6704A64DA4BD}" destId="{303B0BDC-D72F-4268-935D-DD806C186C27}" srcOrd="0" destOrd="0" presId="urn:microsoft.com/office/officeart/2005/8/layout/StepDownProcess"/>
     <dgm:cxn modelId="{DE823372-A9E4-4C1B-A518-F47E263D89DF}" type="presParOf" srcId="{B1D70006-B2FC-4738-87F1-6704A64DA4BD}" destId="{72B5475D-7584-4E1B-87B2-35C7AAD61276}" srcOrd="1" destOrd="0" presId="urn:microsoft.com/office/officeart/2005/8/layout/StepDownProcess"/>
@@ -2532,22 +2860,21 @@
       </dsp:nvSpPr>
       <dsp:spPr>
         <a:xfrm>
-          <a:off x="1815778" y="668214"/>
-          <a:ext cx="4468835" cy="4468835"/>
+          <a:off x="1779449" y="693386"/>
+          <a:ext cx="4554075" cy="4554075"/>
         </a:xfrm>
         <a:prstGeom prst="blockArc">
           <a:avLst>
             <a:gd name="adj1" fmla="val 10800000"/>
             <a:gd name="adj2" fmla="val 16200000"/>
-            <a:gd name="adj3" fmla="val 4639"/>
+            <a:gd name="adj3" fmla="val 4640"/>
           </a:avLst>
         </a:prstGeom>
         <a:solidFill>
-          <a:schemeClr val="accent1">
-            <a:tint val="60000"/>
-            <a:hueOff val="0"/>
-            <a:satOff val="0"/>
-            <a:lumOff val="0"/>
+          <a:schemeClr val="accent5">
+            <a:hueOff val="-9933876"/>
+            <a:satOff val="39811"/>
+            <a:lumOff val="8628"/>
             <a:alphaOff val="0"/>
           </a:schemeClr>
         </a:solidFill>
@@ -2578,22 +2905,21 @@
       </dsp:nvSpPr>
       <dsp:spPr>
         <a:xfrm>
-          <a:off x="1815778" y="668214"/>
-          <a:ext cx="4468835" cy="4468835"/>
+          <a:off x="1779449" y="693386"/>
+          <a:ext cx="4554075" cy="4554075"/>
         </a:xfrm>
         <a:prstGeom prst="blockArc">
           <a:avLst>
             <a:gd name="adj1" fmla="val 5400000"/>
             <a:gd name="adj2" fmla="val 10800000"/>
-            <a:gd name="adj3" fmla="val 4639"/>
+            <a:gd name="adj3" fmla="val 4640"/>
           </a:avLst>
         </a:prstGeom>
         <a:solidFill>
-          <a:schemeClr val="accent1">
-            <a:tint val="60000"/>
-            <a:hueOff val="0"/>
-            <a:satOff val="0"/>
-            <a:lumOff val="0"/>
+          <a:schemeClr val="accent5">
+            <a:hueOff val="-6622584"/>
+            <a:satOff val="26541"/>
+            <a:lumOff val="5752"/>
             <a:alphaOff val="0"/>
           </a:schemeClr>
         </a:solidFill>
@@ -2624,22 +2950,21 @@
       </dsp:nvSpPr>
       <dsp:spPr>
         <a:xfrm>
-          <a:off x="1815778" y="668214"/>
-          <a:ext cx="4468835" cy="4468835"/>
+          <a:off x="1779449" y="693386"/>
+          <a:ext cx="4554075" cy="4554075"/>
         </a:xfrm>
         <a:prstGeom prst="blockArc">
           <a:avLst>
             <a:gd name="adj1" fmla="val 0"/>
             <a:gd name="adj2" fmla="val 5400000"/>
-            <a:gd name="adj3" fmla="val 4639"/>
+            <a:gd name="adj3" fmla="val 4640"/>
           </a:avLst>
         </a:prstGeom>
         <a:solidFill>
-          <a:schemeClr val="accent1">
-            <a:tint val="60000"/>
-            <a:hueOff val="0"/>
-            <a:satOff val="0"/>
-            <a:lumOff val="0"/>
+          <a:schemeClr val="accent5">
+            <a:hueOff val="-3311292"/>
+            <a:satOff val="13270"/>
+            <a:lumOff val="2876"/>
             <a:alphaOff val="0"/>
           </a:schemeClr>
         </a:solidFill>
@@ -2670,19 +2995,18 @@
       </dsp:nvSpPr>
       <dsp:spPr>
         <a:xfrm>
-          <a:off x="1815778" y="668214"/>
-          <a:ext cx="4468835" cy="4468835"/>
+          <a:off x="1779449" y="693386"/>
+          <a:ext cx="4554075" cy="4554075"/>
         </a:xfrm>
         <a:prstGeom prst="blockArc">
           <a:avLst>
             <a:gd name="adj1" fmla="val 16200000"/>
             <a:gd name="adj2" fmla="val 0"/>
-            <a:gd name="adj3" fmla="val 4639"/>
+            <a:gd name="adj3" fmla="val 4640"/>
           </a:avLst>
         </a:prstGeom>
         <a:solidFill>
-          <a:schemeClr val="accent1">
-            <a:tint val="60000"/>
+          <a:schemeClr val="accent5">
             <a:hueOff val="0"/>
             <a:satOff val="0"/>
             <a:lumOff val="0"/>
@@ -2716,14 +3040,14 @@
       </dsp:nvSpPr>
       <dsp:spPr>
         <a:xfrm>
-          <a:off x="2664292" y="1556793"/>
-          <a:ext cx="2771807" cy="2691676"/>
+          <a:off x="2643932" y="1598704"/>
+          <a:ext cx="2825110" cy="2743439"/>
         </a:xfrm>
         <a:prstGeom prst="ellipse">
           <a:avLst/>
         </a:prstGeom>
         <a:solidFill>
-          <a:schemeClr val="accent1">
+          <a:schemeClr val="accent4">
             <a:hueOff val="0"/>
             <a:satOff val="0"/>
             <a:lumOff val="0"/>
@@ -2786,8 +3110,8 @@
         </a:p>
       </dsp:txBody>
       <dsp:txXfrm>
-        <a:off x="3070214" y="1950980"/>
-        <a:ext cx="1959963" cy="1903302"/>
+        <a:off x="3057660" y="2000471"/>
+        <a:ext cx="1997654" cy="1939905"/>
       </dsp:txXfrm>
     </dsp:sp>
     <dsp:sp modelId="{54E193E0-5F13-4683-A0D7-525362887635}">
@@ -2797,14 +3121,14 @@
       </dsp:nvSpPr>
       <dsp:spPr>
         <a:xfrm>
-          <a:off x="3330337" y="185"/>
-          <a:ext cx="1439718" cy="1439718"/>
+          <a:off x="3260053" y="-66450"/>
+          <a:ext cx="1592868" cy="1625327"/>
         </a:xfrm>
         <a:prstGeom prst="ellipse">
           <a:avLst/>
         </a:prstGeom>
         <a:solidFill>
-          <a:schemeClr val="accent1">
+          <a:schemeClr val="accent5">
             <a:hueOff val="0"/>
             <a:satOff val="0"/>
             <a:lumOff val="0"/>
@@ -2839,12 +3163,12 @@
         </a:fontRef>
       </dsp:style>
       <dsp:txBody>
-        <a:bodyPr spcFirstLastPara="0" vert="horz" wrap="square" lIns="15240" tIns="15240" rIns="15240" bIns="15240" numCol="1" spcCol="1270" anchor="ctr" anchorCtr="0">
+        <a:bodyPr spcFirstLastPara="0" vert="horz" wrap="square" lIns="17780" tIns="17780" rIns="17780" bIns="17780" numCol="1" spcCol="1270" anchor="ctr" anchorCtr="0">
           <a:noAutofit/>
         </a:bodyPr>
         <a:lstStyle/>
         <a:p>
-          <a:pPr lvl="0" algn="ctr" defTabSz="533400">
+          <a:pPr lvl="0" algn="ctr" defTabSz="622300">
             <a:lnSpc>
               <a:spcPct val="90000"/>
             </a:lnSpc>
@@ -2856,15 +3180,15 @@
             </a:spcAft>
           </a:pPr>
           <a:r>
-            <a:rPr lang="fr-FR" sz="1200" kern="1200" dirty="0" smtClean="0"/>
+            <a:rPr lang="fr-FR" sz="1400" kern="1200" dirty="0" smtClean="0"/>
             <a:t>Vélos en libre-service</a:t>
           </a:r>
-          <a:endParaRPr lang="fr-FR" sz="1200" kern="1200" dirty="0"/>
+          <a:endParaRPr lang="fr-FR" sz="1400" kern="1200" dirty="0"/>
         </a:p>
       </dsp:txBody>
       <dsp:txXfrm>
-        <a:off x="3541179" y="211027"/>
-        <a:ext cx="1018034" cy="1018034"/>
+        <a:off x="3493323" y="171574"/>
+        <a:ext cx="1126328" cy="1149279"/>
       </dsp:txXfrm>
     </dsp:sp>
     <dsp:sp modelId="{283A8918-79E5-4FF4-A318-E248B0F376D2}">
@@ -2874,17 +3198,17 @@
       </dsp:nvSpPr>
       <dsp:spPr>
         <a:xfrm>
-          <a:off x="5512925" y="2182772"/>
-          <a:ext cx="1439718" cy="1439718"/>
+          <a:off x="5491564" y="2206500"/>
+          <a:ext cx="1578267" cy="1527847"/>
         </a:xfrm>
         <a:prstGeom prst="ellipse">
           <a:avLst/>
         </a:prstGeom>
         <a:solidFill>
-          <a:schemeClr val="accent1">
-            <a:hueOff val="0"/>
-            <a:satOff val="0"/>
-            <a:lumOff val="0"/>
+          <a:schemeClr val="accent5">
+            <a:hueOff val="-3311292"/>
+            <a:satOff val="13270"/>
+            <a:lumOff val="2876"/>
             <a:alphaOff val="0"/>
           </a:schemeClr>
         </a:solidFill>
@@ -2916,12 +3240,12 @@
         </a:fontRef>
       </dsp:style>
       <dsp:txBody>
-        <a:bodyPr spcFirstLastPara="0" vert="horz" wrap="square" lIns="15240" tIns="15240" rIns="15240" bIns="15240" numCol="1" spcCol="1270" anchor="ctr" anchorCtr="0">
+        <a:bodyPr spcFirstLastPara="0" vert="horz" wrap="square" lIns="16510" tIns="16510" rIns="16510" bIns="16510" numCol="1" spcCol="1270" anchor="ctr" anchorCtr="0">
           <a:noAutofit/>
         </a:bodyPr>
         <a:lstStyle/>
         <a:p>
-          <a:pPr lvl="0" algn="ctr" defTabSz="533400">
+          <a:pPr lvl="0" algn="ctr" defTabSz="577850">
             <a:lnSpc>
               <a:spcPct val="90000"/>
             </a:lnSpc>
@@ -2933,15 +3257,15 @@
             </a:spcAft>
           </a:pPr>
           <a:r>
-            <a:rPr lang="fr-FR" sz="1200" kern="1200" dirty="0" smtClean="0"/>
-            <a:t>Les entreprises et Z.I</a:t>
+            <a:rPr lang="fr-FR" sz="1300" kern="1200" dirty="0" smtClean="0"/>
+            <a:t>Les entreprises avec des sites étendus et Z.I avec conglomération de sociétés</a:t>
           </a:r>
-          <a:endParaRPr lang="fr-FR" sz="1200" kern="1200" dirty="0"/>
+          <a:endParaRPr lang="fr-FR" sz="1300" kern="1200" dirty="0"/>
         </a:p>
       </dsp:txBody>
       <dsp:txXfrm>
-        <a:off x="5723767" y="2393614"/>
-        <a:ext cx="1018034" cy="1018034"/>
+        <a:off x="5722696" y="2430248"/>
+        <a:ext cx="1116003" cy="1080351"/>
       </dsp:txXfrm>
     </dsp:sp>
     <dsp:sp modelId="{D3AF51AD-6AC8-48CD-882B-4BBFC6E3A76F}">
@@ -2951,17 +3275,17 @@
       </dsp:nvSpPr>
       <dsp:spPr>
         <a:xfrm>
-          <a:off x="3330337" y="4365360"/>
-          <a:ext cx="1439718" cy="1439718"/>
+          <a:off x="3244917" y="4404305"/>
+          <a:ext cx="1623140" cy="1580659"/>
         </a:xfrm>
         <a:prstGeom prst="ellipse">
           <a:avLst/>
         </a:prstGeom>
         <a:solidFill>
-          <a:schemeClr val="accent1">
-            <a:hueOff val="0"/>
-            <a:satOff val="0"/>
-            <a:lumOff val="0"/>
+          <a:schemeClr val="accent5">
+            <a:hueOff val="-6622584"/>
+            <a:satOff val="26541"/>
+            <a:lumOff val="5752"/>
             <a:alphaOff val="0"/>
           </a:schemeClr>
         </a:solidFill>
@@ -2993,12 +3317,12 @@
         </a:fontRef>
       </dsp:style>
       <dsp:txBody>
-        <a:bodyPr spcFirstLastPara="0" vert="horz" wrap="square" lIns="15240" tIns="15240" rIns="15240" bIns="15240" numCol="1" spcCol="1270" anchor="ctr" anchorCtr="0">
+        <a:bodyPr spcFirstLastPara="0" vert="horz" wrap="square" lIns="16510" tIns="16510" rIns="16510" bIns="16510" numCol="1" spcCol="1270" anchor="ctr" anchorCtr="0">
           <a:noAutofit/>
         </a:bodyPr>
         <a:lstStyle/>
         <a:p>
-          <a:pPr lvl="0" algn="ctr" defTabSz="533400">
+          <a:pPr lvl="0" algn="ctr" defTabSz="577850">
             <a:lnSpc>
               <a:spcPct val="90000"/>
             </a:lnSpc>
@@ -3010,12 +3334,12 @@
             </a:spcAft>
           </a:pPr>
           <a:r>
-            <a:rPr lang="fr-FR" sz="1200" kern="1200" dirty="0" smtClean="0"/>
-            <a:t>Green</a:t>
+            <a:rPr lang="fr-FR" sz="1300" kern="1200" dirty="0" smtClean="0"/>
+            <a:t>Green/RSE</a:t>
           </a:r>
         </a:p>
         <a:p>
-          <a:pPr lvl="0" algn="ctr" defTabSz="533400">
+          <a:pPr lvl="0" algn="ctr" defTabSz="577850">
             <a:lnSpc>
               <a:spcPct val="90000"/>
             </a:lnSpc>
@@ -3027,12 +3351,12 @@
             </a:spcAft>
           </a:pPr>
           <a:r>
-            <a:rPr lang="fr-FR" sz="1200" kern="1200" dirty="0" smtClean="0"/>
-            <a:t>RSE</a:t>
+            <a:rPr lang="fr-FR" sz="1300" kern="1200" dirty="0" smtClean="0"/>
+            <a:t>Optimisation des déplacements et pauses</a:t>
           </a:r>
         </a:p>
         <a:p>
-          <a:pPr lvl="0" algn="ctr" defTabSz="533400">
+          <a:pPr lvl="0" algn="ctr" defTabSz="577850">
             <a:lnSpc>
               <a:spcPct val="90000"/>
             </a:lnSpc>
@@ -3044,15 +3368,15 @@
             </a:spcAft>
           </a:pPr>
           <a:r>
-            <a:rPr lang="fr-FR" sz="1200" kern="1200" dirty="0" smtClean="0"/>
-            <a:t>Optimisation des déplacements</a:t>
+            <a:rPr lang="fr-FR" sz="1300" kern="1200" dirty="0" smtClean="0"/>
+            <a:t>Gain de temps</a:t>
           </a:r>
-          <a:endParaRPr lang="fr-FR" sz="1200" kern="1200" dirty="0"/>
+          <a:endParaRPr lang="fr-FR" sz="1300" kern="1200" dirty="0"/>
         </a:p>
       </dsp:txBody>
       <dsp:txXfrm>
-        <a:off x="3541179" y="4576202"/>
-        <a:ext cx="1018034" cy="1018034"/>
+        <a:off x="3482620" y="4635787"/>
+        <a:ext cx="1147734" cy="1117695"/>
       </dsp:txXfrm>
     </dsp:sp>
     <dsp:sp modelId="{5FF5F3B2-897C-48C6-BC9C-1F455326F3FA}">
@@ -3062,17 +3386,17 @@
       </dsp:nvSpPr>
       <dsp:spPr>
         <a:xfrm>
-          <a:off x="1147749" y="2182772"/>
-          <a:ext cx="1439718" cy="1439718"/>
+          <a:off x="1030559" y="2206500"/>
+          <a:ext cx="1603433" cy="1527847"/>
         </a:xfrm>
         <a:prstGeom prst="ellipse">
           <a:avLst/>
         </a:prstGeom>
         <a:solidFill>
-          <a:schemeClr val="accent1">
-            <a:hueOff val="0"/>
-            <a:satOff val="0"/>
-            <a:lumOff val="0"/>
+          <a:schemeClr val="accent5">
+            <a:hueOff val="-9933876"/>
+            <a:satOff val="39811"/>
+            <a:lumOff val="8628"/>
             <a:alphaOff val="0"/>
           </a:schemeClr>
         </a:solidFill>
@@ -3104,12 +3428,12 @@
         </a:fontRef>
       </dsp:style>
       <dsp:txBody>
-        <a:bodyPr spcFirstLastPara="0" vert="horz" wrap="square" lIns="15240" tIns="15240" rIns="15240" bIns="15240" numCol="1" spcCol="1270" anchor="ctr" anchorCtr="0">
+        <a:bodyPr spcFirstLastPara="0" vert="horz" wrap="square" lIns="17780" tIns="17780" rIns="17780" bIns="17780" numCol="1" spcCol="1270" anchor="ctr" anchorCtr="0">
           <a:noAutofit/>
         </a:bodyPr>
         <a:lstStyle/>
         <a:p>
-          <a:pPr lvl="0" algn="ctr" defTabSz="533400">
+          <a:pPr lvl="0" algn="ctr" defTabSz="622300">
             <a:lnSpc>
               <a:spcPct val="90000"/>
             </a:lnSpc>
@@ -3121,12 +3445,12 @@
             </a:spcAft>
           </a:pPr>
           <a:r>
-            <a:rPr lang="fr-FR" sz="1200" kern="1200" dirty="0" smtClean="0"/>
+            <a:rPr lang="fr-FR" sz="1400" kern="1200" dirty="0" smtClean="0"/>
             <a:t>Innovant</a:t>
           </a:r>
         </a:p>
         <a:p>
-          <a:pPr lvl="0" algn="ctr" defTabSz="533400">
+          <a:pPr lvl="0" algn="ctr" defTabSz="622300">
             <a:lnSpc>
               <a:spcPct val="90000"/>
             </a:lnSpc>
@@ -3138,12 +3462,12 @@
             </a:spcAft>
           </a:pPr>
           <a:r>
-            <a:rPr lang="fr-FR" sz="1200" kern="1200" dirty="0" smtClean="0"/>
+            <a:rPr lang="fr-FR" sz="1400" kern="1200" dirty="0" smtClean="0"/>
             <a:t>Ludique</a:t>
           </a:r>
         </a:p>
         <a:p>
-          <a:pPr lvl="0" algn="ctr" defTabSz="533400">
+          <a:pPr lvl="0" algn="ctr" defTabSz="622300">
             <a:lnSpc>
               <a:spcPct val="90000"/>
             </a:lnSpc>
@@ -3155,15 +3479,15 @@
             </a:spcAft>
           </a:pPr>
           <a:r>
-            <a:rPr lang="fr-FR" sz="1200" kern="1200" dirty="0" smtClean="0"/>
+            <a:rPr lang="fr-FR" sz="1400" kern="1200" dirty="0" smtClean="0"/>
             <a:t>Vert</a:t>
           </a:r>
-          <a:endParaRPr lang="fr-FR" sz="1200" kern="1200" dirty="0"/>
+          <a:endParaRPr lang="fr-FR" sz="1400" kern="1200" dirty="0"/>
         </a:p>
       </dsp:txBody>
       <dsp:txXfrm>
-        <a:off x="1358591" y="2393614"/>
-        <a:ext cx="1018034" cy="1018034"/>
+        <a:off x="1265376" y="2430248"/>
+        <a:ext cx="1133799" cy="1080351"/>
       </dsp:txXfrm>
     </dsp:sp>
   </dsp:spTree>
@@ -3185,8 +3509,8 @@
       </dsp:nvSpPr>
       <dsp:spPr>
         <a:xfrm rot="5400000">
-          <a:off x="354277" y="1712278"/>
-          <a:ext cx="1330765" cy="1515029"/>
+          <a:off x="275455" y="1524658"/>
+          <a:ext cx="945890" cy="1002252"/>
         </a:xfrm>
         <a:prstGeom prst="bentUpArrow">
           <a:avLst>
@@ -3196,7 +3520,7 @@
           </a:avLst>
         </a:prstGeom>
         <a:solidFill>
-          <a:schemeClr val="accent1">
+          <a:schemeClr val="accent3">
             <a:tint val="50000"/>
             <a:hueOff val="0"/>
             <a:satOff val="0"/>
@@ -3237,8 +3561,8 @@
       </dsp:nvSpPr>
       <dsp:spPr>
         <a:xfrm>
-          <a:off x="1705" y="237098"/>
-          <a:ext cx="2240225" cy="1568085"/>
+          <a:off x="2858" y="288030"/>
+          <a:ext cx="1718249" cy="1259593"/>
         </a:xfrm>
         <a:prstGeom prst="roundRect">
           <a:avLst>
@@ -3246,7 +3570,7 @@
           </a:avLst>
         </a:prstGeom>
         <a:solidFill>
-          <a:schemeClr val="accent1">
+          <a:schemeClr val="accent3">
             <a:hueOff val="0"/>
             <a:satOff val="0"/>
             <a:lumOff val="0"/>
@@ -3281,12 +3605,12 @@
         </a:fontRef>
       </dsp:style>
       <dsp:txBody>
-        <a:bodyPr spcFirstLastPara="0" vert="horz" wrap="square" lIns="106680" tIns="106680" rIns="106680" bIns="106680" numCol="1" spcCol="1270" anchor="ctr" anchorCtr="0">
+        <a:bodyPr spcFirstLastPara="0" vert="horz" wrap="square" lIns="76200" tIns="76200" rIns="76200" bIns="76200" numCol="1" spcCol="1270" anchor="ctr" anchorCtr="0">
           <a:noAutofit/>
         </a:bodyPr>
         <a:lstStyle/>
         <a:p>
-          <a:pPr lvl="0" algn="ctr" defTabSz="1244600">
+          <a:pPr lvl="0" algn="ctr" defTabSz="889000">
             <a:lnSpc>
               <a:spcPct val="90000"/>
             </a:lnSpc>
@@ -3298,15 +3622,15 @@
             </a:spcAft>
           </a:pPr>
           <a:r>
-            <a:rPr lang="fr-FR" sz="2800" kern="1200" dirty="0" smtClean="0"/>
+            <a:rPr lang="fr-FR" sz="2000" kern="1200" dirty="0" smtClean="0"/>
             <a:t>Encourager l’utilisation des vélos</a:t>
           </a:r>
-          <a:endParaRPr lang="fr-FR" sz="2800" kern="1200" dirty="0"/>
+          <a:endParaRPr lang="fr-FR" sz="2000" kern="1200" dirty="0"/>
         </a:p>
       </dsp:txBody>
       <dsp:txXfrm>
-        <a:off x="78266" y="313659"/>
-        <a:ext cx="2087103" cy="1414963"/>
+        <a:off x="64357" y="349529"/>
+        <a:ext cx="1595251" cy="1136595"/>
       </dsp:txXfrm>
     </dsp:sp>
     <dsp:sp modelId="{A1B29F98-6FEA-4DE1-A63F-9C1299F64BAA}">
@@ -3316,8 +3640,8 @@
       </dsp:nvSpPr>
       <dsp:spPr>
         <a:xfrm>
-          <a:off x="2232245" y="386651"/>
-          <a:ext cx="3673529" cy="1267395"/>
+          <a:off x="1781565" y="308368"/>
+          <a:ext cx="3528604" cy="1217395"/>
         </a:xfrm>
         <a:prstGeom prst="rect">
           <a:avLst/>
@@ -3341,12 +3665,12 @@
         <a:fontRef idx="minor"/>
       </dsp:style>
       <dsp:txBody>
-        <a:bodyPr spcFirstLastPara="0" vert="horz" wrap="square" lIns="106680" tIns="106680" rIns="106680" bIns="106680" numCol="1" spcCol="1270" anchor="ctr" anchorCtr="0">
+        <a:bodyPr spcFirstLastPara="0" vert="horz" wrap="square" lIns="68580" tIns="68580" rIns="68580" bIns="68580" numCol="1" spcCol="1270" anchor="ctr" anchorCtr="0">
           <a:noAutofit/>
         </a:bodyPr>
         <a:lstStyle/>
         <a:p>
-          <a:pPr marL="228600" lvl="1" indent="-228600" algn="l" defTabSz="977900">
+          <a:pPr marL="171450" lvl="1" indent="-171450" algn="l" defTabSz="800100">
             <a:lnSpc>
               <a:spcPct val="90000"/>
             </a:lnSpc>
@@ -3359,13 +3683,13 @@
             <a:buChar char="••"/>
           </a:pPr>
           <a:r>
-            <a:rPr lang="fr-FR" sz="2200" kern="1200" dirty="0" smtClean="0"/>
+            <a:rPr lang="fr-FR" sz="1800" kern="1200" dirty="0" smtClean="0"/>
             <a:t>Développer le green en intra-entreprises</a:t>
           </a:r>
-          <a:endParaRPr lang="fr-FR" sz="2200" kern="1200" dirty="0"/>
+          <a:endParaRPr lang="fr-FR" sz="1800" kern="1200" dirty="0"/>
         </a:p>
         <a:p>
-          <a:pPr marL="228600" lvl="1" indent="-228600" algn="l" defTabSz="977900">
+          <a:pPr marL="171450" lvl="1" indent="-171450" algn="l" defTabSz="800100">
             <a:lnSpc>
               <a:spcPct val="90000"/>
             </a:lnSpc>
@@ -3378,15 +3702,15 @@
             <a:buChar char="••"/>
           </a:pPr>
           <a:r>
-            <a:rPr lang="fr-FR" sz="2200" kern="1200" dirty="0" smtClean="0"/>
+            <a:rPr lang="fr-FR" sz="1800" kern="1200" dirty="0" smtClean="0"/>
             <a:t>Optimiser les déplacements</a:t>
           </a:r>
-          <a:endParaRPr lang="fr-FR" sz="2200" kern="1200" dirty="0"/>
+          <a:endParaRPr lang="fr-FR" sz="1800" kern="1200" dirty="0"/>
         </a:p>
       </dsp:txBody>
       <dsp:txXfrm>
-        <a:off x="2232245" y="386651"/>
-        <a:ext cx="3673529" cy="1267395"/>
+        <a:off x="1781565" y="308368"/>
+        <a:ext cx="3528604" cy="1217395"/>
       </dsp:txXfrm>
     </dsp:sp>
     <dsp:sp modelId="{3D84DF33-4B26-470D-8ED8-743E94B04DD8}">
@@ -3396,8 +3720,8 @@
       </dsp:nvSpPr>
       <dsp:spPr>
         <a:xfrm rot="5400000">
-          <a:off x="2702271" y="3473756"/>
-          <a:ext cx="1330765" cy="1515029"/>
+          <a:off x="1992568" y="2937707"/>
+          <a:ext cx="969244" cy="980423"/>
         </a:xfrm>
         <a:prstGeom prst="bentUpArrow">
           <a:avLst>
@@ -3407,11 +3731,11 @@
           </a:avLst>
         </a:prstGeom>
         <a:solidFill>
-          <a:schemeClr val="accent1">
+          <a:schemeClr val="accent3">
             <a:tint val="50000"/>
-            <a:hueOff val="0"/>
-            <a:satOff val="0"/>
-            <a:lumOff val="0"/>
+            <a:hueOff val="10718668"/>
+            <a:satOff val="-15729"/>
+            <a:lumOff val="10660"/>
             <a:alphaOff val="0"/>
           </a:schemeClr>
         </a:solidFill>
@@ -3448,8 +3772,8 @@
       </dsp:nvSpPr>
       <dsp:spPr>
         <a:xfrm>
-          <a:off x="2349699" y="1998575"/>
-          <a:ext cx="2240225" cy="1568085"/>
+          <a:off x="1720496" y="1687697"/>
+          <a:ext cx="1786376" cy="1227707"/>
         </a:xfrm>
         <a:prstGeom prst="roundRect">
           <a:avLst>
@@ -3457,10 +3781,10 @@
           </a:avLst>
         </a:prstGeom>
         <a:solidFill>
-          <a:schemeClr val="accent1">
-            <a:hueOff val="0"/>
-            <a:satOff val="0"/>
-            <a:lumOff val="0"/>
+          <a:schemeClr val="accent3">
+            <a:hueOff val="5625132"/>
+            <a:satOff val="-8440"/>
+            <a:lumOff val="-1373"/>
             <a:alphaOff val="0"/>
           </a:schemeClr>
         </a:solidFill>
@@ -3492,12 +3816,12 @@
         </a:fontRef>
       </dsp:style>
       <dsp:txBody>
-        <a:bodyPr spcFirstLastPara="0" vert="horz" wrap="square" lIns="106680" tIns="106680" rIns="106680" bIns="106680" numCol="1" spcCol="1270" anchor="ctr" anchorCtr="0">
+        <a:bodyPr spcFirstLastPara="0" vert="horz" wrap="square" lIns="76200" tIns="76200" rIns="76200" bIns="76200" numCol="1" spcCol="1270" anchor="ctr" anchorCtr="0">
           <a:noAutofit/>
         </a:bodyPr>
         <a:lstStyle/>
         <a:p>
-          <a:pPr lvl="0" algn="ctr" defTabSz="1244600">
+          <a:pPr lvl="0" algn="ctr" defTabSz="889000">
             <a:lnSpc>
               <a:spcPct val="90000"/>
             </a:lnSpc>
@@ -3509,15 +3833,15 @@
             </a:spcAft>
           </a:pPr>
           <a:r>
-            <a:rPr lang="fr-FR" sz="2800" kern="1200" dirty="0" smtClean="0"/>
-            <a:t>Indiquer les kms parcourus</a:t>
+            <a:rPr lang="fr-FR" sz="2000" kern="1200" dirty="0" smtClean="0"/>
+            <a:t>Suivre l’évolution des salariés</a:t>
           </a:r>
-          <a:endParaRPr lang="fr-FR" sz="2800" kern="1200" dirty="0"/>
+          <a:endParaRPr lang="fr-FR" sz="2000" kern="1200" dirty="0"/>
         </a:p>
       </dsp:txBody>
       <dsp:txXfrm>
-        <a:off x="2426260" y="2075136"/>
-        <a:ext cx="2087103" cy="1414963"/>
+        <a:off x="1780439" y="1747640"/>
+        <a:ext cx="1666490" cy="1107821"/>
       </dsp:txXfrm>
     </dsp:sp>
     <dsp:sp modelId="{50F983E3-9671-483A-BCF9-8454C2A3B038}">
@@ -3527,8 +3851,8 @@
       </dsp:nvSpPr>
       <dsp:spPr>
         <a:xfrm>
-          <a:off x="4544483" y="2148128"/>
-          <a:ext cx="3448405" cy="1267395"/>
+          <a:off x="3695495" y="1694908"/>
+          <a:ext cx="3312361" cy="1217395"/>
         </a:xfrm>
         <a:prstGeom prst="rect">
           <a:avLst/>
@@ -3552,12 +3876,12 @@
         <a:fontRef idx="minor"/>
       </dsp:style>
       <dsp:txBody>
-        <a:bodyPr spcFirstLastPara="0" vert="horz" wrap="square" lIns="106680" tIns="106680" rIns="106680" bIns="106680" numCol="1" spcCol="1270" anchor="ctr" anchorCtr="0">
+        <a:bodyPr spcFirstLastPara="0" vert="horz" wrap="square" lIns="68580" tIns="68580" rIns="68580" bIns="68580" numCol="1" spcCol="1270" anchor="ctr" anchorCtr="0">
           <a:noAutofit/>
         </a:bodyPr>
         <a:lstStyle/>
         <a:p>
-          <a:pPr marL="228600" lvl="1" indent="-228600" algn="l" defTabSz="977900">
+          <a:pPr marL="171450" lvl="1" indent="-171450" algn="l" defTabSz="800100">
             <a:lnSpc>
               <a:spcPct val="90000"/>
             </a:lnSpc>
@@ -3570,13 +3894,13 @@
             <a:buChar char="••"/>
           </a:pPr>
           <a:r>
-            <a:rPr lang="fr-FR" sz="2200" kern="1200" dirty="0" smtClean="0"/>
+            <a:rPr lang="fr-FR" sz="1800" kern="1200" dirty="0" smtClean="0"/>
             <a:t>Challenger les employés</a:t>
           </a:r>
-          <a:endParaRPr lang="fr-FR" sz="2200" kern="1200" dirty="0"/>
+          <a:endParaRPr lang="fr-FR" sz="1800" kern="1200" dirty="0"/>
         </a:p>
         <a:p>
-          <a:pPr marL="228600" lvl="1" indent="-228600" algn="l" defTabSz="977900">
+          <a:pPr marL="171450" lvl="1" indent="-171450" algn="l" defTabSz="800100">
             <a:lnSpc>
               <a:spcPct val="90000"/>
             </a:lnSpc>
@@ -3589,15 +3913,15 @@
             <a:buChar char="••"/>
           </a:pPr>
           <a:r>
-            <a:rPr lang="fr-FR" sz="2200" kern="1200" dirty="0" smtClean="0"/>
+            <a:rPr lang="fr-FR" sz="1800" kern="1200" dirty="0" smtClean="0"/>
             <a:t>Unir les salariés et les sociétés</a:t>
           </a:r>
-          <a:endParaRPr lang="fr-FR" sz="2200" kern="1200" dirty="0"/>
+          <a:endParaRPr lang="fr-FR" sz="1800" kern="1200" dirty="0"/>
         </a:p>
       </dsp:txBody>
       <dsp:txXfrm>
-        <a:off x="4544483" y="2148128"/>
-        <a:ext cx="3448405" cy="1267395"/>
+        <a:off x="3695495" y="1694908"/>
+        <a:ext cx="3312361" cy="1217395"/>
       </dsp:txXfrm>
     </dsp:sp>
     <dsp:sp modelId="{C6B62AF6-8A74-43A6-B2E7-F7A9B50AEC4E}">
@@ -3607,8 +3931,8 @@
       </dsp:nvSpPr>
       <dsp:spPr>
         <a:xfrm>
-          <a:off x="4697693" y="3760053"/>
-          <a:ext cx="2240225" cy="1568085"/>
+          <a:off x="3372008" y="3585171"/>
+          <a:ext cx="1807357" cy="1197115"/>
         </a:xfrm>
         <a:prstGeom prst="roundRect">
           <a:avLst>
@@ -3616,10 +3940,10 @@
           </a:avLst>
         </a:prstGeom>
         <a:solidFill>
-          <a:schemeClr val="accent1">
-            <a:hueOff val="0"/>
-            <a:satOff val="0"/>
-            <a:lumOff val="0"/>
+          <a:schemeClr val="accent3">
+            <a:hueOff val="11250264"/>
+            <a:satOff val="-16880"/>
+            <a:lumOff val="-2745"/>
             <a:alphaOff val="0"/>
           </a:schemeClr>
         </a:solidFill>
@@ -3651,12 +3975,12 @@
         </a:fontRef>
       </dsp:style>
       <dsp:txBody>
-        <a:bodyPr spcFirstLastPara="0" vert="horz" wrap="square" lIns="106680" tIns="106680" rIns="106680" bIns="106680" numCol="1" spcCol="1270" anchor="ctr" anchorCtr="0">
+        <a:bodyPr spcFirstLastPara="0" vert="horz" wrap="square" lIns="76200" tIns="76200" rIns="76200" bIns="76200" numCol="1" spcCol="1270" anchor="ctr" anchorCtr="0">
           <a:noAutofit/>
         </a:bodyPr>
         <a:lstStyle/>
         <a:p>
-          <a:pPr lvl="0" algn="ctr" defTabSz="1244600">
+          <a:pPr lvl="0" algn="ctr" defTabSz="889000">
             <a:lnSpc>
               <a:spcPct val="90000"/>
             </a:lnSpc>
@@ -3667,12 +3991,16 @@
               <a:spcPct val="35000"/>
             </a:spcAft>
           </a:pPr>
-          <a:endParaRPr lang="fr-FR" sz="2800" kern="1200" dirty="0"/>
+          <a:r>
+            <a:rPr lang="fr-FR" sz="2000" kern="1200" dirty="0" smtClean="0"/>
+            <a:t>Gains pour l’entreprise</a:t>
+          </a:r>
+          <a:endParaRPr lang="fr-FR" sz="2000" kern="1200" dirty="0"/>
         </a:p>
       </dsp:txBody>
       <dsp:txXfrm>
-        <a:off x="4774254" y="3836614"/>
-        <a:ext cx="2087103" cy="1414963"/>
+        <a:off x="3430457" y="3643620"/>
+        <a:ext cx="1690459" cy="1080217"/>
       </dsp:txXfrm>
     </dsp:sp>
     <dsp:sp modelId="{2956AA07-74CF-4398-88C4-40A50F9EC839}">
@@ -3682,8 +4010,8 @@
       </dsp:nvSpPr>
       <dsp:spPr>
         <a:xfrm>
-          <a:off x="6937919" y="3909605"/>
-          <a:ext cx="1629326" cy="1267395"/>
+          <a:off x="5283906" y="3376761"/>
+          <a:ext cx="2997020" cy="2188475"/>
         </a:xfrm>
         <a:prstGeom prst="rect">
           <a:avLst/>
@@ -3707,12 +4035,12 @@
         <a:fontRef idx="minor"/>
       </dsp:style>
       <dsp:txBody>
-        <a:bodyPr spcFirstLastPara="0" vert="horz" wrap="square" lIns="137160" tIns="137160" rIns="137160" bIns="137160" numCol="1" spcCol="1270" anchor="ctr" anchorCtr="0">
+        <a:bodyPr spcFirstLastPara="0" vert="horz" wrap="square" lIns="68580" tIns="68580" rIns="68580" bIns="68580" numCol="1" spcCol="1270" anchor="ctr" anchorCtr="0">
           <a:noAutofit/>
         </a:bodyPr>
         <a:lstStyle/>
         <a:p>
-          <a:pPr marL="285750" lvl="1" indent="-285750" algn="l" defTabSz="1244600">
+          <a:pPr marL="171450" lvl="1" indent="-171450" algn="l" defTabSz="800100">
             <a:lnSpc>
               <a:spcPct val="90000"/>
             </a:lnSpc>
@@ -3724,12 +4052,92 @@
             </a:spcAft>
             <a:buChar char="••"/>
           </a:pPr>
-          <a:endParaRPr lang="fr-FR" sz="2800" kern="1200"/>
+          <a:r>
+            <a:rPr lang="fr-FR" sz="1800" kern="1200" dirty="0" smtClean="0"/>
+            <a:t>Gain en terme d’image</a:t>
+          </a:r>
+          <a:endParaRPr lang="fr-FR" sz="1800" kern="1200" dirty="0"/>
+        </a:p>
+        <a:p>
+          <a:pPr marL="171450" lvl="1" indent="-171450" algn="l" defTabSz="800100">
+            <a:lnSpc>
+              <a:spcPct val="90000"/>
+            </a:lnSpc>
+            <a:spcBef>
+              <a:spcPct val="0"/>
+            </a:spcBef>
+            <a:spcAft>
+              <a:spcPct val="15000"/>
+            </a:spcAft>
+            <a:buChar char="••"/>
+          </a:pPr>
+          <a:r>
+            <a:rPr lang="fr-FR" sz="1800" kern="1200" dirty="0" err="1" smtClean="0"/>
+            <a:t>BtoCycle</a:t>
+          </a:r>
+          <a:r>
+            <a:rPr lang="fr-FR" sz="1800" kern="1200" dirty="0" smtClean="0"/>
+            <a:t> propose un service clé en main</a:t>
+          </a:r>
+          <a:endParaRPr lang="fr-FR" sz="1800" kern="1200" dirty="0"/>
+        </a:p>
+        <a:p>
+          <a:pPr marL="171450" lvl="1" indent="-171450" algn="l" defTabSz="800100">
+            <a:lnSpc>
+              <a:spcPct val="90000"/>
+            </a:lnSpc>
+            <a:spcBef>
+              <a:spcPct val="0"/>
+            </a:spcBef>
+            <a:spcAft>
+              <a:spcPct val="15000"/>
+            </a:spcAft>
+            <a:buChar char="••"/>
+          </a:pPr>
+          <a:r>
+            <a:rPr lang="fr-FR" sz="1800" kern="1200" dirty="0" smtClean="0"/>
+            <a:t>Optimisation de déplacements : gain de productivité</a:t>
+          </a:r>
+          <a:endParaRPr lang="fr-FR" sz="1800" kern="1200" dirty="0"/>
+        </a:p>
+        <a:p>
+          <a:pPr marL="171450" lvl="1" indent="-171450" algn="l" defTabSz="800100">
+            <a:lnSpc>
+              <a:spcPct val="90000"/>
+            </a:lnSpc>
+            <a:spcBef>
+              <a:spcPct val="0"/>
+            </a:spcBef>
+            <a:spcAft>
+              <a:spcPct val="15000"/>
+            </a:spcAft>
+            <a:buChar char="••"/>
+          </a:pPr>
+          <a:r>
+            <a:rPr lang="fr-FR" sz="1800" kern="1200" dirty="0" smtClean="0"/>
+            <a:t>Moyen de transport peu coûteux</a:t>
+          </a:r>
+          <a:endParaRPr lang="fr-FR" sz="1800" kern="1200" dirty="0"/>
+        </a:p>
+        <a:p>
+          <a:pPr marL="171450" lvl="1" indent="-171450" algn="l" defTabSz="800100">
+            <a:lnSpc>
+              <a:spcPct val="90000"/>
+            </a:lnSpc>
+            <a:spcBef>
+              <a:spcPct val="0"/>
+            </a:spcBef>
+            <a:spcAft>
+              <a:spcPct val="15000"/>
+            </a:spcAft>
+            <a:buChar char="••"/>
+          </a:pPr>
+          <a:endParaRPr lang="fr-FR" sz="1800" kern="1200" dirty="0"/>
         </a:p>
       </dsp:txBody>
       <dsp:txXfrm>
-        <a:off x="6937919" y="3909605"/>
-        <a:ext cx="1629326" cy="1267395"/>
+        <a:off x="5283906" y="3376761"/>
+        <a:ext cx="2997020" cy="2188475"/>
       </dsp:txXfrm>
     </dsp:sp>
   </dsp:spTree>
@@ -6529,6 +6937,620 @@
 </dgm:styleDef>
 </file>
 
+<file path=ppt/notesMasters/notesMaster1.xml><?xml version="1.0" encoding="utf-8"?>
+<p:notesMaster xmlns:a="http://schemas.openxmlformats.org/drawingml/2006/main" xmlns:r="http://schemas.openxmlformats.org/officeDocument/2006/relationships" xmlns:p="http://schemas.openxmlformats.org/presentationml/2006/main">
+  <p:cSld>
+    <p:bg>
+      <p:bgRef idx="1001">
+        <a:schemeClr val="bg1"/>
+      </p:bgRef>
+    </p:bg>
+    <p:spTree>
+      <p:nvGrpSpPr>
+        <p:cNvPr id="1" name=""/>
+        <p:cNvGrpSpPr/>
+        <p:nvPr/>
+      </p:nvGrpSpPr>
+      <p:grpSpPr>
+        <a:xfrm>
+          <a:off x="0" y="0"/>
+          <a:ext cx="0" cy="0"/>
+          <a:chOff x="0" y="0"/>
+          <a:chExt cx="0" cy="0"/>
+        </a:xfrm>
+      </p:grpSpPr>
+      <p:sp>
+        <p:nvSpPr>
+          <p:cNvPr id="2" name="Espace réservé de l'en-tête 1"/>
+          <p:cNvSpPr>
+            <a:spLocks noGrp="1"/>
+          </p:cNvSpPr>
+          <p:nvPr>
+            <p:ph type="hdr" sz="quarter"/>
+          </p:nvPr>
+        </p:nvSpPr>
+        <p:spPr>
+          <a:xfrm>
+            <a:off x="0" y="0"/>
+            <a:ext cx="2971800" cy="457200"/>
+          </a:xfrm>
+          <a:prstGeom prst="rect">
+            <a:avLst/>
+          </a:prstGeom>
+        </p:spPr>
+        <p:txBody>
+          <a:bodyPr vert="horz" lIns="91440" tIns="45720" rIns="91440" bIns="45720" rtlCol="0"/>
+          <a:lstStyle>
+            <a:lvl1pPr algn="l">
+              <a:defRPr sz="1200"/>
+            </a:lvl1pPr>
+          </a:lstStyle>
+          <a:p>
+            <a:endParaRPr lang="fr-FR"/>
+          </a:p>
+        </p:txBody>
+      </p:sp>
+      <p:sp>
+        <p:nvSpPr>
+          <p:cNvPr id="3" name="Espace réservé de la date 2"/>
+          <p:cNvSpPr>
+            <a:spLocks noGrp="1"/>
+          </p:cNvSpPr>
+          <p:nvPr>
+            <p:ph type="dt" idx="1"/>
+          </p:nvPr>
+        </p:nvSpPr>
+        <p:spPr>
+          <a:xfrm>
+            <a:off x="3884613" y="0"/>
+            <a:ext cx="2971800" cy="457200"/>
+          </a:xfrm>
+          <a:prstGeom prst="rect">
+            <a:avLst/>
+          </a:prstGeom>
+        </p:spPr>
+        <p:txBody>
+          <a:bodyPr vert="horz" lIns="91440" tIns="45720" rIns="91440" bIns="45720" rtlCol="0"/>
+          <a:lstStyle>
+            <a:lvl1pPr algn="r">
+              <a:defRPr sz="1200"/>
+            </a:lvl1pPr>
+          </a:lstStyle>
+          <a:p>
+            <a:fld id="{CF313190-E232-45E0-906D-0B5B4DD0A9EF}" type="datetimeFigureOut">
+              <a:rPr lang="fr-FR" smtClean="0"/>
+              <a:t>09/10/2016</a:t>
+            </a:fld>
+            <a:endParaRPr lang="fr-FR"/>
+          </a:p>
+        </p:txBody>
+      </p:sp>
+      <p:sp>
+        <p:nvSpPr>
+          <p:cNvPr id="4" name="Espace réservé de l'image des diapositives 3"/>
+          <p:cNvSpPr>
+            <a:spLocks noGrp="1" noRot="1" noChangeAspect="1"/>
+          </p:cNvSpPr>
+          <p:nvPr>
+            <p:ph type="sldImg" idx="2"/>
+          </p:nvPr>
+        </p:nvSpPr>
+        <p:spPr>
+          <a:xfrm>
+            <a:off x="1143000" y="685800"/>
+            <a:ext cx="4572000" cy="3429000"/>
+          </a:xfrm>
+          <a:prstGeom prst="rect">
+            <a:avLst/>
+          </a:prstGeom>
+          <a:noFill/>
+          <a:ln w="12700">
+            <a:solidFill>
+              <a:prstClr val="black"/>
+            </a:solidFill>
+          </a:ln>
+        </p:spPr>
+        <p:txBody>
+          <a:bodyPr vert="horz" lIns="91440" tIns="45720" rIns="91440" bIns="45720" rtlCol="0" anchor="ctr"/>
+          <a:lstStyle/>
+          <a:p>
+            <a:endParaRPr lang="fr-FR"/>
+          </a:p>
+        </p:txBody>
+      </p:sp>
+      <p:sp>
+        <p:nvSpPr>
+          <p:cNvPr id="5" name="Espace réservé des commentaires 4"/>
+          <p:cNvSpPr>
+            <a:spLocks noGrp="1"/>
+          </p:cNvSpPr>
+          <p:nvPr>
+            <p:ph type="body" sz="quarter" idx="3"/>
+          </p:nvPr>
+        </p:nvSpPr>
+        <p:spPr>
+          <a:xfrm>
+            <a:off x="685800" y="4343400"/>
+            <a:ext cx="5486400" cy="4114800"/>
+          </a:xfrm>
+          <a:prstGeom prst="rect">
+            <a:avLst/>
+          </a:prstGeom>
+        </p:spPr>
+        <p:txBody>
+          <a:bodyPr vert="horz" lIns="91440" tIns="45720" rIns="91440" bIns="45720" rtlCol="0"/>
+          <a:lstStyle/>
+          <a:p>
+            <a:pPr lvl="0"/>
+            <a:r>
+              <a:rPr lang="fr-FR" smtClean="0"/>
+              <a:t>Modifiez les styles du texte du masque</a:t>
+            </a:r>
+          </a:p>
+          <a:p>
+            <a:pPr lvl="1"/>
+            <a:r>
+              <a:rPr lang="fr-FR" smtClean="0"/>
+              <a:t>Deuxième niveau</a:t>
+            </a:r>
+          </a:p>
+          <a:p>
+            <a:pPr lvl="2"/>
+            <a:r>
+              <a:rPr lang="fr-FR" smtClean="0"/>
+              <a:t>Troisième niveau</a:t>
+            </a:r>
+          </a:p>
+          <a:p>
+            <a:pPr lvl="3"/>
+            <a:r>
+              <a:rPr lang="fr-FR" smtClean="0"/>
+              <a:t>Quatrième niveau</a:t>
+            </a:r>
+          </a:p>
+          <a:p>
+            <a:pPr lvl="4"/>
+            <a:r>
+              <a:rPr lang="fr-FR" smtClean="0"/>
+              <a:t>Cinquième niveau</a:t>
+            </a:r>
+            <a:endParaRPr lang="fr-FR"/>
+          </a:p>
+        </p:txBody>
+      </p:sp>
+      <p:sp>
+        <p:nvSpPr>
+          <p:cNvPr id="6" name="Espace réservé du pied de page 5"/>
+          <p:cNvSpPr>
+            <a:spLocks noGrp="1"/>
+          </p:cNvSpPr>
+          <p:nvPr>
+            <p:ph type="ftr" sz="quarter" idx="4"/>
+          </p:nvPr>
+        </p:nvSpPr>
+        <p:spPr>
+          <a:xfrm>
+            <a:off x="0" y="8685213"/>
+            <a:ext cx="2971800" cy="457200"/>
+          </a:xfrm>
+          <a:prstGeom prst="rect">
+            <a:avLst/>
+          </a:prstGeom>
+        </p:spPr>
+        <p:txBody>
+          <a:bodyPr vert="horz" lIns="91440" tIns="45720" rIns="91440" bIns="45720" rtlCol="0" anchor="b"/>
+          <a:lstStyle>
+            <a:lvl1pPr algn="l">
+              <a:defRPr sz="1200"/>
+            </a:lvl1pPr>
+          </a:lstStyle>
+          <a:p>
+            <a:endParaRPr lang="fr-FR"/>
+          </a:p>
+        </p:txBody>
+      </p:sp>
+      <p:sp>
+        <p:nvSpPr>
+          <p:cNvPr id="7" name="Espace réservé du numéro de diapositive 6"/>
+          <p:cNvSpPr>
+            <a:spLocks noGrp="1"/>
+          </p:cNvSpPr>
+          <p:nvPr>
+            <p:ph type="sldNum" sz="quarter" idx="5"/>
+          </p:nvPr>
+        </p:nvSpPr>
+        <p:spPr>
+          <a:xfrm>
+            <a:off x="3884613" y="8685213"/>
+            <a:ext cx="2971800" cy="457200"/>
+          </a:xfrm>
+          <a:prstGeom prst="rect">
+            <a:avLst/>
+          </a:prstGeom>
+        </p:spPr>
+        <p:txBody>
+          <a:bodyPr vert="horz" lIns="91440" tIns="45720" rIns="91440" bIns="45720" rtlCol="0" anchor="b"/>
+          <a:lstStyle>
+            <a:lvl1pPr algn="r">
+              <a:defRPr sz="1200"/>
+            </a:lvl1pPr>
+          </a:lstStyle>
+          <a:p>
+            <a:fld id="{BF32D0EE-0234-42C0-A571-B82A00B1A9B1}" type="slidenum">
+              <a:rPr lang="fr-FR" smtClean="0"/>
+              <a:t>‹N°›</a:t>
+            </a:fld>
+            <a:endParaRPr lang="fr-FR"/>
+          </a:p>
+        </p:txBody>
+      </p:sp>
+    </p:spTree>
+    <p:extLst>
+      <p:ext uri="{BB962C8B-B14F-4D97-AF65-F5344CB8AC3E}">
+        <p14:creationId xmlns:p14="http://schemas.microsoft.com/office/powerpoint/2010/main" val="130499137"/>
+      </p:ext>
+    </p:extLst>
+  </p:cSld>
+  <p:clrMap bg1="lt1" tx1="dk1" bg2="lt2" tx2="dk2" accent1="accent1" accent2="accent2" accent3="accent3" accent4="accent4" accent5="accent5" accent6="accent6" hlink="hlink" folHlink="folHlink"/>
+  <p:notesStyle>
+    <a:lvl1pPr marL="0" algn="l" defTabSz="914400" rtl="0" eaLnBrk="1" latinLnBrk="0" hangingPunct="1">
+      <a:defRPr sz="1200" kern="1200">
+        <a:solidFill>
+          <a:schemeClr val="tx1"/>
+        </a:solidFill>
+        <a:latin typeface="+mn-lt"/>
+        <a:ea typeface="+mn-ea"/>
+        <a:cs typeface="+mn-cs"/>
+      </a:defRPr>
+    </a:lvl1pPr>
+    <a:lvl2pPr marL="457200" algn="l" defTabSz="914400" rtl="0" eaLnBrk="1" latinLnBrk="0" hangingPunct="1">
+      <a:defRPr sz="1200" kern="1200">
+        <a:solidFill>
+          <a:schemeClr val="tx1"/>
+        </a:solidFill>
+        <a:latin typeface="+mn-lt"/>
+        <a:ea typeface="+mn-ea"/>
+        <a:cs typeface="+mn-cs"/>
+      </a:defRPr>
+    </a:lvl2pPr>
+    <a:lvl3pPr marL="914400" algn="l" defTabSz="914400" rtl="0" eaLnBrk="1" latinLnBrk="0" hangingPunct="1">
+      <a:defRPr sz="1200" kern="1200">
+        <a:solidFill>
+          <a:schemeClr val="tx1"/>
+        </a:solidFill>
+        <a:latin typeface="+mn-lt"/>
+        <a:ea typeface="+mn-ea"/>
+        <a:cs typeface="+mn-cs"/>
+      </a:defRPr>
+    </a:lvl3pPr>
+    <a:lvl4pPr marL="1371600" algn="l" defTabSz="914400" rtl="0" eaLnBrk="1" latinLnBrk="0" hangingPunct="1">
+      <a:defRPr sz="1200" kern="1200">
+        <a:solidFill>
+          <a:schemeClr val="tx1"/>
+        </a:solidFill>
+        <a:latin typeface="+mn-lt"/>
+        <a:ea typeface="+mn-ea"/>
+        <a:cs typeface="+mn-cs"/>
+      </a:defRPr>
+    </a:lvl4pPr>
+    <a:lvl5pPr marL="1828800" algn="l" defTabSz="914400" rtl="0" eaLnBrk="1" latinLnBrk="0" hangingPunct="1">
+      <a:defRPr sz="1200" kern="1200">
+        <a:solidFill>
+          <a:schemeClr val="tx1"/>
+        </a:solidFill>
+        <a:latin typeface="+mn-lt"/>
+        <a:ea typeface="+mn-ea"/>
+        <a:cs typeface="+mn-cs"/>
+      </a:defRPr>
+    </a:lvl5pPr>
+    <a:lvl6pPr marL="2286000" algn="l" defTabSz="914400" rtl="0" eaLnBrk="1" latinLnBrk="0" hangingPunct="1">
+      <a:defRPr sz="1200" kern="1200">
+        <a:solidFill>
+          <a:schemeClr val="tx1"/>
+        </a:solidFill>
+        <a:latin typeface="+mn-lt"/>
+        <a:ea typeface="+mn-ea"/>
+        <a:cs typeface="+mn-cs"/>
+      </a:defRPr>
+    </a:lvl6pPr>
+    <a:lvl7pPr marL="2743200" algn="l" defTabSz="914400" rtl="0" eaLnBrk="1" latinLnBrk="0" hangingPunct="1">
+      <a:defRPr sz="1200" kern="1200">
+        <a:solidFill>
+          <a:schemeClr val="tx1"/>
+        </a:solidFill>
+        <a:latin typeface="+mn-lt"/>
+        <a:ea typeface="+mn-ea"/>
+        <a:cs typeface="+mn-cs"/>
+      </a:defRPr>
+    </a:lvl7pPr>
+    <a:lvl8pPr marL="3200400" algn="l" defTabSz="914400" rtl="0" eaLnBrk="1" latinLnBrk="0" hangingPunct="1">
+      <a:defRPr sz="1200" kern="1200">
+        <a:solidFill>
+          <a:schemeClr val="tx1"/>
+        </a:solidFill>
+        <a:latin typeface="+mn-lt"/>
+        <a:ea typeface="+mn-ea"/>
+        <a:cs typeface="+mn-cs"/>
+      </a:defRPr>
+    </a:lvl8pPr>
+    <a:lvl9pPr marL="3657600" algn="l" defTabSz="914400" rtl="0" eaLnBrk="1" latinLnBrk="0" hangingPunct="1">
+      <a:defRPr sz="1200" kern="1200">
+        <a:solidFill>
+          <a:schemeClr val="tx1"/>
+        </a:solidFill>
+        <a:latin typeface="+mn-lt"/>
+        <a:ea typeface="+mn-ea"/>
+        <a:cs typeface="+mn-cs"/>
+      </a:defRPr>
+    </a:lvl9pPr>
+  </p:notesStyle>
+</p:notesMaster>
+</file>
+
+<file path=ppt/notesSlides/notesSlide1.xml><?xml version="1.0" encoding="utf-8"?>
+<p:notes xmlns:a="http://schemas.openxmlformats.org/drawingml/2006/main" xmlns:r="http://schemas.openxmlformats.org/officeDocument/2006/relationships" xmlns:p="http://schemas.openxmlformats.org/presentationml/2006/main">
+  <p:cSld>
+    <p:spTree>
+      <p:nvGrpSpPr>
+        <p:cNvPr id="1" name=""/>
+        <p:cNvGrpSpPr/>
+        <p:nvPr/>
+      </p:nvGrpSpPr>
+      <p:grpSpPr>
+        <a:xfrm>
+          <a:off x="0" y="0"/>
+          <a:ext cx="0" cy="0"/>
+          <a:chOff x="0" y="0"/>
+          <a:chExt cx="0" cy="0"/>
+        </a:xfrm>
+      </p:grpSpPr>
+      <p:sp>
+        <p:nvSpPr>
+          <p:cNvPr id="2" name="Espace réservé de l'image des diapositives 1"/>
+          <p:cNvSpPr>
+            <a:spLocks noGrp="1" noRot="1" noChangeAspect="1"/>
+          </p:cNvSpPr>
+          <p:nvPr>
+            <p:ph type="sldImg"/>
+          </p:nvPr>
+        </p:nvSpPr>
+        <p:spPr/>
+      </p:sp>
+      <p:sp>
+        <p:nvSpPr>
+          <p:cNvPr id="3" name="Espace réservé des commentaires 2"/>
+          <p:cNvSpPr>
+            <a:spLocks noGrp="1"/>
+          </p:cNvSpPr>
+          <p:nvPr>
+            <p:ph type="body" idx="1"/>
+          </p:nvPr>
+        </p:nvSpPr>
+        <p:spPr/>
+        <p:txBody>
+          <a:bodyPr/>
+          <a:lstStyle/>
+          <a:p>
+            <a:r>
+              <a:rPr lang="fr-FR" dirty="0" smtClean="0"/>
+              <a:t>Bien penser à donner des exemples</a:t>
+            </a:r>
+            <a:endParaRPr lang="fr-FR" dirty="0"/>
+          </a:p>
+        </p:txBody>
+      </p:sp>
+      <p:sp>
+        <p:nvSpPr>
+          <p:cNvPr id="4" name="Espace réservé du numéro de diapositive 3"/>
+          <p:cNvSpPr>
+            <a:spLocks noGrp="1"/>
+          </p:cNvSpPr>
+          <p:nvPr>
+            <p:ph type="sldNum" sz="quarter" idx="10"/>
+          </p:nvPr>
+        </p:nvSpPr>
+        <p:spPr/>
+        <p:txBody>
+          <a:bodyPr/>
+          <a:lstStyle/>
+          <a:p>
+            <a:fld id="{BF32D0EE-0234-42C0-A571-B82A00B1A9B1}" type="slidenum">
+              <a:rPr lang="fr-FR" smtClean="0"/>
+              <a:t>2</a:t>
+            </a:fld>
+            <a:endParaRPr lang="fr-FR"/>
+          </a:p>
+        </p:txBody>
+      </p:sp>
+    </p:spTree>
+    <p:extLst>
+      <p:ext uri="{BB962C8B-B14F-4D97-AF65-F5344CB8AC3E}">
+        <p14:creationId xmlns:p14="http://schemas.microsoft.com/office/powerpoint/2010/main" val="1329987723"/>
+      </p:ext>
+    </p:extLst>
+  </p:cSld>
+  <p:clrMapOvr>
+    <a:masterClrMapping/>
+  </p:clrMapOvr>
+</p:notes>
+</file>
+
+<file path=ppt/notesSlides/notesSlide2.xml><?xml version="1.0" encoding="utf-8"?>
+<p:notes xmlns:a="http://schemas.openxmlformats.org/drawingml/2006/main" xmlns:r="http://schemas.openxmlformats.org/officeDocument/2006/relationships" xmlns:p="http://schemas.openxmlformats.org/presentationml/2006/main">
+  <p:cSld>
+    <p:spTree>
+      <p:nvGrpSpPr>
+        <p:cNvPr id="1" name=""/>
+        <p:cNvGrpSpPr/>
+        <p:nvPr/>
+      </p:nvGrpSpPr>
+      <p:grpSpPr>
+        <a:xfrm>
+          <a:off x="0" y="0"/>
+          <a:ext cx="0" cy="0"/>
+          <a:chOff x="0" y="0"/>
+          <a:chExt cx="0" cy="0"/>
+        </a:xfrm>
+      </p:grpSpPr>
+      <p:sp>
+        <p:nvSpPr>
+          <p:cNvPr id="2" name="Espace réservé de l'image des diapositives 1"/>
+          <p:cNvSpPr>
+            <a:spLocks noGrp="1" noRot="1" noChangeAspect="1"/>
+          </p:cNvSpPr>
+          <p:nvPr>
+            <p:ph type="sldImg"/>
+          </p:nvPr>
+        </p:nvSpPr>
+        <p:spPr/>
+      </p:sp>
+      <p:sp>
+        <p:nvSpPr>
+          <p:cNvPr id="3" name="Espace réservé des commentaires 2"/>
+          <p:cNvSpPr>
+            <a:spLocks noGrp="1"/>
+          </p:cNvSpPr>
+          <p:nvPr>
+            <p:ph type="body" idx="1"/>
+          </p:nvPr>
+        </p:nvSpPr>
+        <p:spPr/>
+        <p:txBody>
+          <a:bodyPr/>
+          <a:lstStyle/>
+          <a:p>
+            <a:r>
+              <a:rPr lang="fr-FR" dirty="0" smtClean="0"/>
+              <a:t>Bien penser à donner des exemples</a:t>
+            </a:r>
+            <a:endParaRPr lang="fr-FR" dirty="0"/>
+          </a:p>
+        </p:txBody>
+      </p:sp>
+      <p:sp>
+        <p:nvSpPr>
+          <p:cNvPr id="4" name="Espace réservé du numéro de diapositive 3"/>
+          <p:cNvSpPr>
+            <a:spLocks noGrp="1"/>
+          </p:cNvSpPr>
+          <p:nvPr>
+            <p:ph type="sldNum" sz="quarter" idx="10"/>
+          </p:nvPr>
+        </p:nvSpPr>
+        <p:spPr/>
+        <p:txBody>
+          <a:bodyPr/>
+          <a:lstStyle/>
+          <a:p>
+            <a:fld id="{BF32D0EE-0234-42C0-A571-B82A00B1A9B1}" type="slidenum">
+              <a:rPr lang="fr-FR" smtClean="0"/>
+              <a:t>4</a:t>
+            </a:fld>
+            <a:endParaRPr lang="fr-FR"/>
+          </a:p>
+        </p:txBody>
+      </p:sp>
+    </p:spTree>
+    <p:extLst>
+      <p:ext uri="{BB962C8B-B14F-4D97-AF65-F5344CB8AC3E}">
+        <p14:creationId xmlns:p14="http://schemas.microsoft.com/office/powerpoint/2010/main" val="1329987723"/>
+      </p:ext>
+    </p:extLst>
+  </p:cSld>
+  <p:clrMapOvr>
+    <a:masterClrMapping/>
+  </p:clrMapOvr>
+</p:notes>
+</file>
+
+<file path=ppt/notesSlides/notesSlide3.xml><?xml version="1.0" encoding="utf-8"?>
+<p:notes xmlns:a="http://schemas.openxmlformats.org/drawingml/2006/main" xmlns:r="http://schemas.openxmlformats.org/officeDocument/2006/relationships" xmlns:p="http://schemas.openxmlformats.org/presentationml/2006/main">
+  <p:cSld>
+    <p:spTree>
+      <p:nvGrpSpPr>
+        <p:cNvPr id="1" name=""/>
+        <p:cNvGrpSpPr/>
+        <p:nvPr/>
+      </p:nvGrpSpPr>
+      <p:grpSpPr>
+        <a:xfrm>
+          <a:off x="0" y="0"/>
+          <a:ext cx="0" cy="0"/>
+          <a:chOff x="0" y="0"/>
+          <a:chExt cx="0" cy="0"/>
+        </a:xfrm>
+      </p:grpSpPr>
+      <p:sp>
+        <p:nvSpPr>
+          <p:cNvPr id="2" name="Espace réservé de l'image des diapositives 1"/>
+          <p:cNvSpPr>
+            <a:spLocks noGrp="1" noRot="1" noChangeAspect="1"/>
+          </p:cNvSpPr>
+          <p:nvPr>
+            <p:ph type="sldImg"/>
+          </p:nvPr>
+        </p:nvSpPr>
+        <p:spPr/>
+      </p:sp>
+      <p:sp>
+        <p:nvSpPr>
+          <p:cNvPr id="3" name="Espace réservé des commentaires 2"/>
+          <p:cNvSpPr>
+            <a:spLocks noGrp="1"/>
+          </p:cNvSpPr>
+          <p:nvPr>
+            <p:ph type="body" idx="1"/>
+          </p:nvPr>
+        </p:nvSpPr>
+        <p:spPr/>
+        <p:txBody>
+          <a:bodyPr/>
+          <a:lstStyle/>
+          <a:p>
+            <a:r>
+              <a:rPr lang="fr-FR" dirty="0" smtClean="0"/>
+              <a:t>Bien penser à donner des exemples</a:t>
+            </a:r>
+            <a:endParaRPr lang="fr-FR" dirty="0"/>
+          </a:p>
+        </p:txBody>
+      </p:sp>
+      <p:sp>
+        <p:nvSpPr>
+          <p:cNvPr id="4" name="Espace réservé du numéro de diapositive 3"/>
+          <p:cNvSpPr>
+            <a:spLocks noGrp="1"/>
+          </p:cNvSpPr>
+          <p:nvPr>
+            <p:ph type="sldNum" sz="quarter" idx="10"/>
+          </p:nvPr>
+        </p:nvSpPr>
+        <p:spPr/>
+        <p:txBody>
+          <a:bodyPr/>
+          <a:lstStyle/>
+          <a:p>
+            <a:fld id="{BF32D0EE-0234-42C0-A571-B82A00B1A9B1}" type="slidenum">
+              <a:rPr lang="fr-FR" smtClean="0"/>
+              <a:t>5</a:t>
+            </a:fld>
+            <a:endParaRPr lang="fr-FR"/>
+          </a:p>
+        </p:txBody>
+      </p:sp>
+    </p:spTree>
+    <p:extLst>
+      <p:ext uri="{BB962C8B-B14F-4D97-AF65-F5344CB8AC3E}">
+        <p14:creationId xmlns:p14="http://schemas.microsoft.com/office/powerpoint/2010/main" val="2523557335"/>
+      </p:ext>
+    </p:extLst>
+  </p:cSld>
+  <p:clrMapOvr>
+    <a:masterClrMapping/>
+  </p:clrMapOvr>
+</p:notes>
+</file>
+
 <file path=ppt/slideLayouts/slideLayout1.xml><?xml version="1.0" encoding="utf-8"?>
 <p:sldLayout xmlns:a="http://schemas.openxmlformats.org/drawingml/2006/main" xmlns:r="http://schemas.openxmlformats.org/officeDocument/2006/relationships" xmlns:p="http://schemas.openxmlformats.org/presentationml/2006/main" type="title" preserve="1">
   <p:cSld name="Diapositive de titre">
@@ -9848,41 +10870,7 @@
                   </a:outerShdw>
                 </a:effectLst>
               </a:rPr>
-              <a:t>Maud </a:t>
-            </a:r>
-            <a:r>
-              <a:rPr lang="fr-FR" i="1" dirty="0" smtClean="0">
-                <a:solidFill>
-                  <a:schemeClr val="bg1">
-                    <a:lumMod val="50000"/>
-                  </a:schemeClr>
-                </a:solidFill>
-                <a:effectLst>
-                  <a:outerShdw blurRad="38100" dist="38100" dir="2700000" algn="tl">
-                    <a:srgbClr val="000000">
-                      <a:alpha val="43137"/>
-                    </a:srgbClr>
-                  </a:outerShdw>
-                </a:effectLst>
-              </a:rPr>
-              <a:t>Laval </a:t>
-            </a:r>
-            <a:r>
-              <a:rPr lang="fr-FR" i="1" dirty="0" smtClean="0">
-                <a:solidFill>
-                  <a:schemeClr val="bg1">
-                    <a:lumMod val="50000"/>
-                  </a:schemeClr>
-                </a:solidFill>
-                <a:effectLst>
-                  <a:outerShdw blurRad="38100" dist="38100" dir="2700000" algn="tl">
-                    <a:srgbClr val="000000">
-                      <a:alpha val="43137"/>
-                    </a:srgbClr>
-                  </a:outerShdw>
-                </a:effectLst>
-              </a:rPr>
-              <a:t>– ISIMA 4</a:t>
+              <a:t>Maud Aval – ISIMA 4</a:t>
             </a:r>
             <a:r>
               <a:rPr lang="fr-FR" i="1" baseline="30000" dirty="0" smtClean="0">
@@ -10136,7 +11124,7 @@
           <p:nvPr/>
         </p:nvPicPr>
         <p:blipFill>
-          <a:blip r:embed="rId2" cstate="print">
+          <a:blip r:embed="rId3" cstate="print">
             <a:extLst>
               <a:ext uri="{28A0092B-C50C-407E-A947-70E740481C1C}">
                 <a14:useLocalDpi xmlns:a14="http://schemas.microsoft.com/office/drawing/2010/main" val="0"/>
@@ -10166,7 +11154,7 @@
           <p:nvPr/>
         </p:nvPicPr>
         <p:blipFill>
-          <a:blip r:embed="rId3" cstate="print">
+          <a:blip r:embed="rId4" cstate="print">
             <a:extLst>
               <a:ext uri="{28A0092B-C50C-407E-A947-70E740481C1C}">
                 <a14:useLocalDpi xmlns:a14="http://schemas.microsoft.com/office/drawing/2010/main" val="0"/>
@@ -10196,7 +11184,7 @@
           <p:nvPr/>
         </p:nvPicPr>
         <p:blipFill>
-          <a:blip r:embed="rId4" cstate="print">
+          <a:blip r:embed="rId5" cstate="print">
             <a:extLst>
               <a:ext uri="{28A0092B-C50C-407E-A947-70E740481C1C}">
                 <a14:useLocalDpi xmlns:a14="http://schemas.microsoft.com/office/drawing/2010/main" val="0"/>
@@ -10331,18 +11319,18 @@
           <p:nvPr>
             <p:extLst>
               <p:ext uri="{D42A27DB-BD31-4B8C-83A1-F6EECF244321}">
-                <p14:modId xmlns:p14="http://schemas.microsoft.com/office/powerpoint/2010/main" val="2089063278"/>
+                <p14:modId xmlns:p14="http://schemas.microsoft.com/office/powerpoint/2010/main" val="2814155523"/>
               </p:ext>
             </p:extLst>
           </p:nvPr>
         </p:nvGraphicFramePr>
         <p:xfrm>
-          <a:off x="648071" y="1052736"/>
-          <a:ext cx="8100393" cy="5805264"/>
+          <a:off x="504056" y="816091"/>
+          <a:ext cx="8100392" cy="5918514"/>
         </p:xfrm>
         <a:graphic>
           <a:graphicData uri="http://schemas.openxmlformats.org/drawingml/2006/diagram">
-            <dgm:relIds xmlns:dgm="http://schemas.openxmlformats.org/drawingml/2006/diagram" xmlns:r="http://schemas.openxmlformats.org/officeDocument/2006/relationships" r:dm="rId5" r:lo="rId6" r:qs="rId7" r:cs="rId8"/>
+            <dgm:relIds xmlns:dgm="http://schemas.openxmlformats.org/drawingml/2006/diagram" xmlns:r="http://schemas.openxmlformats.org/officeDocument/2006/relationships" r:dm="rId6" r:lo="rId7" r:qs="rId8" r:cs="rId9"/>
           </a:graphicData>
         </a:graphic>
       </p:graphicFrame>
@@ -10587,7 +11575,7 @@
           <p:nvPr>
             <p:extLst>
               <p:ext uri="{D42A27DB-BD31-4B8C-83A1-F6EECF244321}">
-                <p14:modId xmlns:p14="http://schemas.microsoft.com/office/powerpoint/2010/main" val="1095554057"/>
+                <p14:modId xmlns:p14="http://schemas.microsoft.com/office/powerpoint/2010/main" val="3225351497"/>
               </p:ext>
             </p:extLst>
           </p:nvPr>
@@ -10648,7 +11636,7 @@
           <p:nvPr/>
         </p:nvPicPr>
         <p:blipFill>
-          <a:blip r:embed="rId2" cstate="print">
+          <a:blip r:embed="rId3" cstate="print">
             <a:extLst>
               <a:ext uri="{28A0092B-C50C-407E-A947-70E740481C1C}">
                 <a14:useLocalDpi xmlns:a14="http://schemas.microsoft.com/office/drawing/2010/main" val="0"/>
@@ -10678,7 +11666,7 @@
           <p:nvPr/>
         </p:nvPicPr>
         <p:blipFill>
-          <a:blip r:embed="rId3" cstate="print">
+          <a:blip r:embed="rId4" cstate="print">
             <a:extLst>
               <a:ext uri="{28A0092B-C50C-407E-A947-70E740481C1C}">
                 <a14:useLocalDpi xmlns:a14="http://schemas.microsoft.com/office/drawing/2010/main" val="0"/>
@@ -10708,7 +11696,7 @@
           <p:nvPr/>
         </p:nvPicPr>
         <p:blipFill>
-          <a:blip r:embed="rId4" cstate="print">
+          <a:blip r:embed="rId5" cstate="print">
             <a:extLst>
               <a:ext uri="{28A0092B-C50C-407E-A947-70E740481C1C}">
                 <a14:useLocalDpi xmlns:a14="http://schemas.microsoft.com/office/drawing/2010/main" val="0"/>
@@ -10838,7 +11826,116 @@
       </p:sp>
       <p:sp>
         <p:nvSpPr>
-          <p:cNvPr id="7" name="Titre 1"/>
+          <p:cNvPr id="7" name="Espace réservé du contenu 2"/>
+          <p:cNvSpPr>
+            <a:spLocks noGrp="1"/>
+          </p:cNvSpPr>
+          <p:nvPr>
+            <p:ph idx="1"/>
+          </p:nvPr>
+        </p:nvSpPr>
+        <p:spPr>
+          <a:xfrm>
+            <a:off x="457200" y="1927373"/>
+            <a:ext cx="8229600" cy="2869779"/>
+          </a:xfrm>
+        </p:spPr>
+        <p:txBody>
+          <a:bodyPr>
+            <a:normAutofit lnSpcReduction="10000"/>
+          </a:bodyPr>
+          <a:lstStyle/>
+          <a:p>
+            <a:pPr>
+              <a:buFont typeface="Wingdings" pitchFamily="2" charset="2"/>
+              <a:buChar char="v"/>
+            </a:pPr>
+            <a:r>
+              <a:rPr lang="fr-FR" sz="2800" dirty="0" smtClean="0"/>
+              <a:t> Développement plus rapide </a:t>
+            </a:r>
+          </a:p>
+          <a:p>
+            <a:pPr lvl="1">
+              <a:buFont typeface="Arial" pitchFamily="34" charset="0"/>
+              <a:buChar char="•"/>
+            </a:pPr>
+            <a:r>
+              <a:rPr lang="fr-FR" dirty="0"/>
+              <a:t>Pas besoin de nouvelles connaissances </a:t>
+            </a:r>
+            <a:endParaRPr lang="fr-FR" dirty="0" smtClean="0"/>
+          </a:p>
+          <a:p>
+            <a:pPr lvl="1">
+              <a:buFont typeface="Arial" pitchFamily="34" charset="0"/>
+              <a:buChar char="•"/>
+            </a:pPr>
+            <a:r>
+              <a:rPr lang="fr-FR" dirty="0"/>
+              <a:t>Test directement dans le navigateur </a:t>
+            </a:r>
+            <a:r>
+              <a:rPr lang="fr-FR" dirty="0" smtClean="0"/>
+              <a:t> </a:t>
+            </a:r>
+          </a:p>
+          <a:p>
+            <a:pPr>
+              <a:buFont typeface="Wingdings" pitchFamily="2" charset="2"/>
+              <a:buChar char="v"/>
+            </a:pPr>
+            <a:r>
+              <a:rPr lang="fr-FR" sz="2800" dirty="0" smtClean="0"/>
+              <a:t> </a:t>
+            </a:r>
+            <a:r>
+              <a:rPr lang="fr-FR" sz="2800" dirty="0" err="1" smtClean="0"/>
+              <a:t>Packageable</a:t>
+            </a:r>
+            <a:r>
+              <a:rPr lang="fr-FR" sz="2800" dirty="0" smtClean="0"/>
+              <a:t> </a:t>
+            </a:r>
+            <a:r>
+              <a:rPr lang="fr-FR" sz="2800" dirty="0"/>
+              <a:t>dans une application mobile </a:t>
+            </a:r>
+            <a:endParaRPr lang="fr-FR" sz="2800" dirty="0" smtClean="0"/>
+          </a:p>
+          <a:p>
+            <a:pPr lvl="1">
+              <a:buFont typeface="Arial" pitchFamily="34" charset="0"/>
+              <a:buChar char="•"/>
+            </a:pPr>
+            <a:r>
+              <a:rPr lang="fr-FR" dirty="0" smtClean="0"/>
+              <a:t>Un code, </a:t>
+            </a:r>
+            <a:r>
+              <a:rPr lang="fr-FR" dirty="0"/>
+              <a:t>plusieurs plateformes </a:t>
+            </a:r>
+          </a:p>
+          <a:p>
+            <a:pPr lvl="1">
+              <a:buFont typeface="Arial" pitchFamily="34" charset="0"/>
+              <a:buChar char="•"/>
+            </a:pPr>
+            <a:r>
+              <a:rPr lang="fr-FR" dirty="0" smtClean="0"/>
+              <a:t>Se </a:t>
+            </a:r>
+            <a:r>
+              <a:rPr lang="fr-FR" dirty="0"/>
+              <a:t>comporte comme une application native</a:t>
+            </a:r>
+          </a:p>
+        </p:txBody>
+      </p:sp>
+      <p:sp>
+        <p:nvSpPr>
+          <p:cNvPr id="9" name="Titre 1"/>
           <p:cNvSpPr>
             <a:spLocks noGrp="1"/>
           </p:cNvSpPr>
@@ -10848,7 +11945,7 @@
         </p:nvSpPr>
         <p:spPr>
           <a:xfrm>
-            <a:off x="457200" y="917848"/>
+            <a:off x="457200" y="701824"/>
             <a:ext cx="8229600" cy="1143000"/>
           </a:xfrm>
         </p:spPr>
@@ -10859,140 +11956,86 @@
           <a:lstStyle/>
           <a:p>
             <a:r>
-              <a:rPr lang="fr-FR" sz="3600" dirty="0"/>
-              <a:t>Pourquoi développer une application web?</a:t>
+              <a:rPr lang="fr-FR" sz="3600" b="1" dirty="0" smtClean="0">
+                <a:solidFill>
+                  <a:srgbClr val="00B050"/>
+                </a:solidFill>
+                <a:latin typeface="Arial Narrow" pitchFamily="34" charset="0"/>
+              </a:rPr>
+              <a:t>Pourquoi développer une </a:t>
             </a:r>
+            <a:r>
+              <a:rPr lang="fr-FR" sz="3600" b="1" dirty="0" smtClean="0">
+                <a:solidFill>
+                  <a:srgbClr val="00B050"/>
+                </a:solidFill>
+                <a:latin typeface="Arial Narrow" pitchFamily="34" charset="0"/>
+              </a:rPr>
+              <a:t>application </a:t>
+            </a:r>
+            <a:r>
+              <a:rPr lang="fr-FR" sz="3600" b="1" dirty="0" smtClean="0">
+                <a:solidFill>
+                  <a:srgbClr val="00B050"/>
+                </a:solidFill>
+                <a:latin typeface="Arial Narrow" pitchFamily="34" charset="0"/>
+              </a:rPr>
+              <a:t>web?</a:t>
+            </a:r>
+            <a:endParaRPr lang="fr-FR" sz="3600" b="1" dirty="0">
+              <a:solidFill>
+                <a:srgbClr val="00B050"/>
+              </a:solidFill>
+              <a:latin typeface="Arial Narrow" pitchFamily="34" charset="0"/>
+            </a:endParaRPr>
           </a:p>
         </p:txBody>
       </p:sp>
-      <p:sp>
-        <p:nvSpPr>
-          <p:cNvPr id="9" name="Espace réservé du contenu 2"/>
-          <p:cNvSpPr>
-            <a:spLocks noGrp="1"/>
-          </p:cNvSpPr>
-          <p:nvPr>
-            <p:ph idx="1"/>
-          </p:nvPr>
-        </p:nvSpPr>
-        <p:spPr>
+      <p:pic>
+        <p:nvPicPr>
+          <p:cNvPr id="10" name="Picture 2" descr="http://www.icoders.in/wp-content/uploads/2015/09/cordova.png"/>
+          <p:cNvPicPr>
+            <a:picLocks noChangeAspect="1" noChangeArrowheads="1"/>
+          </p:cNvPicPr>
+          <p:nvPr/>
+        </p:nvPicPr>
+        <p:blipFill>
+          <a:blip r:embed="rId6">
+            <a:extLst>
+              <a:ext uri="{28A0092B-C50C-407E-A947-70E740481C1C}">
+                <a14:useLocalDpi xmlns:a14="http://schemas.microsoft.com/office/drawing/2010/main" val="0"/>
+              </a:ext>
+            </a:extLst>
+          </a:blip>
+          <a:srcRect/>
+          <a:stretch>
+            <a:fillRect/>
+          </a:stretch>
+        </p:blipFill>
+        <p:spPr bwMode="auto">
           <a:xfrm>
-            <a:off x="457200" y="2276872"/>
-            <a:ext cx="8229600" cy="3849291"/>
+            <a:off x="2270017" y="4797152"/>
+            <a:ext cx="4603967" cy="1688122"/>
           </a:xfrm>
+          <a:prstGeom prst="rect">
+            <a:avLst/>
+          </a:prstGeom>
+          <a:noFill/>
+          <a:extLst>
+            <a:ext uri="{909E8E84-426E-40DD-AFC4-6F175D3DCCD1}">
+              <a14:hiddenFill xmlns:a14="http://schemas.microsoft.com/office/drawing/2010/main">
+                <a:solidFill>
+                  <a:srgbClr val="FFFFFF"/>
+                </a:solidFill>
+              </a14:hiddenFill>
+            </a:ext>
+          </a:extLst>
         </p:spPr>
-        <p:txBody>
-          <a:bodyPr>
-            <a:normAutofit/>
-          </a:bodyPr>
-          <a:lstStyle/>
-          <a:p>
-            <a:r>
-              <a:rPr lang="fr-FR" dirty="0" smtClean="0"/>
-              <a:t>Développement </a:t>
-            </a:r>
-            <a:r>
-              <a:rPr lang="fr-FR" dirty="0"/>
-              <a:t>plus rapide </a:t>
-            </a:r>
-            <a:endParaRPr lang="fr-FR" dirty="0" smtClean="0"/>
-          </a:p>
-          <a:p>
-            <a:pPr lvl="1"/>
-            <a:r>
-              <a:rPr lang="fr-FR" dirty="0"/>
-              <a:t>Pas besoin de nouvelles connaissances </a:t>
-            </a:r>
-            <a:endParaRPr lang="fr-FR" dirty="0" smtClean="0"/>
-          </a:p>
-          <a:p>
-            <a:pPr lvl="1"/>
-            <a:r>
-              <a:rPr lang="fr-FR" dirty="0" smtClean="0"/>
-              <a:t>Test </a:t>
-            </a:r>
-            <a:r>
-              <a:rPr lang="fr-FR" dirty="0"/>
-              <a:t>dans le navigateur </a:t>
-            </a:r>
-          </a:p>
-          <a:p>
-            <a:r>
-              <a:rPr lang="fr-FR" dirty="0" err="1" smtClean="0"/>
-              <a:t>Packageable</a:t>
-            </a:r>
-            <a:r>
-              <a:rPr lang="fr-FR" dirty="0" smtClean="0"/>
-              <a:t> </a:t>
-            </a:r>
-            <a:r>
-              <a:rPr lang="fr-FR" dirty="0"/>
-              <a:t>dans une application mobile </a:t>
-            </a:r>
-            <a:endParaRPr lang="fr-FR" dirty="0" smtClean="0"/>
-          </a:p>
-          <a:p>
-            <a:pPr lvl="1"/>
-            <a:r>
-              <a:rPr lang="fr-FR" dirty="0" smtClean="0"/>
-              <a:t>Un code, </a:t>
-            </a:r>
-            <a:r>
-              <a:rPr lang="fr-FR" dirty="0"/>
-              <a:t>plusieurs plateformes </a:t>
-            </a:r>
-            <a:endParaRPr lang="fr-FR" dirty="0" smtClean="0"/>
-          </a:p>
-          <a:p>
-            <a:pPr lvl="1"/>
-            <a:r>
-              <a:rPr lang="fr-FR" dirty="0"/>
-              <a:t>Se comporte comme une application </a:t>
-            </a:r>
-            <a:r>
-              <a:rPr lang="fr-FR" dirty="0" smtClean="0"/>
-              <a:t>native</a:t>
-            </a:r>
-            <a:endParaRPr lang="fr-FR" dirty="0" smtClean="0"/>
-          </a:p>
-          <a:p>
-            <a:pPr lvl="1"/>
-            <a:r>
-              <a:rPr lang="fr-FR" dirty="0" err="1"/>
-              <a:t>D</a:t>
-            </a:r>
-            <a:r>
-              <a:rPr lang="fr-FR" dirty="0" err="1" smtClean="0"/>
-              <a:t>éployable</a:t>
-            </a:r>
-            <a:r>
-              <a:rPr lang="fr-FR" dirty="0" smtClean="0"/>
-              <a:t> </a:t>
-            </a:r>
-            <a:r>
-              <a:rPr lang="fr-FR" dirty="0" smtClean="0"/>
-              <a:t>sur le </a:t>
-            </a:r>
-            <a:r>
-              <a:rPr lang="fr-FR" dirty="0" err="1" smtClean="0"/>
-              <a:t>PlayStore</a:t>
-            </a:r>
-            <a:r>
-              <a:rPr lang="fr-FR" dirty="0" smtClean="0"/>
-              <a:t> et l’</a:t>
-            </a:r>
-            <a:r>
-              <a:rPr lang="fr-FR" dirty="0" err="1" smtClean="0"/>
-              <a:t>AppStore</a:t>
-            </a:r>
-            <a:endParaRPr lang="fr-FR" dirty="0" smtClean="0"/>
-          </a:p>
-        </p:txBody>
-      </p:sp>
+      </p:pic>
     </p:spTree>
     <p:extLst>
       <p:ext uri="{BB962C8B-B14F-4D97-AF65-F5344CB8AC3E}">
-        <p14:creationId xmlns:p14="http://schemas.microsoft.com/office/powerpoint/2010/main" val="1533370241"/>
+        <p14:creationId xmlns:p14="http://schemas.microsoft.com/office/powerpoint/2010/main" val="2634909551"/>
       </p:ext>
     </p:extLst>
   </p:cSld>
@@ -11035,7 +12078,7 @@
           <p:nvPr/>
         </p:nvPicPr>
         <p:blipFill>
-          <a:blip r:embed="rId2" cstate="print">
+          <a:blip r:embed="rId3" cstate="print">
             <a:extLst>
               <a:ext uri="{28A0092B-C50C-407E-A947-70E740481C1C}">
                 <a14:useLocalDpi xmlns:a14="http://schemas.microsoft.com/office/drawing/2010/main" val="0"/>
@@ -11065,7 +12108,7 @@
           <p:nvPr/>
         </p:nvPicPr>
         <p:blipFill>
-          <a:blip r:embed="rId3" cstate="print">
+          <a:blip r:embed="rId4" cstate="print">
             <a:extLst>
               <a:ext uri="{28A0092B-C50C-407E-A947-70E740481C1C}">
                 <a14:useLocalDpi xmlns:a14="http://schemas.microsoft.com/office/drawing/2010/main" val="0"/>
@@ -11095,7 +12138,7 @@
           <p:nvPr/>
         </p:nvPicPr>
         <p:blipFill>
-          <a:blip r:embed="rId4" cstate="print">
+          <a:blip r:embed="rId5" cstate="print">
             <a:extLst>
               <a:ext uri="{28A0092B-C50C-407E-A947-70E740481C1C}">
                 <a14:useLocalDpi xmlns:a14="http://schemas.microsoft.com/office/drawing/2010/main" val="0"/>
@@ -11225,39 +12268,57 @@
       </p:sp>
       <p:sp>
         <p:nvSpPr>
-          <p:cNvPr id="2" name="Espace réservé du contenu 1"/>
+          <p:cNvPr id="9" name="Titre 1"/>
           <p:cNvSpPr>
             <a:spLocks noGrp="1"/>
           </p:cNvSpPr>
           <p:nvPr>
-            <p:ph idx="1"/>
+            <p:ph type="title"/>
           </p:nvPr>
         </p:nvSpPr>
         <p:spPr>
           <a:xfrm>
-            <a:off x="457200" y="1124744"/>
-            <a:ext cx="8229600" cy="5001419"/>
+            <a:off x="457200" y="701824"/>
+            <a:ext cx="8229600" cy="5607496"/>
           </a:xfrm>
         </p:spPr>
         <p:txBody>
-          <a:bodyPr anchor="ctr"/>
+          <a:bodyPr>
+            <a:normAutofit/>
+          </a:bodyPr>
           <a:lstStyle/>
           <a:p>
-            <a:pPr marL="0" indent="0" algn="ctr">
-              <a:buNone/>
-            </a:pPr>
             <a:r>
-              <a:rPr lang="fr-FR" dirty="0" smtClean="0"/>
-              <a:t>Merci de votre attention</a:t>
+              <a:rPr lang="fr-FR" sz="3600" b="1" dirty="0" smtClean="0">
+                <a:solidFill>
+                  <a:srgbClr val="00B050"/>
+                </a:solidFill>
+                <a:latin typeface="Arial Narrow" pitchFamily="34" charset="0"/>
+              </a:rPr>
+              <a:t>Merci pour </a:t>
             </a:r>
-            <a:endParaRPr lang="fr-FR" dirty="0"/>
+            <a:r>
+              <a:rPr lang="fr-FR" sz="3600" b="1" smtClean="0">
+                <a:solidFill>
+                  <a:srgbClr val="00B050"/>
+                </a:solidFill>
+                <a:latin typeface="Arial Narrow" pitchFamily="34" charset="0"/>
+              </a:rPr>
+              <a:t>votre attention</a:t>
+            </a:r>
+            <a:endParaRPr lang="fr-FR" sz="3600" b="1" dirty="0">
+              <a:solidFill>
+                <a:srgbClr val="00B050"/>
+              </a:solidFill>
+              <a:latin typeface="Arial Narrow" pitchFamily="34" charset="0"/>
+            </a:endParaRPr>
           </a:p>
         </p:txBody>
       </p:sp>
     </p:spTree>
     <p:extLst>
       <p:ext uri="{BB962C8B-B14F-4D97-AF65-F5344CB8AC3E}">
-        <p14:creationId xmlns:p14="http://schemas.microsoft.com/office/powerpoint/2010/main" val="217571848"/>
+        <p14:creationId xmlns:p14="http://schemas.microsoft.com/office/powerpoint/2010/main" val="3501495634"/>
       </p:ext>
     </p:extLst>
   </p:cSld>
@@ -11557,4 +12618,289 @@
   <a:objectDefaults/>
   <a:extraClrSchemeLst/>
 </a:theme>
+</file>
+
+<file path=ppt/theme/theme2.xml><?xml version="1.0" encoding="utf-8"?>
+<a:theme xmlns:a="http://schemas.openxmlformats.org/drawingml/2006/main" name="Thème Office">
+  <a:themeElements>
+    <a:clrScheme name="Office">
+      <a:dk1>
+        <a:sysClr val="windowText" lastClr="000000"/>
+      </a:dk1>
+      <a:lt1>
+        <a:sysClr val="window" lastClr="FFFFFF"/>
+      </a:lt1>
+      <a:dk2>
+        <a:srgbClr val="1F497D"/>
+      </a:dk2>
+      <a:lt2>
+        <a:srgbClr val="EEECE1"/>
+      </a:lt2>
+      <a:accent1>
+        <a:srgbClr val="4F81BD"/>
+      </a:accent1>
+      <a:accent2>
+        <a:srgbClr val="C0504D"/>
+      </a:accent2>
+      <a:accent3>
+        <a:srgbClr val="9BBB59"/>
+      </a:accent3>
+      <a:accent4>
+        <a:srgbClr val="8064A2"/>
+      </a:accent4>
+      <a:accent5>
+        <a:srgbClr val="4BACC6"/>
+      </a:accent5>
+      <a:accent6>
+        <a:srgbClr val="F79646"/>
+      </a:accent6>
+      <a:hlink>
+        <a:srgbClr val="0000FF"/>
+      </a:hlink>
+      <a:folHlink>
+        <a:srgbClr val="800080"/>
+      </a:folHlink>
+    </a:clrScheme>
+    <a:fontScheme name="Office">
+      <a:majorFont>
+        <a:latin typeface="Calibri"/>
+        <a:ea typeface=""/>
+        <a:cs typeface=""/>
+        <a:font script="Jpan" typeface="ＭＳ Ｐゴシック"/>
+        <a:font script="Hang" typeface="맑은 고딕"/>
+        <a:font script="Hans" typeface="宋体"/>
+        <a:font script="Hant" typeface="新細明體"/>
+        <a:font script="Arab" typeface="Times New Roman"/>
+        <a:font script="Hebr" typeface="Times New Roman"/>
+        <a:font script="Thai" typeface="Angsana New"/>
+        <a:font script="Ethi" typeface="Nyala"/>
+        <a:font script="Beng" typeface="Vrinda"/>
+        <a:font script="Gujr" typeface="Shruti"/>
+        <a:font script="Khmr" typeface="MoolBoran"/>
+        <a:font script="Knda" typeface="Tunga"/>
+        <a:font script="Guru" typeface="Raavi"/>
+        <a:font script="Cans" typeface="Euphemia"/>
+        <a:font script="Cher" typeface="Plantagenet Cherokee"/>
+        <a:font script="Yiii" typeface="Microsoft Yi Baiti"/>
+        <a:font script="Tibt" typeface="Microsoft Himalaya"/>
+        <a:font script="Thaa" typeface="MV Boli"/>
+        <a:font script="Deva" typeface="Mangal"/>
+        <a:font script="Telu" typeface="Gautami"/>
+        <a:font script="Taml" typeface="Latha"/>
+        <a:font script="Syrc" typeface="Estrangelo Edessa"/>
+        <a:font script="Orya" typeface="Kalinga"/>
+        <a:font script="Mlym" typeface="Kartika"/>
+        <a:font script="Laoo" typeface="DokChampa"/>
+        <a:font script="Sinh" typeface="Iskoola Pota"/>
+        <a:font script="Mong" typeface="Mongolian Baiti"/>
+        <a:font script="Viet" typeface="Times New Roman"/>
+        <a:font script="Uigh" typeface="Microsoft Uighur"/>
+        <a:font script="Geor" typeface="Sylfaen"/>
+      </a:majorFont>
+      <a:minorFont>
+        <a:latin typeface="Calibri"/>
+        <a:ea typeface=""/>
+        <a:cs typeface=""/>
+        <a:font script="Jpan" typeface="ＭＳ Ｐゴシック"/>
+        <a:font script="Hang" typeface="맑은 고딕"/>
+        <a:font script="Hans" typeface="宋体"/>
+        <a:font script="Hant" typeface="新細明體"/>
+        <a:font script="Arab" typeface="Arial"/>
+        <a:font script="Hebr" typeface="Arial"/>
+        <a:font script="Thai" typeface="Cordia New"/>
+        <a:font script="Ethi" typeface="Nyala"/>
+        <a:font script="Beng" typeface="Vrinda"/>
+        <a:font script="Gujr" typeface="Shruti"/>
+        <a:font script="Khmr" typeface="DaunPenh"/>
+        <a:font script="Knda" typeface="Tunga"/>
+        <a:font script="Guru" typeface="Raavi"/>
+        <a:font script="Cans" typeface="Euphemia"/>
+        <a:font script="Cher" typeface="Plantagenet Cherokee"/>
+        <a:font script="Yiii" typeface="Microsoft Yi Baiti"/>
+        <a:font script="Tibt" typeface="Microsoft Himalaya"/>
+        <a:font script="Thaa" typeface="MV Boli"/>
+        <a:font script="Deva" typeface="Mangal"/>
+        <a:font script="Telu" typeface="Gautami"/>
+        <a:font script="Taml" typeface="Latha"/>
+        <a:font script="Syrc" typeface="Estrangelo Edessa"/>
+        <a:font script="Orya" typeface="Kalinga"/>
+        <a:font script="Mlym" typeface="Kartika"/>
+        <a:font script="Laoo" typeface="DokChampa"/>
+        <a:font script="Sinh" typeface="Iskoola Pota"/>
+        <a:font script="Mong" typeface="Mongolian Baiti"/>
+        <a:font script="Viet" typeface="Arial"/>
+        <a:font script="Uigh" typeface="Microsoft Uighur"/>
+        <a:font script="Geor" typeface="Sylfaen"/>
+      </a:minorFont>
+    </a:fontScheme>
+    <a:fmtScheme name="Office">
+      <a:fillStyleLst>
+        <a:solidFill>
+          <a:schemeClr val="phClr"/>
+        </a:solidFill>
+        <a:gradFill rotWithShape="1">
+          <a:gsLst>
+            <a:gs pos="0">
+              <a:schemeClr val="phClr">
+                <a:tint val="50000"/>
+                <a:satMod val="300000"/>
+              </a:schemeClr>
+            </a:gs>
+            <a:gs pos="35000">
+              <a:schemeClr val="phClr">
+                <a:tint val="37000"/>
+                <a:satMod val="300000"/>
+              </a:schemeClr>
+            </a:gs>
+            <a:gs pos="100000">
+              <a:schemeClr val="phClr">
+                <a:tint val="15000"/>
+                <a:satMod val="350000"/>
+              </a:schemeClr>
+            </a:gs>
+          </a:gsLst>
+          <a:lin ang="16200000" scaled="1"/>
+        </a:gradFill>
+        <a:gradFill rotWithShape="1">
+          <a:gsLst>
+            <a:gs pos="0">
+              <a:schemeClr val="phClr">
+                <a:shade val="51000"/>
+                <a:satMod val="130000"/>
+              </a:schemeClr>
+            </a:gs>
+            <a:gs pos="80000">
+              <a:schemeClr val="phClr">
+                <a:shade val="93000"/>
+                <a:satMod val="130000"/>
+              </a:schemeClr>
+            </a:gs>
+            <a:gs pos="100000">
+              <a:schemeClr val="phClr">
+                <a:shade val="94000"/>
+                <a:satMod val="135000"/>
+              </a:schemeClr>
+            </a:gs>
+          </a:gsLst>
+          <a:lin ang="16200000" scaled="0"/>
+        </a:gradFill>
+      </a:fillStyleLst>
+      <a:lnStyleLst>
+        <a:ln w="9525" cap="flat" cmpd="sng" algn="ctr">
+          <a:solidFill>
+            <a:schemeClr val="phClr">
+              <a:shade val="95000"/>
+              <a:satMod val="105000"/>
+            </a:schemeClr>
+          </a:solidFill>
+          <a:prstDash val="solid"/>
+        </a:ln>
+        <a:ln w="25400" cap="flat" cmpd="sng" algn="ctr">
+          <a:solidFill>
+            <a:schemeClr val="phClr"/>
+          </a:solidFill>
+          <a:prstDash val="solid"/>
+        </a:ln>
+        <a:ln w="38100" cap="flat" cmpd="sng" algn="ctr">
+          <a:solidFill>
+            <a:schemeClr val="phClr"/>
+          </a:solidFill>
+          <a:prstDash val="solid"/>
+        </a:ln>
+      </a:lnStyleLst>
+      <a:effectStyleLst>
+        <a:effectStyle>
+          <a:effectLst>
+            <a:outerShdw blurRad="40000" dist="20000" dir="5400000" rotWithShape="0">
+              <a:srgbClr val="000000">
+                <a:alpha val="38000"/>
+              </a:srgbClr>
+            </a:outerShdw>
+          </a:effectLst>
+        </a:effectStyle>
+        <a:effectStyle>
+          <a:effectLst>
+            <a:outerShdw blurRad="40000" dist="23000" dir="5400000" rotWithShape="0">
+              <a:srgbClr val="000000">
+                <a:alpha val="35000"/>
+              </a:srgbClr>
+            </a:outerShdw>
+          </a:effectLst>
+        </a:effectStyle>
+        <a:effectStyle>
+          <a:effectLst>
+            <a:outerShdw blurRad="40000" dist="23000" dir="5400000" rotWithShape="0">
+              <a:srgbClr val="000000">
+                <a:alpha val="35000"/>
+              </a:srgbClr>
+            </a:outerShdw>
+          </a:effectLst>
+          <a:scene3d>
+            <a:camera prst="orthographicFront">
+              <a:rot lat="0" lon="0" rev="0"/>
+            </a:camera>
+            <a:lightRig rig="threePt" dir="t">
+              <a:rot lat="0" lon="0" rev="1200000"/>
+            </a:lightRig>
+          </a:scene3d>
+          <a:sp3d>
+            <a:bevelT w="63500" h="25400"/>
+          </a:sp3d>
+        </a:effectStyle>
+      </a:effectStyleLst>
+      <a:bgFillStyleLst>
+        <a:solidFill>
+          <a:schemeClr val="phClr"/>
+        </a:solidFill>
+        <a:gradFill rotWithShape="1">
+          <a:gsLst>
+            <a:gs pos="0">
+              <a:schemeClr val="phClr">
+                <a:tint val="40000"/>
+                <a:satMod val="350000"/>
+              </a:schemeClr>
+            </a:gs>
+            <a:gs pos="40000">
+              <a:schemeClr val="phClr">
+                <a:tint val="45000"/>
+                <a:shade val="99000"/>
+                <a:satMod val="350000"/>
+              </a:schemeClr>
+            </a:gs>
+            <a:gs pos="100000">
+              <a:schemeClr val="phClr">
+                <a:shade val="20000"/>
+                <a:satMod val="255000"/>
+              </a:schemeClr>
+            </a:gs>
+          </a:gsLst>
+          <a:path path="circle">
+            <a:fillToRect l="50000" t="-80000" r="50000" b="180000"/>
+          </a:path>
+        </a:gradFill>
+        <a:gradFill rotWithShape="1">
+          <a:gsLst>
+            <a:gs pos="0">
+              <a:schemeClr val="phClr">
+                <a:tint val="80000"/>
+                <a:satMod val="300000"/>
+              </a:schemeClr>
+            </a:gs>
+            <a:gs pos="100000">
+              <a:schemeClr val="phClr">
+                <a:shade val="30000"/>
+                <a:satMod val="200000"/>
+              </a:schemeClr>
+            </a:gs>
+          </a:gsLst>
+          <a:path path="circle">
+            <a:fillToRect l="50000" t="50000" r="50000" b="50000"/>
+          </a:path>
+        </a:gradFill>
+      </a:bgFillStyleLst>
+    </a:fmtScheme>
+  </a:themeElements>
+  <a:objectDefaults/>
+  <a:extraClrSchemeLst/>
+</a:theme>
 </file>
--- a/Présentation.pptx
+++ b/Présentation.pptx
@@ -2100,21 +2100,21 @@
     </dgm:pt>
   </dgm:ptLst>
   <dgm:cxnLst>
-    <dgm:cxn modelId="{C591F418-B9DD-45DA-89E4-745A59E993E7}" srcId="{4C7ED06A-44E3-4DAA-9FC6-9F62249D4600}" destId="{4358C10F-2270-471E-A7EB-B9B6622924C9}" srcOrd="2" destOrd="0" parTransId="{415309F1-DA89-4D83-96BB-53638B477939}" sibTransId="{C24356E1-ED4A-4AD8-96C9-825EE146B99C}"/>
+    <dgm:cxn modelId="{8204C627-A027-4CA3-AEA8-40FE8BE33592}" type="presOf" srcId="{4358C10F-2270-471E-A7EB-B9B6622924C9}" destId="{D3AF51AD-6AC8-48CD-882B-4BBFC6E3A76F}" srcOrd="0" destOrd="0" presId="urn:microsoft.com/office/officeart/2005/8/layout/radial6"/>
+    <dgm:cxn modelId="{CF4ED267-1575-4B6D-946B-8B42D8A650AD}" type="presOf" srcId="{4C7ED06A-44E3-4DAA-9FC6-9F62249D4600}" destId="{D20DE446-FF8A-4936-AE90-D9C6C3A19BE6}" srcOrd="0" destOrd="0" presId="urn:microsoft.com/office/officeart/2005/8/layout/radial6"/>
+    <dgm:cxn modelId="{791736C1-8C7D-4386-A42F-D1DD498FE9C9}" type="presOf" srcId="{EEDBD38B-16C3-4D69-9333-74C3D0C16A0C}" destId="{5FF5F3B2-897C-48C6-BC9C-1F455326F3FA}" srcOrd="0" destOrd="0" presId="urn:microsoft.com/office/officeart/2005/8/layout/radial6"/>
+    <dgm:cxn modelId="{1CE2AF94-0030-4B66-ADB4-07DF5F5520AE}" srcId="{4C7ED06A-44E3-4DAA-9FC6-9F62249D4600}" destId="{3524C288-6D25-4FB5-9CE2-84A8FF4E9BFD}" srcOrd="1" destOrd="0" parTransId="{9204A20C-57BA-4877-B6F4-8E41843CFA9E}" sibTransId="{1313B529-A141-48F9-816B-C131844517DE}"/>
+    <dgm:cxn modelId="{59968F56-990B-4C58-9DB2-2A1E7005BFEE}" type="presOf" srcId="{1313B529-A141-48F9-816B-C131844517DE}" destId="{1520149D-B53D-406A-A482-0456C5A284ED}" srcOrd="0" destOrd="0" presId="urn:microsoft.com/office/officeart/2005/8/layout/radial6"/>
+    <dgm:cxn modelId="{32E5FAC0-A661-40D9-86C4-CE4334E6E553}" type="presOf" srcId="{3D8456A9-3A77-425D-A887-382A3186D08D}" destId="{ED62A84B-413A-4966-A135-74953CD04B16}" srcOrd="0" destOrd="0" presId="urn:microsoft.com/office/officeart/2005/8/layout/radial6"/>
+    <dgm:cxn modelId="{7AC66642-363D-45C6-9073-640F41BF180F}" type="presOf" srcId="{C24356E1-ED4A-4AD8-96C9-825EE146B99C}" destId="{1DE748F6-8A4D-4793-A7E0-0EF7FEB88AE9}" srcOrd="0" destOrd="0" presId="urn:microsoft.com/office/officeart/2005/8/layout/radial6"/>
+    <dgm:cxn modelId="{88939A8A-30E4-478B-97D9-3ACBD5B4B5B4}" srcId="{4C7ED06A-44E3-4DAA-9FC6-9F62249D4600}" destId="{DED40A19-D509-49BB-900A-31B0FDE1C903}" srcOrd="0" destOrd="0" parTransId="{49F0CB66-DDE9-45FA-A09E-15293D1E1862}" sibTransId="{B1E2FD0E-6BB0-4E93-9257-6B927C33E511}"/>
     <dgm:cxn modelId="{1A5DB3F0-F7C1-4008-845E-0349A353F203}" type="presOf" srcId="{DED40A19-D509-49BB-900A-31B0FDE1C903}" destId="{54E193E0-5F13-4683-A0D7-525362887635}" srcOrd="0" destOrd="0" presId="urn:microsoft.com/office/officeart/2005/8/layout/radial6"/>
-    <dgm:cxn modelId="{1CE2AF94-0030-4B66-ADB4-07DF5F5520AE}" srcId="{4C7ED06A-44E3-4DAA-9FC6-9F62249D4600}" destId="{3524C288-6D25-4FB5-9CE2-84A8FF4E9BFD}" srcOrd="1" destOrd="0" parTransId="{9204A20C-57BA-4877-B6F4-8E41843CFA9E}" sibTransId="{1313B529-A141-48F9-816B-C131844517DE}"/>
+    <dgm:cxn modelId="{75734851-8DBC-469F-853F-1D58B18E25FD}" type="presOf" srcId="{01029F81-CC26-48BD-92CE-16C395AC0E0E}" destId="{4C2648CE-AC7B-492F-9545-19FEF631077F}" srcOrd="0" destOrd="0" presId="urn:microsoft.com/office/officeart/2005/8/layout/radial6"/>
     <dgm:cxn modelId="{DE221492-48E5-4C7A-8E55-3749364C69C0}" type="presOf" srcId="{3524C288-6D25-4FB5-9CE2-84A8FF4E9BFD}" destId="{283A8918-79E5-4FF4-A318-E248B0F376D2}" srcOrd="0" destOrd="0" presId="urn:microsoft.com/office/officeart/2005/8/layout/radial6"/>
     <dgm:cxn modelId="{F3357C11-D90F-43EB-82E9-BA87A1765ABD}" srcId="{3D8456A9-3A77-425D-A887-382A3186D08D}" destId="{4C7ED06A-44E3-4DAA-9FC6-9F62249D4600}" srcOrd="0" destOrd="0" parTransId="{544720E7-7C05-44F9-B147-3DB016A00008}" sibTransId="{4CD71647-3503-4874-A1B6-432CF6F5864A}"/>
-    <dgm:cxn modelId="{CF4ED267-1575-4B6D-946B-8B42D8A650AD}" type="presOf" srcId="{4C7ED06A-44E3-4DAA-9FC6-9F62249D4600}" destId="{D20DE446-FF8A-4936-AE90-D9C6C3A19BE6}" srcOrd="0" destOrd="0" presId="urn:microsoft.com/office/officeart/2005/8/layout/radial6"/>
-    <dgm:cxn modelId="{88939A8A-30E4-478B-97D9-3ACBD5B4B5B4}" srcId="{4C7ED06A-44E3-4DAA-9FC6-9F62249D4600}" destId="{DED40A19-D509-49BB-900A-31B0FDE1C903}" srcOrd="0" destOrd="0" parTransId="{49F0CB66-DDE9-45FA-A09E-15293D1E1862}" sibTransId="{B1E2FD0E-6BB0-4E93-9257-6B927C33E511}"/>
-    <dgm:cxn modelId="{75734851-8DBC-469F-853F-1D58B18E25FD}" type="presOf" srcId="{01029F81-CC26-48BD-92CE-16C395AC0E0E}" destId="{4C2648CE-AC7B-492F-9545-19FEF631077F}" srcOrd="0" destOrd="0" presId="urn:microsoft.com/office/officeart/2005/8/layout/radial6"/>
-    <dgm:cxn modelId="{7AC66642-363D-45C6-9073-640F41BF180F}" type="presOf" srcId="{C24356E1-ED4A-4AD8-96C9-825EE146B99C}" destId="{1DE748F6-8A4D-4793-A7E0-0EF7FEB88AE9}" srcOrd="0" destOrd="0" presId="urn:microsoft.com/office/officeart/2005/8/layout/radial6"/>
-    <dgm:cxn modelId="{791736C1-8C7D-4386-A42F-D1DD498FE9C9}" type="presOf" srcId="{EEDBD38B-16C3-4D69-9333-74C3D0C16A0C}" destId="{5FF5F3B2-897C-48C6-BC9C-1F455326F3FA}" srcOrd="0" destOrd="0" presId="urn:microsoft.com/office/officeart/2005/8/layout/radial6"/>
-    <dgm:cxn modelId="{59968F56-990B-4C58-9DB2-2A1E7005BFEE}" type="presOf" srcId="{1313B529-A141-48F9-816B-C131844517DE}" destId="{1520149D-B53D-406A-A482-0456C5A284ED}" srcOrd="0" destOrd="0" presId="urn:microsoft.com/office/officeart/2005/8/layout/radial6"/>
-    <dgm:cxn modelId="{32E5FAC0-A661-40D9-86C4-CE4334E6E553}" type="presOf" srcId="{3D8456A9-3A77-425D-A887-382A3186D08D}" destId="{ED62A84B-413A-4966-A135-74953CD04B16}" srcOrd="0" destOrd="0" presId="urn:microsoft.com/office/officeart/2005/8/layout/radial6"/>
+    <dgm:cxn modelId="{2B2C7FF7-28AA-4969-AF3D-7F9D4729A56F}" srcId="{4C7ED06A-44E3-4DAA-9FC6-9F62249D4600}" destId="{EEDBD38B-16C3-4D69-9333-74C3D0C16A0C}" srcOrd="3" destOrd="0" parTransId="{31108152-D090-4996-9A57-1004930F00BF}" sibTransId="{01029F81-CC26-48BD-92CE-16C395AC0E0E}"/>
+    <dgm:cxn modelId="{C591F418-B9DD-45DA-89E4-745A59E993E7}" srcId="{4C7ED06A-44E3-4DAA-9FC6-9F62249D4600}" destId="{4358C10F-2270-471E-A7EB-B9B6622924C9}" srcOrd="2" destOrd="0" parTransId="{415309F1-DA89-4D83-96BB-53638B477939}" sibTransId="{C24356E1-ED4A-4AD8-96C9-825EE146B99C}"/>
     <dgm:cxn modelId="{A116CD8E-03ED-4079-823A-974BD2FDF2EF}" type="presOf" srcId="{B1E2FD0E-6BB0-4E93-9257-6B927C33E511}" destId="{E0075C93-AF83-45A0-8812-14C43C585449}" srcOrd="0" destOrd="0" presId="urn:microsoft.com/office/officeart/2005/8/layout/radial6"/>
-    <dgm:cxn modelId="{8204C627-A027-4CA3-AEA8-40FE8BE33592}" type="presOf" srcId="{4358C10F-2270-471E-A7EB-B9B6622924C9}" destId="{D3AF51AD-6AC8-48CD-882B-4BBFC6E3A76F}" srcOrd="0" destOrd="0" presId="urn:microsoft.com/office/officeart/2005/8/layout/radial6"/>
-    <dgm:cxn modelId="{2B2C7FF7-28AA-4969-AF3D-7F9D4729A56F}" srcId="{4C7ED06A-44E3-4DAA-9FC6-9F62249D4600}" destId="{EEDBD38B-16C3-4D69-9333-74C3D0C16A0C}" srcOrd="3" destOrd="0" parTransId="{31108152-D090-4996-9A57-1004930F00BF}" sibTransId="{01029F81-CC26-48BD-92CE-16C395AC0E0E}"/>
     <dgm:cxn modelId="{842229E1-8E02-4CCC-98FF-D6CBD799957C}" type="presParOf" srcId="{ED62A84B-413A-4966-A135-74953CD04B16}" destId="{D20DE446-FF8A-4936-AE90-D9C6C3A19BE6}" srcOrd="0" destOrd="0" presId="urn:microsoft.com/office/officeart/2005/8/layout/radial6"/>
     <dgm:cxn modelId="{F3F725BA-1700-4A00-BEC2-79CBF5CC70A9}" type="presParOf" srcId="{ED62A84B-413A-4966-A135-74953CD04B16}" destId="{54E193E0-5F13-4683-A0D7-525362887635}" srcOrd="1" destOrd="0" presId="urn:microsoft.com/office/officeart/2005/8/layout/radial6"/>
     <dgm:cxn modelId="{6FB66BD9-3C60-4774-A911-AF8691DC41DC}" type="presParOf" srcId="{ED62A84B-413A-4966-A135-74953CD04B16}" destId="{79E02A6A-BB4D-413F-97ED-4A3F4F0FE276}" srcOrd="2" destOrd="0" presId="urn:microsoft.com/office/officeart/2005/8/layout/radial6"/>
@@ -2796,31 +2796,31 @@
     </dgm:pt>
   </dgm:ptLst>
   <dgm:cxnLst>
-    <dgm:cxn modelId="{3F410238-B925-4CB9-8AAC-4D0E87FF6D9D}" srcId="{C90F9CD5-C717-43F2-8B8C-6D77F546CDB6}" destId="{8AE407A8-0A87-4C74-9192-63B165F70191}" srcOrd="0" destOrd="0" parTransId="{219908FA-5F46-4D44-8D5A-7B963BD9346E}" sibTransId="{28827771-8BBB-4C7C-802D-53AD2C3BD014}"/>
-    <dgm:cxn modelId="{51B82E7B-4E2F-45ED-9E0C-756A8FF5C333}" type="presOf" srcId="{B765C3FE-3F58-41FE-897A-CDFA00F1D705}" destId="{A1B29F98-6FEA-4DE1-A63F-9C1299F64BAA}" srcOrd="0" destOrd="1" presId="urn:microsoft.com/office/officeart/2005/8/layout/StepDownProcess"/>
+    <dgm:cxn modelId="{9BB0BA30-0570-4578-B5CE-43D446F8E0B8}" type="presOf" srcId="{643ED0C3-371D-4A66-96F0-D7DDBF6958F8}" destId="{A1B29F98-6FEA-4DE1-A63F-9C1299F64BAA}" srcOrd="0" destOrd="0" presId="urn:microsoft.com/office/officeart/2005/8/layout/StepDownProcess"/>
+    <dgm:cxn modelId="{26D0702C-6B81-4ABF-BC9E-61044CF2049C}" type="presOf" srcId="{C90F9CD5-C717-43F2-8B8C-6D77F546CDB6}" destId="{C4ECD2FA-30B6-4766-BBA6-467986083F37}" srcOrd="0" destOrd="0" presId="urn:microsoft.com/office/officeart/2005/8/layout/StepDownProcess"/>
+    <dgm:cxn modelId="{173A83DA-5FE4-45A7-8887-CD25C60D674A}" srcId="{C90F9CD5-C717-43F2-8B8C-6D77F546CDB6}" destId="{143290B3-86A8-448B-A8F0-35FC32C31E1E}" srcOrd="2" destOrd="0" parTransId="{FD72C750-F98F-46CA-8661-E3451485A731}" sibTransId="{2B3292CD-3F98-47A9-A606-27C424F8E960}"/>
+    <dgm:cxn modelId="{BF8A3363-A53F-481C-8239-3DCF5C304771}" srcId="{8AE407A8-0A87-4C74-9192-63B165F70191}" destId="{643ED0C3-371D-4A66-96F0-D7DDBF6958F8}" srcOrd="0" destOrd="0" parTransId="{FF04929F-B9F5-4C6E-B381-69A1D2CA08EA}" sibTransId="{00BFEC88-F29F-4CDD-BF0B-772301504D4F}"/>
     <dgm:cxn modelId="{080C477E-5EF2-4695-B8EA-18E4586C765E}" type="presOf" srcId="{8AE407A8-0A87-4C74-9192-63B165F70191}" destId="{72B5475D-7584-4E1B-87B2-35C7AAD61276}" srcOrd="0" destOrd="0" presId="urn:microsoft.com/office/officeart/2005/8/layout/StepDownProcess"/>
+    <dgm:cxn modelId="{6BF0506F-FEC7-41F2-B886-958C67722AD0}" srcId="{143290B3-86A8-448B-A8F0-35FC32C31E1E}" destId="{2CD2D7A4-83FE-4E52-B9F4-C953A1625526}" srcOrd="1" destOrd="0" parTransId="{BFF08C6A-8223-45E5-B53B-86BEA5FD4C46}" sibTransId="{D8A615F2-FCE3-4CD9-BF7F-49A4F6CB4FDB}"/>
+    <dgm:cxn modelId="{541D24FD-4829-45A5-8DC0-5EC3BEE0BE78}" type="presOf" srcId="{6352EA6A-928F-4518-878D-96C8D6A6A4C2}" destId="{2956AA07-74CF-4398-88C4-40A50F9EC839}" srcOrd="0" destOrd="0" presId="urn:microsoft.com/office/officeart/2005/8/layout/StepDownProcess"/>
+    <dgm:cxn modelId="{62F018BD-1858-40F9-83FD-93DB5954689F}" srcId="{143290B3-86A8-448B-A8F0-35FC32C31E1E}" destId="{8D584D57-684F-4EE7-93A2-40D6C552469F}" srcOrd="4" destOrd="0" parTransId="{28B25289-A7EA-4A67-9EFA-6384D788E557}" sibTransId="{889C867E-A2E8-4C69-92E0-B19130A09871}"/>
+    <dgm:cxn modelId="{6C92B2B4-6555-460F-99F1-37B8270D6EFD}" type="presOf" srcId="{293A425E-FE1B-48BF-B98F-DD30A3C4B7D2}" destId="{50F983E3-9671-483A-BCF9-8454C2A3B038}" srcOrd="0" destOrd="1" presId="urn:microsoft.com/office/officeart/2005/8/layout/StepDownProcess"/>
+    <dgm:cxn modelId="{1B5660FD-3089-4188-A96B-D35936AE19B3}" srcId="{143290B3-86A8-448B-A8F0-35FC32C31E1E}" destId="{6352EA6A-928F-4518-878D-96C8D6A6A4C2}" srcOrd="0" destOrd="0" parTransId="{344107CF-502B-4317-9750-15943855315E}" sibTransId="{90EE4F6D-D63B-4E86-BB86-027F79B86885}"/>
     <dgm:cxn modelId="{1401667A-9341-4898-A6F4-A2A99C4922F3}" srcId="{143290B3-86A8-448B-A8F0-35FC32C31E1E}" destId="{6E15E876-012D-4A8C-B54B-38DA1E5D731D}" srcOrd="2" destOrd="0" parTransId="{6A3CADA5-B8A4-493A-9146-7FB8A4B9D945}" sibTransId="{3519D7F0-D056-4BCA-A734-0D06182C2345}"/>
-    <dgm:cxn modelId="{6C92B2B4-6555-460F-99F1-37B8270D6EFD}" type="presOf" srcId="{293A425E-FE1B-48BF-B98F-DD30A3C4B7D2}" destId="{50F983E3-9671-483A-BCF9-8454C2A3B038}" srcOrd="0" destOrd="1" presId="urn:microsoft.com/office/officeart/2005/8/layout/StepDownProcess"/>
-    <dgm:cxn modelId="{9BB0BA30-0570-4578-B5CE-43D446F8E0B8}" type="presOf" srcId="{643ED0C3-371D-4A66-96F0-D7DDBF6958F8}" destId="{A1B29F98-6FEA-4DE1-A63F-9C1299F64BAA}" srcOrd="0" destOrd="0" presId="urn:microsoft.com/office/officeart/2005/8/layout/StepDownProcess"/>
+    <dgm:cxn modelId="{402EE199-E7A0-4D55-8040-65F6944E4E0B}" type="presOf" srcId="{032F72B0-142E-4A25-93CE-FE42F82D0982}" destId="{2956AA07-74CF-4398-88C4-40A50F9EC839}" srcOrd="0" destOrd="3" presId="urn:microsoft.com/office/officeart/2005/8/layout/StepDownProcess"/>
+    <dgm:cxn modelId="{8FA5C5D2-062F-4491-8702-B17C4C304797}" type="presOf" srcId="{2CD2D7A4-83FE-4E52-B9F4-C953A1625526}" destId="{2956AA07-74CF-4398-88C4-40A50F9EC839}" srcOrd="0" destOrd="1" presId="urn:microsoft.com/office/officeart/2005/8/layout/StepDownProcess"/>
     <dgm:cxn modelId="{7CBD6A51-CE6D-4CCF-8307-4C3140A67439}" type="presOf" srcId="{8D584D57-684F-4EE7-93A2-40D6C552469F}" destId="{2956AA07-74CF-4398-88C4-40A50F9EC839}" srcOrd="0" destOrd="4" presId="urn:microsoft.com/office/officeart/2005/8/layout/StepDownProcess"/>
     <dgm:cxn modelId="{E36AA747-9A2C-4051-AC17-8B31C73BE7CA}" srcId="{BE7E251A-F504-41D3-BDF7-E51F5EBB2C0C}" destId="{293A425E-FE1B-48BF-B98F-DD30A3C4B7D2}" srcOrd="1" destOrd="0" parTransId="{5D46A460-18A5-4694-AC7B-FEDB06CA11A1}" sibTransId="{5B2102A1-BCA6-4B6D-A743-E8868DCBADC3}"/>
-    <dgm:cxn modelId="{173A83DA-5FE4-45A7-8887-CD25C60D674A}" srcId="{C90F9CD5-C717-43F2-8B8C-6D77F546CDB6}" destId="{143290B3-86A8-448B-A8F0-35FC32C31E1E}" srcOrd="2" destOrd="0" parTransId="{FD72C750-F98F-46CA-8661-E3451485A731}" sibTransId="{2B3292CD-3F98-47A9-A606-27C424F8E960}"/>
-    <dgm:cxn modelId="{26D0702C-6B81-4ABF-BC9E-61044CF2049C}" type="presOf" srcId="{C90F9CD5-C717-43F2-8B8C-6D77F546CDB6}" destId="{C4ECD2FA-30B6-4766-BBA6-467986083F37}" srcOrd="0" destOrd="0" presId="urn:microsoft.com/office/officeart/2005/8/layout/StepDownProcess"/>
+    <dgm:cxn modelId="{494811B4-BF48-43C8-ABE5-784C21FEC869}" srcId="{BE7E251A-F504-41D3-BDF7-E51F5EBB2C0C}" destId="{5354EB3F-D81B-40BB-B788-8B9E3158C940}" srcOrd="0" destOrd="0" parTransId="{15F3617D-9F19-45C7-A43F-61306E15D78A}" sibTransId="{AC126402-9173-4914-821D-74FD67CF34FC}"/>
+    <dgm:cxn modelId="{3F410238-B925-4CB9-8AAC-4D0E87FF6D9D}" srcId="{C90F9CD5-C717-43F2-8B8C-6D77F546CDB6}" destId="{8AE407A8-0A87-4C74-9192-63B165F70191}" srcOrd="0" destOrd="0" parTransId="{219908FA-5F46-4D44-8D5A-7B963BD9346E}" sibTransId="{28827771-8BBB-4C7C-802D-53AD2C3BD014}"/>
+    <dgm:cxn modelId="{6832E34F-5082-4292-A1BF-FEE27FF7A169}" type="presOf" srcId="{BE7E251A-F504-41D3-BDF7-E51F5EBB2C0C}" destId="{D2F335A2-CB2B-4E8A-B89B-113646FB1D9B}" srcOrd="0" destOrd="0" presId="urn:microsoft.com/office/officeart/2005/8/layout/StepDownProcess"/>
+    <dgm:cxn modelId="{774BF4B2-2DE9-4136-AE63-93CF375A30D7}" type="presOf" srcId="{143290B3-86A8-448B-A8F0-35FC32C31E1E}" destId="{C6B62AF6-8A74-43A6-B2E7-F7A9B50AEC4E}" srcOrd="0" destOrd="0" presId="urn:microsoft.com/office/officeart/2005/8/layout/StepDownProcess"/>
+    <dgm:cxn modelId="{29D7D78D-C9AF-4D99-BC10-682363983AF9}" srcId="{8AE407A8-0A87-4C74-9192-63B165F70191}" destId="{B765C3FE-3F58-41FE-897A-CDFA00F1D705}" srcOrd="1" destOrd="0" parTransId="{34772209-E2D8-4199-9484-DDAC0FDA2330}" sibTransId="{B297F88B-8209-4609-8651-190B5B3DA6CE}"/>
     <dgm:cxn modelId="{6D3DB2EF-148E-4ADC-82A3-2217713EAD35}" type="presOf" srcId="{6E15E876-012D-4A8C-B54B-38DA1E5D731D}" destId="{2956AA07-74CF-4398-88C4-40A50F9EC839}" srcOrd="0" destOrd="2" presId="urn:microsoft.com/office/officeart/2005/8/layout/StepDownProcess"/>
+    <dgm:cxn modelId="{9730D3B3-355A-46FC-AB3B-AF41196641CB}" type="presOf" srcId="{5354EB3F-D81B-40BB-B788-8B9E3158C940}" destId="{50F983E3-9671-483A-BCF9-8454C2A3B038}" srcOrd="0" destOrd="0" presId="urn:microsoft.com/office/officeart/2005/8/layout/StepDownProcess"/>
+    <dgm:cxn modelId="{DCB35428-3C7B-4C6A-A9C6-71571D4F3CAA}" srcId="{143290B3-86A8-448B-A8F0-35FC32C31E1E}" destId="{032F72B0-142E-4A25-93CE-FE42F82D0982}" srcOrd="3" destOrd="0" parTransId="{0F47BC57-5D5B-4282-BC1D-2D092378030E}" sibTransId="{C466C0E4-937F-4BD7-B53D-E8C21B8058B6}"/>
+    <dgm:cxn modelId="{51B82E7B-4E2F-45ED-9E0C-756A8FF5C333}" type="presOf" srcId="{B765C3FE-3F58-41FE-897A-CDFA00F1D705}" destId="{A1B29F98-6FEA-4DE1-A63F-9C1299F64BAA}" srcOrd="0" destOrd="1" presId="urn:microsoft.com/office/officeart/2005/8/layout/StepDownProcess"/>
     <dgm:cxn modelId="{E83E1C1A-7171-49AA-AD18-8C57A0677C2C}" srcId="{C90F9CD5-C717-43F2-8B8C-6D77F546CDB6}" destId="{BE7E251A-F504-41D3-BDF7-E51F5EBB2C0C}" srcOrd="1" destOrd="0" parTransId="{4DBC1CA3-C31F-4DCC-81BD-8B8333E10608}" sibTransId="{3B634A3A-D5D9-49C5-A23B-9E21BF9D9294}"/>
-    <dgm:cxn modelId="{BF8A3363-A53F-481C-8239-3DCF5C304771}" srcId="{8AE407A8-0A87-4C74-9192-63B165F70191}" destId="{643ED0C3-371D-4A66-96F0-D7DDBF6958F8}" srcOrd="0" destOrd="0" parTransId="{FF04929F-B9F5-4C6E-B381-69A1D2CA08EA}" sibTransId="{00BFEC88-F29F-4CDD-BF0B-772301504D4F}"/>
-    <dgm:cxn modelId="{6BF0506F-FEC7-41F2-B886-958C67722AD0}" srcId="{143290B3-86A8-448B-A8F0-35FC32C31E1E}" destId="{2CD2D7A4-83FE-4E52-B9F4-C953A1625526}" srcOrd="1" destOrd="0" parTransId="{BFF08C6A-8223-45E5-B53B-86BEA5FD4C46}" sibTransId="{D8A615F2-FCE3-4CD9-BF7F-49A4F6CB4FDB}"/>
-    <dgm:cxn modelId="{494811B4-BF48-43C8-ABE5-784C21FEC869}" srcId="{BE7E251A-F504-41D3-BDF7-E51F5EBB2C0C}" destId="{5354EB3F-D81B-40BB-B788-8B9E3158C940}" srcOrd="0" destOrd="0" parTransId="{15F3617D-9F19-45C7-A43F-61306E15D78A}" sibTransId="{AC126402-9173-4914-821D-74FD67CF34FC}"/>
-    <dgm:cxn modelId="{1B5660FD-3089-4188-A96B-D35936AE19B3}" srcId="{143290B3-86A8-448B-A8F0-35FC32C31E1E}" destId="{6352EA6A-928F-4518-878D-96C8D6A6A4C2}" srcOrd="0" destOrd="0" parTransId="{344107CF-502B-4317-9750-15943855315E}" sibTransId="{90EE4F6D-D63B-4E86-BB86-027F79B86885}"/>
-    <dgm:cxn modelId="{541D24FD-4829-45A5-8DC0-5EC3BEE0BE78}" type="presOf" srcId="{6352EA6A-928F-4518-878D-96C8D6A6A4C2}" destId="{2956AA07-74CF-4398-88C4-40A50F9EC839}" srcOrd="0" destOrd="0" presId="urn:microsoft.com/office/officeart/2005/8/layout/StepDownProcess"/>
-    <dgm:cxn modelId="{62F018BD-1858-40F9-83FD-93DB5954689F}" srcId="{143290B3-86A8-448B-A8F0-35FC32C31E1E}" destId="{8D584D57-684F-4EE7-93A2-40D6C552469F}" srcOrd="4" destOrd="0" parTransId="{28B25289-A7EA-4A67-9EFA-6384D788E557}" sibTransId="{889C867E-A2E8-4C69-92E0-B19130A09871}"/>
-    <dgm:cxn modelId="{774BF4B2-2DE9-4136-AE63-93CF375A30D7}" type="presOf" srcId="{143290B3-86A8-448B-A8F0-35FC32C31E1E}" destId="{C6B62AF6-8A74-43A6-B2E7-F7A9B50AEC4E}" srcOrd="0" destOrd="0" presId="urn:microsoft.com/office/officeart/2005/8/layout/StepDownProcess"/>
-    <dgm:cxn modelId="{9730D3B3-355A-46FC-AB3B-AF41196641CB}" type="presOf" srcId="{5354EB3F-D81B-40BB-B788-8B9E3158C940}" destId="{50F983E3-9671-483A-BCF9-8454C2A3B038}" srcOrd="0" destOrd="0" presId="urn:microsoft.com/office/officeart/2005/8/layout/StepDownProcess"/>
-    <dgm:cxn modelId="{6832E34F-5082-4292-A1BF-FEE27FF7A169}" type="presOf" srcId="{BE7E251A-F504-41D3-BDF7-E51F5EBB2C0C}" destId="{D2F335A2-CB2B-4E8A-B89B-113646FB1D9B}" srcOrd="0" destOrd="0" presId="urn:microsoft.com/office/officeart/2005/8/layout/StepDownProcess"/>
-    <dgm:cxn modelId="{DCB35428-3C7B-4C6A-A9C6-71571D4F3CAA}" srcId="{143290B3-86A8-448B-A8F0-35FC32C31E1E}" destId="{032F72B0-142E-4A25-93CE-FE42F82D0982}" srcOrd="3" destOrd="0" parTransId="{0F47BC57-5D5B-4282-BC1D-2D092378030E}" sibTransId="{C466C0E4-937F-4BD7-B53D-E8C21B8058B6}"/>
-    <dgm:cxn modelId="{8FA5C5D2-062F-4491-8702-B17C4C304797}" type="presOf" srcId="{2CD2D7A4-83FE-4E52-B9F4-C953A1625526}" destId="{2956AA07-74CF-4398-88C4-40A50F9EC839}" srcOrd="0" destOrd="1" presId="urn:microsoft.com/office/officeart/2005/8/layout/StepDownProcess"/>
-    <dgm:cxn modelId="{29D7D78D-C9AF-4D99-BC10-682363983AF9}" srcId="{8AE407A8-0A87-4C74-9192-63B165F70191}" destId="{B765C3FE-3F58-41FE-897A-CDFA00F1D705}" srcOrd="1" destOrd="0" parTransId="{34772209-E2D8-4199-9484-DDAC0FDA2330}" sibTransId="{B297F88B-8209-4609-8651-190B5B3DA6CE}"/>
-    <dgm:cxn modelId="{402EE199-E7A0-4D55-8040-65F6944E4E0B}" type="presOf" srcId="{032F72B0-142E-4A25-93CE-FE42F82D0982}" destId="{2956AA07-74CF-4398-88C4-40A50F9EC839}" srcOrd="0" destOrd="3" presId="urn:microsoft.com/office/officeart/2005/8/layout/StepDownProcess"/>
     <dgm:cxn modelId="{A9DF14F4-99D3-470D-9965-8D0F327BF9A6}" type="presParOf" srcId="{C4ECD2FA-30B6-4766-BBA6-467986083F37}" destId="{B1D70006-B2FC-4738-87F1-6704A64DA4BD}" srcOrd="0" destOrd="0" presId="urn:microsoft.com/office/officeart/2005/8/layout/StepDownProcess"/>
     <dgm:cxn modelId="{C0E1BE25-5A32-4CEA-A0AB-A851E8202E7D}" type="presParOf" srcId="{B1D70006-B2FC-4738-87F1-6704A64DA4BD}" destId="{303B0BDC-D72F-4268-935D-DD806C186C27}" srcOrd="0" destOrd="0" presId="urn:microsoft.com/office/officeart/2005/8/layout/StepDownProcess"/>
     <dgm:cxn modelId="{DE823372-A9E4-4C1B-A518-F47E263D89DF}" type="presParOf" srcId="{B1D70006-B2FC-4738-87F1-6704A64DA4BD}" destId="{72B5475D-7584-4E1B-87B2-35C7AAD61276}" srcOrd="1" destOrd="0" presId="urn:microsoft.com/office/officeart/2005/8/layout/StepDownProcess"/>
@@ -10856,6 +10856,40 @@
           <a:lstStyle/>
           <a:p>
             <a:r>
+              <a:rPr lang="fr-FR" i="1" smtClean="0">
+                <a:solidFill>
+                  <a:schemeClr val="bg1">
+                    <a:lumMod val="50000"/>
+                  </a:schemeClr>
+                </a:solidFill>
+                <a:effectLst>
+                  <a:outerShdw blurRad="38100" dist="38100" dir="2700000" algn="tl">
+                    <a:srgbClr val="000000">
+                      <a:alpha val="43137"/>
+                    </a:srgbClr>
+                  </a:outerShdw>
+                </a:effectLst>
+              </a:rPr>
+              <a:t>Maud </a:t>
+            </a:r>
+            <a:r>
+              <a:rPr lang="fr-FR" i="1" smtClean="0">
+                <a:solidFill>
+                  <a:schemeClr val="bg1">
+                    <a:lumMod val="50000"/>
+                  </a:schemeClr>
+                </a:solidFill>
+                <a:effectLst>
+                  <a:outerShdw blurRad="38100" dist="38100" dir="2700000" algn="tl">
+                    <a:srgbClr val="000000">
+                      <a:alpha val="43137"/>
+                    </a:srgbClr>
+                  </a:outerShdw>
+                </a:effectLst>
+              </a:rPr>
+              <a:t>Laval </a:t>
+            </a:r>
+            <a:r>
               <a:rPr lang="fr-FR" i="1" dirty="0" smtClean="0">
                 <a:solidFill>
                   <a:schemeClr val="bg1">
@@ -10870,7 +10904,7 @@
                   </a:outerShdw>
                 </a:effectLst>
               </a:rPr>
-              <a:t>Maud Aval – ISIMA 4</a:t>
+              <a:t>– ISIMA 4</a:t>
             </a:r>
             <a:r>
               <a:rPr lang="fr-FR" i="1" baseline="30000" dirty="0" smtClean="0">
@@ -11962,25 +11996,7 @@
                 </a:solidFill>
                 <a:latin typeface="Arial Narrow" pitchFamily="34" charset="0"/>
               </a:rPr>
-              <a:t>Pourquoi développer une </a:t>
-            </a:r>
-            <a:r>
-              <a:rPr lang="fr-FR" sz="3600" b="1" dirty="0" smtClean="0">
-                <a:solidFill>
-                  <a:srgbClr val="00B050"/>
-                </a:solidFill>
-                <a:latin typeface="Arial Narrow" pitchFamily="34" charset="0"/>
-              </a:rPr>
-              <a:t>application </a:t>
-            </a:r>
-            <a:r>
-              <a:rPr lang="fr-FR" sz="3600" b="1" dirty="0" smtClean="0">
-                <a:solidFill>
-                  <a:srgbClr val="00B050"/>
-                </a:solidFill>
-                <a:latin typeface="Arial Narrow" pitchFamily="34" charset="0"/>
-              </a:rPr>
-              <a:t>web?</a:t>
+              <a:t>Pourquoi développer une application web?</a:t>
             </a:r>
             <a:endParaRPr lang="fr-FR" sz="3600" b="1" dirty="0">
               <a:solidFill>
